--- a/Final Presentation.pptx
+++ b/Final Presentation.pptx
@@ -4,14 +4,20 @@
   <p:sldMasterIdLst>
     <p:sldMasterId id="2147483648" r:id="rId1"/>
   </p:sldMasterIdLst>
+  <p:notesMasterIdLst>
+    <p:notesMasterId r:id="rId12"/>
+  </p:notesMasterIdLst>
   <p:sldIdLst>
     <p:sldId id="256" r:id="rId2"/>
     <p:sldId id="262" r:id="rId3"/>
-    <p:sldId id="257" r:id="rId4"/>
-    <p:sldId id="261" r:id="rId5"/>
-    <p:sldId id="260" r:id="rId6"/>
-    <p:sldId id="259" r:id="rId7"/>
-    <p:sldId id="258" r:id="rId8"/>
+    <p:sldId id="267" r:id="rId4"/>
+    <p:sldId id="257" r:id="rId5"/>
+    <p:sldId id="266" r:id="rId6"/>
+    <p:sldId id="261" r:id="rId7"/>
+    <p:sldId id="260" r:id="rId8"/>
+    <p:sldId id="259" r:id="rId9"/>
+    <p:sldId id="258" r:id="rId10"/>
+    <p:sldId id="264" r:id="rId11"/>
   </p:sldIdLst>
   <p:sldSz cx="12192000" cy="6858000"/>
   <p:notesSz cx="6858000" cy="9144000"/>
@@ -110,6 +116,11 @@
       </a:defRPr>
     </a:lvl9pPr>
   </p:defaultTextStyle>
+  <p:extLst>
+    <p:ext uri="{EFAFB233-063F-42B5-8137-9DF3F51BA10A}">
+      <p15:sldGuideLst xmlns:p15="http://schemas.microsoft.com/office/powerpoint/2012/main"/>
+    </p:ext>
+  </p:extLst>
 </p:presentation>
 </file>
 
@@ -948,7 +959,7 @@
         <a:p>
           <a:r>
             <a:rPr lang="en-US" dirty="0"/>
-            <a:t>Convert Data Types as needed</a:t>
+            <a:t>Convert Data Types</a:t>
           </a:r>
         </a:p>
       </dgm:t>
@@ -965,42 +976,6 @@
       </dgm:t>
     </dgm:pt>
     <dgm:pt modelId="{AE00DE09-8055-4485-B2FE-40435F1DE4D5}" type="sibTrans" cxnId="{5233BC31-EB26-4DBB-A01D-83E151434EC0}">
-      <dgm:prSet/>
-      <dgm:spPr/>
-      <dgm:t>
-        <a:bodyPr/>
-        <a:lstStyle/>
-        <a:p>
-          <a:endParaRPr lang="en-US"/>
-        </a:p>
-      </dgm:t>
-    </dgm:pt>
-    <dgm:pt modelId="{7584F59C-1EA3-4630-B89D-C1C00171D7A3}">
-      <dgm:prSet phldrT="[Text]"/>
-      <dgm:spPr/>
-      <dgm:t>
-        <a:bodyPr/>
-        <a:lstStyle/>
-        <a:p>
-          <a:r>
-            <a:rPr lang="en-US" dirty="0"/>
-            <a:t>Drop Nulls</a:t>
-          </a:r>
-        </a:p>
-      </dgm:t>
-    </dgm:pt>
-    <dgm:pt modelId="{7E708F61-8E94-4706-AC7D-503EB1E71130}" type="parTrans" cxnId="{CB3DDC0E-783B-46D8-8298-82CDEF972611}">
-      <dgm:prSet/>
-      <dgm:spPr/>
-      <dgm:t>
-        <a:bodyPr/>
-        <a:lstStyle/>
-        <a:p>
-          <a:endParaRPr lang="en-US"/>
-        </a:p>
-      </dgm:t>
-    </dgm:pt>
-    <dgm:pt modelId="{C22639D6-AC6D-46A0-AB7C-6F325896A7FD}" type="sibTrans" cxnId="{CB3DDC0E-783B-46D8-8298-82CDEF972611}">
       <dgm:prSet/>
       <dgm:spPr/>
       <dgm:t>
@@ -1047,47 +1022,6 @@
         </a:p>
       </dgm:t>
     </dgm:pt>
-    <dgm:pt modelId="{E64D9D5C-342C-4636-8FC1-CAF9A1DDCF7F}">
-      <dgm:prSet phldrT="[Text]"/>
-      <dgm:spPr/>
-      <dgm:t>
-        <a:bodyPr/>
-        <a:lstStyle/>
-        <a:p>
-          <a:r>
-            <a:rPr lang="en-US" dirty="0"/>
-            <a:t>Create Database in </a:t>
-          </a:r>
-          <a:r>
-            <a:rPr lang="en-US" dirty="0" err="1"/>
-            <a:t>Postgress</a:t>
-          </a:r>
-          <a:endParaRPr lang="en-US" dirty="0"/>
-        </a:p>
-      </dgm:t>
-    </dgm:pt>
-    <dgm:pt modelId="{5BAD7457-BEF2-4EBF-A79B-F55C58F297C7}" type="parTrans" cxnId="{0BCDD8D9-F079-42D1-883A-F509F2234ACE}">
-      <dgm:prSet/>
-      <dgm:spPr/>
-      <dgm:t>
-        <a:bodyPr/>
-        <a:lstStyle/>
-        <a:p>
-          <a:endParaRPr lang="en-US"/>
-        </a:p>
-      </dgm:t>
-    </dgm:pt>
-    <dgm:pt modelId="{DC2453CA-BAF8-4F64-92C8-0B7F309E8F33}" type="sibTrans" cxnId="{0BCDD8D9-F079-42D1-883A-F509F2234ACE}">
-      <dgm:prSet/>
-      <dgm:spPr/>
-      <dgm:t>
-        <a:bodyPr/>
-        <a:lstStyle/>
-        <a:p>
-          <a:endParaRPr lang="en-US"/>
-        </a:p>
-      </dgm:t>
-    </dgm:pt>
     <dgm:pt modelId="{D464ECA8-EA3B-45E5-91B3-9A96C84BC35F}">
       <dgm:prSet phldrT="[Text]"/>
       <dgm:spPr/>
@@ -1114,78 +1048,6 @@
       </dgm:t>
     </dgm:pt>
     <dgm:pt modelId="{7EE58DD9-1068-4BA2-8982-71406BA6C7A1}" type="sibTrans" cxnId="{4E4E856D-2C79-4011-A00A-1EBD9B917624}">
-      <dgm:prSet/>
-      <dgm:spPr/>
-      <dgm:t>
-        <a:bodyPr/>
-        <a:lstStyle/>
-        <a:p>
-          <a:endParaRPr lang="en-US"/>
-        </a:p>
-      </dgm:t>
-    </dgm:pt>
-    <dgm:pt modelId="{222918B7-35F6-48AE-BC73-08D7203C3BB8}">
-      <dgm:prSet phldrT="[Text]"/>
-      <dgm:spPr/>
-      <dgm:t>
-        <a:bodyPr/>
-        <a:lstStyle/>
-        <a:p>
-          <a:r>
-            <a:rPr lang="en-US" dirty="0"/>
-            <a:t>Apply appropriate Joins</a:t>
-          </a:r>
-        </a:p>
-      </dgm:t>
-    </dgm:pt>
-    <dgm:pt modelId="{61DF849D-8F2D-471C-B167-F599104664EC}" type="parTrans" cxnId="{27DFAA78-AE19-4BBC-8187-61FA926D345B}">
-      <dgm:prSet/>
-      <dgm:spPr/>
-      <dgm:t>
-        <a:bodyPr/>
-        <a:lstStyle/>
-        <a:p>
-          <a:endParaRPr lang="en-US"/>
-        </a:p>
-      </dgm:t>
-    </dgm:pt>
-    <dgm:pt modelId="{B036D78F-61EB-4A15-9CAF-7F9415D5A9C4}" type="sibTrans" cxnId="{27DFAA78-AE19-4BBC-8187-61FA926D345B}">
-      <dgm:prSet/>
-      <dgm:spPr/>
-      <dgm:t>
-        <a:bodyPr/>
-        <a:lstStyle/>
-        <a:p>
-          <a:endParaRPr lang="en-US"/>
-        </a:p>
-      </dgm:t>
-    </dgm:pt>
-    <dgm:pt modelId="{59A63E01-D610-455E-B171-446769634432}">
-      <dgm:prSet phldrT="[Text]"/>
-      <dgm:spPr/>
-      <dgm:t>
-        <a:bodyPr/>
-        <a:lstStyle/>
-        <a:p>
-          <a:r>
-            <a:rPr lang="en-US" dirty="0"/>
-            <a:t>Create Relevant Table</a:t>
-          </a:r>
-        </a:p>
-      </dgm:t>
-    </dgm:pt>
-    <dgm:pt modelId="{90C89224-49E0-48C6-BAB5-EDBB60126AE6}" type="parTrans" cxnId="{45144A15-7E4F-415F-A16E-368ADB155202}">
-      <dgm:prSet/>
-      <dgm:spPr/>
-      <dgm:t>
-        <a:bodyPr/>
-        <a:lstStyle/>
-        <a:p>
-          <a:endParaRPr lang="en-US"/>
-        </a:p>
-      </dgm:t>
-    </dgm:pt>
-    <dgm:pt modelId="{30B4AF22-F948-4A1B-8A3A-1F640E8D2EA0}" type="sibTrans" cxnId="{45144A15-7E4F-415F-A16E-368ADB155202}">
       <dgm:prSet/>
       <dgm:spPr/>
       <dgm:t>
@@ -1268,6 +1130,76 @@
         </a:p>
       </dgm:t>
     </dgm:pt>
+    <dgm:pt modelId="{E64D9D5C-342C-4636-8FC1-CAF9A1DDCF7F}">
+      <dgm:prSet phldrT="[Text]"/>
+      <dgm:spPr/>
+      <dgm:t>
+        <a:bodyPr/>
+        <a:lstStyle/>
+        <a:p>
+          <a:r>
+            <a:rPr lang="en-US" dirty="0"/>
+            <a:t>Create Database in </a:t>
+          </a:r>
+          <a:r>
+            <a:rPr lang="en-US" dirty="0" err="1"/>
+            <a:t>Postgress</a:t>
+          </a:r>
+          <a:endParaRPr lang="en-US" dirty="0"/>
+        </a:p>
+      </dgm:t>
+    </dgm:pt>
+    <dgm:pt modelId="{DC2453CA-BAF8-4F64-92C8-0B7F309E8F33}" type="sibTrans" cxnId="{0BCDD8D9-F079-42D1-883A-F509F2234ACE}">
+      <dgm:prSet/>
+      <dgm:spPr/>
+      <dgm:t>
+        <a:bodyPr/>
+        <a:lstStyle/>
+        <a:p>
+          <a:endParaRPr lang="en-US"/>
+        </a:p>
+      </dgm:t>
+    </dgm:pt>
+    <dgm:pt modelId="{5BAD7457-BEF2-4EBF-A79B-F55C58F297C7}" type="parTrans" cxnId="{0BCDD8D9-F079-42D1-883A-F509F2234ACE}">
+      <dgm:prSet/>
+      <dgm:spPr/>
+      <dgm:t>
+        <a:bodyPr/>
+        <a:lstStyle/>
+        <a:p>
+          <a:endParaRPr lang="en-US"/>
+        </a:p>
+      </dgm:t>
+    </dgm:pt>
+    <dgm:pt modelId="{70CED490-84F7-44EE-976D-F9A8E59F1F63}">
+      <dgm:prSet phldrT="[Text]"/>
+      <dgm:spPr/>
+      <dgm:t>
+        <a:bodyPr/>
+        <a:lstStyle/>
+        <a:p>
+          <a:r>
+            <a:rPr lang="en-US" dirty="0"/>
+            <a:t>Create Visualizations</a:t>
+          </a:r>
+        </a:p>
+      </dgm:t>
+    </dgm:pt>
+    <dgm:pt modelId="{6AA3D232-8EEF-43F3-811E-693F68EBA5EE}" type="parTrans" cxnId="{89FE3105-FAF1-4538-9859-C1E9D7A843B9}">
+      <dgm:prSet/>
+      <dgm:spPr/>
+    </dgm:pt>
+    <dgm:pt modelId="{F2F469F2-EC9B-4D9A-94AC-7DFFE1E4F15C}" type="sibTrans" cxnId="{89FE3105-FAF1-4538-9859-C1E9D7A843B9}">
+      <dgm:prSet/>
+      <dgm:spPr/>
+      <dgm:t>
+        <a:bodyPr/>
+        <a:lstStyle/>
+        <a:p>
+          <a:endParaRPr lang="en-US"/>
+        </a:p>
+      </dgm:t>
+    </dgm:pt>
     <dgm:pt modelId="{CC750BF8-F326-4280-AACB-0D3D5D419253}" type="pres">
       <dgm:prSet presAssocID="{032D264C-8A25-42C2-836F-EE0625C53146}" presName="Name0" presStyleCnt="0">
         <dgm:presLayoutVars>
@@ -1278,7 +1210,7 @@
       <dgm:spPr/>
     </dgm:pt>
     <dgm:pt modelId="{A656A29C-C765-4761-B28C-D11CF7CF505A}" type="pres">
-      <dgm:prSet presAssocID="{2E54ECD4-7DAF-48B0-AF57-104284D18D21}" presName="node" presStyleLbl="node1" presStyleIdx="0" presStyleCnt="11">
+      <dgm:prSet presAssocID="{2E54ECD4-7DAF-48B0-AF57-104284D18D21}" presName="node" presStyleLbl="node1" presStyleIdx="0" presStyleCnt="9">
         <dgm:presLayoutVars>
           <dgm:bulletEnabled val="1"/>
         </dgm:presLayoutVars>
@@ -1286,15 +1218,15 @@
       <dgm:spPr/>
     </dgm:pt>
     <dgm:pt modelId="{D2134864-1BFA-4294-AF51-9B923393E9F8}" type="pres">
-      <dgm:prSet presAssocID="{4B1CCECE-42F2-4B3A-82EA-0D7132F1ABF4}" presName="sibTrans" presStyleLbl="sibTrans1D1" presStyleIdx="0" presStyleCnt="10"/>
+      <dgm:prSet presAssocID="{4B1CCECE-42F2-4B3A-82EA-0D7132F1ABF4}" presName="sibTrans" presStyleLbl="sibTrans1D1" presStyleIdx="0" presStyleCnt="8"/>
       <dgm:spPr/>
     </dgm:pt>
     <dgm:pt modelId="{BEBDCAA5-6607-4BFE-B496-C38046588CF2}" type="pres">
-      <dgm:prSet presAssocID="{4B1CCECE-42F2-4B3A-82EA-0D7132F1ABF4}" presName="connectorText" presStyleLbl="sibTrans1D1" presStyleIdx="0" presStyleCnt="10"/>
+      <dgm:prSet presAssocID="{4B1CCECE-42F2-4B3A-82EA-0D7132F1ABF4}" presName="connectorText" presStyleLbl="sibTrans1D1" presStyleIdx="0" presStyleCnt="8"/>
       <dgm:spPr/>
     </dgm:pt>
     <dgm:pt modelId="{474AB657-D8CA-44EF-AA3E-670AFE703A06}" type="pres">
-      <dgm:prSet presAssocID="{5625BC2F-B2C0-4DC8-98C4-A456E964280D}" presName="node" presStyleLbl="node1" presStyleIdx="1" presStyleCnt="11">
+      <dgm:prSet presAssocID="{5625BC2F-B2C0-4DC8-98C4-A456E964280D}" presName="node" presStyleLbl="node1" presStyleIdx="1" presStyleCnt="9">
         <dgm:presLayoutVars>
           <dgm:bulletEnabled val="1"/>
         </dgm:presLayoutVars>
@@ -1302,15 +1234,15 @@
       <dgm:spPr/>
     </dgm:pt>
     <dgm:pt modelId="{70BBA562-EC0F-412D-BE50-CB91DA3C96CE}" type="pres">
-      <dgm:prSet presAssocID="{F073869C-FD04-4DE4-B921-E89BB650DFB1}" presName="sibTrans" presStyleLbl="sibTrans1D1" presStyleIdx="1" presStyleCnt="10"/>
+      <dgm:prSet presAssocID="{F073869C-FD04-4DE4-B921-E89BB650DFB1}" presName="sibTrans" presStyleLbl="sibTrans1D1" presStyleIdx="1" presStyleCnt="8"/>
       <dgm:spPr/>
     </dgm:pt>
     <dgm:pt modelId="{382B0D48-2973-4906-A1A0-5D9F368BF165}" type="pres">
-      <dgm:prSet presAssocID="{F073869C-FD04-4DE4-B921-E89BB650DFB1}" presName="connectorText" presStyleLbl="sibTrans1D1" presStyleIdx="1" presStyleCnt="10"/>
+      <dgm:prSet presAssocID="{F073869C-FD04-4DE4-B921-E89BB650DFB1}" presName="connectorText" presStyleLbl="sibTrans1D1" presStyleIdx="1" presStyleCnt="8"/>
       <dgm:spPr/>
     </dgm:pt>
     <dgm:pt modelId="{6EFB5E30-27A3-4A75-BD9A-3B57B0E28A44}" type="pres">
-      <dgm:prSet presAssocID="{569A4260-2EC5-47AE-BEF2-CB27FA59D5BE}" presName="node" presStyleLbl="node1" presStyleIdx="2" presStyleCnt="11">
+      <dgm:prSet presAssocID="{569A4260-2EC5-47AE-BEF2-CB27FA59D5BE}" presName="node" presStyleLbl="node1" presStyleIdx="2" presStyleCnt="9">
         <dgm:presLayoutVars>
           <dgm:bulletEnabled val="1"/>
         </dgm:presLayoutVars>
@@ -1318,31 +1250,15 @@
       <dgm:spPr/>
     </dgm:pt>
     <dgm:pt modelId="{488EB26D-A9F4-46A6-9AC5-80BE2534FACC}" type="pres">
-      <dgm:prSet presAssocID="{AE00DE09-8055-4485-B2FE-40435F1DE4D5}" presName="sibTrans" presStyleLbl="sibTrans1D1" presStyleIdx="2" presStyleCnt="10"/>
+      <dgm:prSet presAssocID="{AE00DE09-8055-4485-B2FE-40435F1DE4D5}" presName="sibTrans" presStyleLbl="sibTrans1D1" presStyleIdx="2" presStyleCnt="8"/>
       <dgm:spPr/>
     </dgm:pt>
     <dgm:pt modelId="{1F9A9479-16B8-4B3A-A3AA-FA788F64E658}" type="pres">
-      <dgm:prSet presAssocID="{AE00DE09-8055-4485-B2FE-40435F1DE4D5}" presName="connectorText" presStyleLbl="sibTrans1D1" presStyleIdx="2" presStyleCnt="10"/>
-      <dgm:spPr/>
-    </dgm:pt>
-    <dgm:pt modelId="{131D7482-6621-48AD-A760-10151417D0C5}" type="pres">
-      <dgm:prSet presAssocID="{7584F59C-1EA3-4630-B89D-C1C00171D7A3}" presName="node" presStyleLbl="node1" presStyleIdx="3" presStyleCnt="11">
-        <dgm:presLayoutVars>
-          <dgm:bulletEnabled val="1"/>
-        </dgm:presLayoutVars>
-      </dgm:prSet>
-      <dgm:spPr/>
-    </dgm:pt>
-    <dgm:pt modelId="{C5EB8674-1EB9-4695-91C0-9654ADB1651E}" type="pres">
-      <dgm:prSet presAssocID="{C22639D6-AC6D-46A0-AB7C-6F325896A7FD}" presName="sibTrans" presStyleLbl="sibTrans1D1" presStyleIdx="3" presStyleCnt="10"/>
-      <dgm:spPr/>
-    </dgm:pt>
-    <dgm:pt modelId="{04465531-1C4D-42D7-A08F-2A564D1E3EA0}" type="pres">
-      <dgm:prSet presAssocID="{C22639D6-AC6D-46A0-AB7C-6F325896A7FD}" presName="connectorText" presStyleLbl="sibTrans1D1" presStyleIdx="3" presStyleCnt="10"/>
+      <dgm:prSet presAssocID="{AE00DE09-8055-4485-B2FE-40435F1DE4D5}" presName="connectorText" presStyleLbl="sibTrans1D1" presStyleIdx="2" presStyleCnt="8"/>
       <dgm:spPr/>
     </dgm:pt>
     <dgm:pt modelId="{45776EE9-0179-45C4-8D04-198F4C19DBEC}" type="pres">
-      <dgm:prSet presAssocID="{43C24756-5662-4CDC-A647-FAE9191A2E57}" presName="node" presStyleLbl="node1" presStyleIdx="4" presStyleCnt="11">
+      <dgm:prSet presAssocID="{43C24756-5662-4CDC-A647-FAE9191A2E57}" presName="node" presStyleLbl="node1" presStyleIdx="3" presStyleCnt="9">
         <dgm:presLayoutVars>
           <dgm:bulletEnabled val="1"/>
         </dgm:presLayoutVars>
@@ -1350,15 +1266,31 @@
       <dgm:spPr/>
     </dgm:pt>
     <dgm:pt modelId="{D336EBE6-50DA-4268-BC00-65E780CD363B}" type="pres">
-      <dgm:prSet presAssocID="{C674F65B-E017-41C9-AF72-47EBDA24C675}" presName="sibTrans" presStyleLbl="sibTrans1D1" presStyleIdx="4" presStyleCnt="10"/>
+      <dgm:prSet presAssocID="{C674F65B-E017-41C9-AF72-47EBDA24C675}" presName="sibTrans" presStyleLbl="sibTrans1D1" presStyleIdx="3" presStyleCnt="8"/>
       <dgm:spPr/>
     </dgm:pt>
     <dgm:pt modelId="{7EB44169-6CF0-4D46-A8E5-B6E1247F2E63}" type="pres">
-      <dgm:prSet presAssocID="{C674F65B-E017-41C9-AF72-47EBDA24C675}" presName="connectorText" presStyleLbl="sibTrans1D1" presStyleIdx="4" presStyleCnt="10"/>
+      <dgm:prSet presAssocID="{C674F65B-E017-41C9-AF72-47EBDA24C675}" presName="connectorText" presStyleLbl="sibTrans1D1" presStyleIdx="3" presStyleCnt="8"/>
+      <dgm:spPr/>
+    </dgm:pt>
+    <dgm:pt modelId="{949D61C6-165C-4C3D-811A-91BEF4A3093F}" type="pres">
+      <dgm:prSet presAssocID="{70CED490-84F7-44EE-976D-F9A8E59F1F63}" presName="node" presStyleLbl="node1" presStyleIdx="4" presStyleCnt="9">
+        <dgm:presLayoutVars>
+          <dgm:bulletEnabled val="1"/>
+        </dgm:presLayoutVars>
+      </dgm:prSet>
+      <dgm:spPr/>
+    </dgm:pt>
+    <dgm:pt modelId="{0B917D6C-A2D7-4A94-90D3-71F3CE04D136}" type="pres">
+      <dgm:prSet presAssocID="{F2F469F2-EC9B-4D9A-94AC-7DFFE1E4F15C}" presName="sibTrans" presStyleLbl="sibTrans1D1" presStyleIdx="4" presStyleCnt="8"/>
+      <dgm:spPr/>
+    </dgm:pt>
+    <dgm:pt modelId="{427301AC-1698-47CE-92EA-20850F88E5D7}" type="pres">
+      <dgm:prSet presAssocID="{F2F469F2-EC9B-4D9A-94AC-7DFFE1E4F15C}" presName="connectorText" presStyleLbl="sibTrans1D1" presStyleIdx="4" presStyleCnt="8"/>
       <dgm:spPr/>
     </dgm:pt>
     <dgm:pt modelId="{E127DDED-7B13-4E77-9F23-36DDF613C512}" type="pres">
-      <dgm:prSet presAssocID="{E64D9D5C-342C-4636-8FC1-CAF9A1DDCF7F}" presName="node" presStyleLbl="node1" presStyleIdx="5" presStyleCnt="11">
+      <dgm:prSet presAssocID="{E64D9D5C-342C-4636-8FC1-CAF9A1DDCF7F}" presName="node" presStyleLbl="node1" presStyleIdx="5" presStyleCnt="9">
         <dgm:presLayoutVars>
           <dgm:bulletEnabled val="1"/>
         </dgm:presLayoutVars>
@@ -1366,15 +1298,15 @@
       <dgm:spPr/>
     </dgm:pt>
     <dgm:pt modelId="{D72DB89F-E5A4-43A8-934E-ADDC0A72599D}" type="pres">
-      <dgm:prSet presAssocID="{DC2453CA-BAF8-4F64-92C8-0B7F309E8F33}" presName="sibTrans" presStyleLbl="sibTrans1D1" presStyleIdx="5" presStyleCnt="10"/>
+      <dgm:prSet presAssocID="{DC2453CA-BAF8-4F64-92C8-0B7F309E8F33}" presName="sibTrans" presStyleLbl="sibTrans1D1" presStyleIdx="5" presStyleCnt="8"/>
       <dgm:spPr/>
     </dgm:pt>
     <dgm:pt modelId="{F7FAF35E-FE0E-4F9B-838A-6DAED0854FCE}" type="pres">
-      <dgm:prSet presAssocID="{DC2453CA-BAF8-4F64-92C8-0B7F309E8F33}" presName="connectorText" presStyleLbl="sibTrans1D1" presStyleIdx="5" presStyleCnt="10"/>
+      <dgm:prSet presAssocID="{DC2453CA-BAF8-4F64-92C8-0B7F309E8F33}" presName="connectorText" presStyleLbl="sibTrans1D1" presStyleIdx="5" presStyleCnt="8"/>
       <dgm:spPr/>
     </dgm:pt>
     <dgm:pt modelId="{93D82ED3-A4A2-4D76-BBF8-76AAC45BB2B8}" type="pres">
-      <dgm:prSet presAssocID="{D464ECA8-EA3B-45E5-91B3-9A96C84BC35F}" presName="node" presStyleLbl="node1" presStyleIdx="6" presStyleCnt="11">
+      <dgm:prSet presAssocID="{D464ECA8-EA3B-45E5-91B3-9A96C84BC35F}" presName="node" presStyleLbl="node1" presStyleIdx="6" presStyleCnt="9">
         <dgm:presLayoutVars>
           <dgm:bulletEnabled val="1"/>
         </dgm:presLayoutVars>
@@ -1382,47 +1314,15 @@
       <dgm:spPr/>
     </dgm:pt>
     <dgm:pt modelId="{0D4B8EC1-9F1A-4066-9890-001E7223598C}" type="pres">
-      <dgm:prSet presAssocID="{7EE58DD9-1068-4BA2-8982-71406BA6C7A1}" presName="sibTrans" presStyleLbl="sibTrans1D1" presStyleIdx="6" presStyleCnt="10"/>
+      <dgm:prSet presAssocID="{7EE58DD9-1068-4BA2-8982-71406BA6C7A1}" presName="sibTrans" presStyleLbl="sibTrans1D1" presStyleIdx="6" presStyleCnt="8"/>
       <dgm:spPr/>
     </dgm:pt>
     <dgm:pt modelId="{48D6FEE3-58C1-4A33-9AC0-092F7B2D0542}" type="pres">
-      <dgm:prSet presAssocID="{7EE58DD9-1068-4BA2-8982-71406BA6C7A1}" presName="connectorText" presStyleLbl="sibTrans1D1" presStyleIdx="6" presStyleCnt="10"/>
-      <dgm:spPr/>
-    </dgm:pt>
-    <dgm:pt modelId="{5C0F8F36-9468-4F6A-AD52-987C07E1A35F}" type="pres">
-      <dgm:prSet presAssocID="{222918B7-35F6-48AE-BC73-08D7203C3BB8}" presName="node" presStyleLbl="node1" presStyleIdx="7" presStyleCnt="11">
-        <dgm:presLayoutVars>
-          <dgm:bulletEnabled val="1"/>
-        </dgm:presLayoutVars>
-      </dgm:prSet>
-      <dgm:spPr/>
-    </dgm:pt>
-    <dgm:pt modelId="{8D49EFEE-F47A-446D-93C2-2E07BD6F1683}" type="pres">
-      <dgm:prSet presAssocID="{B036D78F-61EB-4A15-9CAF-7F9415D5A9C4}" presName="sibTrans" presStyleLbl="sibTrans1D1" presStyleIdx="7" presStyleCnt="10"/>
-      <dgm:spPr/>
-    </dgm:pt>
-    <dgm:pt modelId="{7826AD84-4047-41AE-9B86-7F4F9AC17AF0}" type="pres">
-      <dgm:prSet presAssocID="{B036D78F-61EB-4A15-9CAF-7F9415D5A9C4}" presName="connectorText" presStyleLbl="sibTrans1D1" presStyleIdx="7" presStyleCnt="10"/>
-      <dgm:spPr/>
-    </dgm:pt>
-    <dgm:pt modelId="{F31E99BB-C729-4EF2-9E48-4150A56AB77D}" type="pres">
-      <dgm:prSet presAssocID="{59A63E01-D610-455E-B171-446769634432}" presName="node" presStyleLbl="node1" presStyleIdx="8" presStyleCnt="11">
-        <dgm:presLayoutVars>
-          <dgm:bulletEnabled val="1"/>
-        </dgm:presLayoutVars>
-      </dgm:prSet>
-      <dgm:spPr/>
-    </dgm:pt>
-    <dgm:pt modelId="{81B6C5E7-9BF1-47FC-8F60-23D41C50F5D3}" type="pres">
-      <dgm:prSet presAssocID="{30B4AF22-F948-4A1B-8A3A-1F640E8D2EA0}" presName="sibTrans" presStyleLbl="sibTrans1D1" presStyleIdx="8" presStyleCnt="10"/>
-      <dgm:spPr/>
-    </dgm:pt>
-    <dgm:pt modelId="{DB97BE3A-D6FA-461A-B6AF-2C92650FA710}" type="pres">
-      <dgm:prSet presAssocID="{30B4AF22-F948-4A1B-8A3A-1F640E8D2EA0}" presName="connectorText" presStyleLbl="sibTrans1D1" presStyleIdx="8" presStyleCnt="10"/>
+      <dgm:prSet presAssocID="{7EE58DD9-1068-4BA2-8982-71406BA6C7A1}" presName="connectorText" presStyleLbl="sibTrans1D1" presStyleIdx="6" presStyleCnt="8"/>
       <dgm:spPr/>
     </dgm:pt>
     <dgm:pt modelId="{4F67A7A2-21B5-4222-BD82-4D30E58D3B34}" type="pres">
-      <dgm:prSet presAssocID="{AB1CDB01-1ED7-4B27-AC11-38B129B4E58B}" presName="node" presStyleLbl="node1" presStyleIdx="9" presStyleCnt="11">
+      <dgm:prSet presAssocID="{AB1CDB01-1ED7-4B27-AC11-38B129B4E58B}" presName="node" presStyleLbl="node1" presStyleIdx="7" presStyleCnt="9">
         <dgm:presLayoutVars>
           <dgm:bulletEnabled val="1"/>
         </dgm:presLayoutVars>
@@ -1430,15 +1330,15 @@
       <dgm:spPr/>
     </dgm:pt>
     <dgm:pt modelId="{E6624F23-894F-44BF-B461-5E177B3C5E39}" type="pres">
-      <dgm:prSet presAssocID="{346E804C-83B0-4972-ACDD-822515A64621}" presName="sibTrans" presStyleLbl="sibTrans1D1" presStyleIdx="9" presStyleCnt="10"/>
+      <dgm:prSet presAssocID="{346E804C-83B0-4972-ACDD-822515A64621}" presName="sibTrans" presStyleLbl="sibTrans1D1" presStyleIdx="7" presStyleCnt="8"/>
       <dgm:spPr/>
     </dgm:pt>
     <dgm:pt modelId="{265350E9-FAB2-4425-B008-DE087587D491}" type="pres">
-      <dgm:prSet presAssocID="{346E804C-83B0-4972-ACDD-822515A64621}" presName="connectorText" presStyleLbl="sibTrans1D1" presStyleIdx="9" presStyleCnt="10"/>
+      <dgm:prSet presAssocID="{346E804C-83B0-4972-ACDD-822515A64621}" presName="connectorText" presStyleLbl="sibTrans1D1" presStyleIdx="7" presStyleCnt="8"/>
       <dgm:spPr/>
     </dgm:pt>
     <dgm:pt modelId="{6012C09E-D6FE-4E88-89CB-695722181276}" type="pres">
-      <dgm:prSet presAssocID="{D524AD30-BF79-42AD-8344-6455F261C81E}" presName="node" presStyleLbl="node1" presStyleIdx="10" presStyleCnt="11">
+      <dgm:prSet presAssocID="{D524AD30-BF79-42AD-8344-6455F261C81E}" presName="node" presStyleLbl="node1" presStyleIdx="8" presStyleCnt="9">
         <dgm:presLayoutVars>
           <dgm:bulletEnabled val="1"/>
         </dgm:presLayoutVars>
@@ -1449,13 +1349,11 @@
   <dgm:cxnLst>
     <dgm:cxn modelId="{620FD101-7AC2-4688-AEC0-0269B1C73DCC}" type="presOf" srcId="{DC2453CA-BAF8-4F64-92C8-0B7F309E8F33}" destId="{F7FAF35E-FE0E-4F9B-838A-6DAED0854FCE}" srcOrd="1" destOrd="0" presId="urn:microsoft.com/office/officeart/2005/8/layout/bProcess3"/>
     <dgm:cxn modelId="{CE9BAF04-0D4A-4162-990A-5405C5D3362D}" type="presOf" srcId="{569A4260-2EC5-47AE-BEF2-CB27FA59D5BE}" destId="{6EFB5E30-27A3-4A75-BD9A-3B57B0E28A44}" srcOrd="0" destOrd="0" presId="urn:microsoft.com/office/officeart/2005/8/layout/bProcess3"/>
-    <dgm:cxn modelId="{CB3DDC0E-783B-46D8-8298-82CDEF972611}" srcId="{032D264C-8A25-42C2-836F-EE0625C53146}" destId="{7584F59C-1EA3-4630-B89D-C1C00171D7A3}" srcOrd="3" destOrd="0" parTransId="{7E708F61-8E94-4706-AC7D-503EB1E71130}" sibTransId="{C22639D6-AC6D-46A0-AB7C-6F325896A7FD}"/>
-    <dgm:cxn modelId="{45144A15-7E4F-415F-A16E-368ADB155202}" srcId="{032D264C-8A25-42C2-836F-EE0625C53146}" destId="{59A63E01-D610-455E-B171-446769634432}" srcOrd="8" destOrd="0" parTransId="{90C89224-49E0-48C6-BAB5-EDBB60126AE6}" sibTransId="{30B4AF22-F948-4A1B-8A3A-1F640E8D2EA0}"/>
+    <dgm:cxn modelId="{89FE3105-FAF1-4538-9859-C1E9D7A843B9}" srcId="{032D264C-8A25-42C2-836F-EE0625C53146}" destId="{70CED490-84F7-44EE-976D-F9A8E59F1F63}" srcOrd="4" destOrd="0" parTransId="{6AA3D232-8EEF-43F3-811E-693F68EBA5EE}" sibTransId="{F2F469F2-EC9B-4D9A-94AC-7DFFE1E4F15C}"/>
     <dgm:cxn modelId="{C89F3F18-B502-4C6F-933A-E2EE044E37EC}" type="presOf" srcId="{F073869C-FD04-4DE4-B921-E89BB650DFB1}" destId="{70BBA562-EC0F-412D-BE50-CB91DA3C96CE}" srcOrd="0" destOrd="0" presId="urn:microsoft.com/office/officeart/2005/8/layout/bProcess3"/>
     <dgm:cxn modelId="{BB8C0C1C-00BC-41B2-A52A-5894DCD00166}" type="presOf" srcId="{E64D9D5C-342C-4636-8FC1-CAF9A1DDCF7F}" destId="{E127DDED-7B13-4E77-9F23-36DDF613C512}" srcOrd="0" destOrd="0" presId="urn:microsoft.com/office/officeart/2005/8/layout/bProcess3"/>
     <dgm:cxn modelId="{2ED3771F-E9A0-4288-BB5C-26E0B11198E5}" type="presOf" srcId="{5625BC2F-B2C0-4DC8-98C4-A456E964280D}" destId="{474AB657-D8CA-44EF-AA3E-670AFE703A06}" srcOrd="0" destOrd="0" presId="urn:microsoft.com/office/officeart/2005/8/layout/bProcess3"/>
-    <dgm:cxn modelId="{80A77C22-471F-444B-986C-0DB60591362D}" srcId="{032D264C-8A25-42C2-836F-EE0625C53146}" destId="{43C24756-5662-4CDC-A647-FAE9191A2E57}" srcOrd="4" destOrd="0" parTransId="{B2F0183E-D352-4EA2-96B9-392AAE2CB198}" sibTransId="{C674F65B-E017-41C9-AF72-47EBDA24C675}"/>
-    <dgm:cxn modelId="{2E84CD24-B220-466C-BF01-9048E5E11EED}" type="presOf" srcId="{C22639D6-AC6D-46A0-AB7C-6F325896A7FD}" destId="{C5EB8674-1EB9-4695-91C0-9654ADB1651E}" srcOrd="0" destOrd="0" presId="urn:microsoft.com/office/officeart/2005/8/layout/bProcess3"/>
+    <dgm:cxn modelId="{80A77C22-471F-444B-986C-0DB60591362D}" srcId="{032D264C-8A25-42C2-836F-EE0625C53146}" destId="{43C24756-5662-4CDC-A647-FAE9191A2E57}" srcOrd="3" destOrd="0" parTransId="{B2F0183E-D352-4EA2-96B9-392AAE2CB198}" sibTransId="{C674F65B-E017-41C9-AF72-47EBDA24C675}"/>
     <dgm:cxn modelId="{660BB52F-C898-4BA1-8850-A537E59ED2C9}" type="presOf" srcId="{7EE58DD9-1068-4BA2-8982-71406BA6C7A1}" destId="{48D6FEE3-58C1-4A33-9AC0-092F7B2D0542}" srcOrd="1" destOrd="0" presId="urn:microsoft.com/office/officeart/2005/8/layout/bProcess3"/>
     <dgm:cxn modelId="{5233BC31-EB26-4DBB-A01D-83E151434EC0}" srcId="{032D264C-8A25-42C2-836F-EE0625C53146}" destId="{569A4260-2EC5-47AE-BEF2-CB27FA59D5BE}" srcOrd="2" destOrd="0" parTransId="{ECD8998A-411A-414A-A7CC-E0D7808EF2B1}" sibTransId="{AE00DE09-8055-4485-B2FE-40435F1DE4D5}"/>
     <dgm:cxn modelId="{A861CA33-0ECA-457A-B24A-227833779539}" type="presOf" srcId="{7EE58DD9-1068-4BA2-8982-71406BA6C7A1}" destId="{0D4B8EC1-9F1A-4066-9890-001E7223598C}" srcOrd="0" destOrd="0" presId="urn:microsoft.com/office/officeart/2005/8/layout/bProcess3"/>
@@ -1465,31 +1363,25 @@
     <dgm:cxn modelId="{BEB6E048-88D9-4EBD-816E-AB44AB5B117C}" type="presOf" srcId="{032D264C-8A25-42C2-836F-EE0625C53146}" destId="{CC750BF8-F326-4280-AACB-0D3D5D419253}" srcOrd="0" destOrd="0" presId="urn:microsoft.com/office/officeart/2005/8/layout/bProcess3"/>
     <dgm:cxn modelId="{4E4E856D-2C79-4011-A00A-1EBD9B917624}" srcId="{032D264C-8A25-42C2-836F-EE0625C53146}" destId="{D464ECA8-EA3B-45E5-91B3-9A96C84BC35F}" srcOrd="6" destOrd="0" parTransId="{C8413B58-E324-4B1F-9B58-182414DC45D5}" sibTransId="{7EE58DD9-1068-4BA2-8982-71406BA6C7A1}"/>
     <dgm:cxn modelId="{0708B06F-9F0C-4305-9CCE-3F63F8B5116C}" type="presOf" srcId="{4B1CCECE-42F2-4B3A-82EA-0D7132F1ABF4}" destId="{D2134864-1BFA-4294-AF51-9B923393E9F8}" srcOrd="0" destOrd="0" presId="urn:microsoft.com/office/officeart/2005/8/layout/bProcess3"/>
-    <dgm:cxn modelId="{27DFAA78-AE19-4BBC-8187-61FA926D345B}" srcId="{032D264C-8A25-42C2-836F-EE0625C53146}" destId="{222918B7-35F6-48AE-BC73-08D7203C3BB8}" srcOrd="7" destOrd="0" parTransId="{61DF849D-8F2D-471C-B167-F599104664EC}" sibTransId="{B036D78F-61EB-4A15-9CAF-7F9415D5A9C4}"/>
     <dgm:cxn modelId="{3E553F82-35CB-419E-8517-4D96235C5ED2}" type="presOf" srcId="{AB1CDB01-1ED7-4B27-AC11-38B129B4E58B}" destId="{4F67A7A2-21B5-4222-BD82-4D30E58D3B34}" srcOrd="0" destOrd="0" presId="urn:microsoft.com/office/officeart/2005/8/layout/bProcess3"/>
-    <dgm:cxn modelId="{C3D5C882-EEAC-4E2E-983D-695D73E1C2AE}" type="presOf" srcId="{B036D78F-61EB-4A15-9CAF-7F9415D5A9C4}" destId="{7826AD84-4047-41AE-9B86-7F4F9AC17AF0}" srcOrd="1" destOrd="0" presId="urn:microsoft.com/office/officeart/2005/8/layout/bProcess3"/>
     <dgm:cxn modelId="{D87A4989-E0C4-43DA-A201-D6E63B64AFAD}" srcId="{032D264C-8A25-42C2-836F-EE0625C53146}" destId="{5625BC2F-B2C0-4DC8-98C4-A456E964280D}" srcOrd="1" destOrd="0" parTransId="{5041750F-CE55-4B0B-9795-CAFAC546696C}" sibTransId="{F073869C-FD04-4DE4-B921-E89BB650DFB1}"/>
     <dgm:cxn modelId="{B711F68A-D3DC-4015-9A2E-C8A707F57A36}" type="presOf" srcId="{346E804C-83B0-4972-ACDD-822515A64621}" destId="{265350E9-FAB2-4425-B008-DE087587D491}" srcOrd="1" destOrd="0" presId="urn:microsoft.com/office/officeart/2005/8/layout/bProcess3"/>
     <dgm:cxn modelId="{903FE88E-8DB8-4641-8438-DE1D945216AF}" type="presOf" srcId="{DC2453CA-BAF8-4F64-92C8-0B7F309E8F33}" destId="{D72DB89F-E5A4-43A8-934E-ADDC0A72599D}" srcOrd="0" destOrd="0" presId="urn:microsoft.com/office/officeart/2005/8/layout/bProcess3"/>
     <dgm:cxn modelId="{C0128499-62B3-4109-B2E2-3EF837B2136B}" type="presOf" srcId="{2E54ECD4-7DAF-48B0-AF57-104284D18D21}" destId="{A656A29C-C765-4761-B28C-D11CF7CF505A}" srcOrd="0" destOrd="0" presId="urn:microsoft.com/office/officeart/2005/8/layout/bProcess3"/>
-    <dgm:cxn modelId="{85F1D69C-511C-4B41-9EFB-D22E7B424051}" type="presOf" srcId="{B036D78F-61EB-4A15-9CAF-7F9415D5A9C4}" destId="{8D49EFEE-F47A-446D-93C2-2E07BD6F1683}" srcOrd="0" destOrd="0" presId="urn:microsoft.com/office/officeart/2005/8/layout/bProcess3"/>
-    <dgm:cxn modelId="{999C70A5-3DEB-4EE5-B7A2-1592C2B9D966}" type="presOf" srcId="{30B4AF22-F948-4A1B-8A3A-1F640E8D2EA0}" destId="{DB97BE3A-D6FA-461A-B6AF-2C92650FA710}" srcOrd="1" destOrd="0" presId="urn:microsoft.com/office/officeart/2005/8/layout/bProcess3"/>
     <dgm:cxn modelId="{F85D92AA-23DA-4E35-A9B1-9C10EC474E62}" type="presOf" srcId="{AE00DE09-8055-4485-B2FE-40435F1DE4D5}" destId="{1F9A9479-16B8-4B3A-A3AA-FA788F64E658}" srcOrd="1" destOrd="0" presId="urn:microsoft.com/office/officeart/2005/8/layout/bProcess3"/>
     <dgm:cxn modelId="{11A35DB2-BAE5-45BC-A5FB-1FD457F3F1C6}" type="presOf" srcId="{C674F65B-E017-41C9-AF72-47EBDA24C675}" destId="{D336EBE6-50DA-4268-BC00-65E780CD363B}" srcOrd="0" destOrd="0" presId="urn:microsoft.com/office/officeart/2005/8/layout/bProcess3"/>
     <dgm:cxn modelId="{51F030B7-EA0B-4EF7-BA83-FE4B060BA46A}" type="presOf" srcId="{43C24756-5662-4CDC-A647-FAE9191A2E57}" destId="{45776EE9-0179-45C4-8D04-198F4C19DBEC}" srcOrd="0" destOrd="0" presId="urn:microsoft.com/office/officeart/2005/8/layout/bProcess3"/>
     <dgm:cxn modelId="{1B1081C8-6DCD-4879-888D-D7C072A9F21C}" type="presOf" srcId="{346E804C-83B0-4972-ACDD-822515A64621}" destId="{E6624F23-894F-44BF-B461-5E177B3C5E39}" srcOrd="0" destOrd="0" presId="urn:microsoft.com/office/officeart/2005/8/layout/bProcess3"/>
-    <dgm:cxn modelId="{BE17FFCB-2F35-47AF-84A6-91E2AA2A8F40}" type="presOf" srcId="{222918B7-35F6-48AE-BC73-08D7203C3BB8}" destId="{5C0F8F36-9468-4F6A-AD52-987C07E1A35F}" srcOrd="0" destOrd="0" presId="urn:microsoft.com/office/officeart/2005/8/layout/bProcess3"/>
+    <dgm:cxn modelId="{7D3A45CA-2D9C-4179-8B02-45333E0B8243}" type="presOf" srcId="{70CED490-84F7-44EE-976D-F9A8E59F1F63}" destId="{949D61C6-165C-4C3D-811A-91BEF4A3093F}" srcOrd="0" destOrd="0" presId="urn:microsoft.com/office/officeart/2005/8/layout/bProcess3"/>
     <dgm:cxn modelId="{42B76FD3-25FA-4A74-AA3E-A676FB5C1499}" type="presOf" srcId="{AE00DE09-8055-4485-B2FE-40435F1DE4D5}" destId="{488EB26D-A9F4-46A6-9AC5-80BE2534FACC}" srcOrd="0" destOrd="0" presId="urn:microsoft.com/office/officeart/2005/8/layout/bProcess3"/>
-    <dgm:cxn modelId="{056A66D8-287C-4960-A4B3-9E57A7B0F765}" type="presOf" srcId="{30B4AF22-F948-4A1B-8A3A-1F640E8D2EA0}" destId="{81B6C5E7-9BF1-47FC-8F60-23D41C50F5D3}" srcOrd="0" destOrd="0" presId="urn:microsoft.com/office/officeart/2005/8/layout/bProcess3"/>
     <dgm:cxn modelId="{0BCDD8D9-F079-42D1-883A-F509F2234ACE}" srcId="{032D264C-8A25-42C2-836F-EE0625C53146}" destId="{E64D9D5C-342C-4636-8FC1-CAF9A1DDCF7F}" srcOrd="5" destOrd="0" parTransId="{5BAD7457-BEF2-4EBF-A79B-F55C58F297C7}" sibTransId="{DC2453CA-BAF8-4F64-92C8-0B7F309E8F33}"/>
     <dgm:cxn modelId="{2477A3DD-556C-41DE-A0E4-4C82AFBE637F}" type="presOf" srcId="{4B1CCECE-42F2-4B3A-82EA-0D7132F1ABF4}" destId="{BEBDCAA5-6607-4BFE-B496-C38046588CF2}" srcOrd="1" destOrd="0" presId="urn:microsoft.com/office/officeart/2005/8/layout/bProcess3"/>
+    <dgm:cxn modelId="{D040A3DF-67B4-455A-B3F1-78440BB0A423}" type="presOf" srcId="{F2F469F2-EC9B-4D9A-94AC-7DFFE1E4F15C}" destId="{0B917D6C-A2D7-4A94-90D3-71F3CE04D136}" srcOrd="0" destOrd="0" presId="urn:microsoft.com/office/officeart/2005/8/layout/bProcess3"/>
     <dgm:cxn modelId="{CFB631E4-D638-42E6-BAC2-6B3281B17740}" srcId="{032D264C-8A25-42C2-836F-EE0625C53146}" destId="{2E54ECD4-7DAF-48B0-AF57-104284D18D21}" srcOrd="0" destOrd="0" parTransId="{20B8F268-F7F6-41AF-B749-5EDF5B81D6EF}" sibTransId="{4B1CCECE-42F2-4B3A-82EA-0D7132F1ABF4}"/>
     <dgm:cxn modelId="{F15DBDE8-348B-4465-996F-E3E883AAA278}" type="presOf" srcId="{D524AD30-BF79-42AD-8344-6455F261C81E}" destId="{6012C09E-D6FE-4E88-89CB-695722181276}" srcOrd="0" destOrd="0" presId="urn:microsoft.com/office/officeart/2005/8/layout/bProcess3"/>
-    <dgm:cxn modelId="{3F49F0E9-4949-4291-BAC8-0874DE98478D}" srcId="{032D264C-8A25-42C2-836F-EE0625C53146}" destId="{AB1CDB01-1ED7-4B27-AC11-38B129B4E58B}" srcOrd="9" destOrd="0" parTransId="{6F7F6A37-6064-4FBB-8F35-799D85EF4FAC}" sibTransId="{346E804C-83B0-4972-ACDD-822515A64621}"/>
-    <dgm:cxn modelId="{144BF6EC-898C-4E1B-A315-593CAA0DE33C}" type="presOf" srcId="{59A63E01-D610-455E-B171-446769634432}" destId="{F31E99BB-C729-4EF2-9E48-4150A56AB77D}" srcOrd="0" destOrd="0" presId="urn:microsoft.com/office/officeart/2005/8/layout/bProcess3"/>
-    <dgm:cxn modelId="{6CFC65EF-0FFA-4882-A483-D27770DBEC4F}" srcId="{032D264C-8A25-42C2-836F-EE0625C53146}" destId="{D524AD30-BF79-42AD-8344-6455F261C81E}" srcOrd="10" destOrd="0" parTransId="{42A1DCC8-12CD-43F8-94A9-B41D37E4A3DF}" sibTransId="{CD525F64-8CC1-47F9-95B4-EF6F4DE9BC74}"/>
-    <dgm:cxn modelId="{1DC6DFF4-7CC4-4461-87F6-80924A7DA728}" type="presOf" srcId="{C22639D6-AC6D-46A0-AB7C-6F325896A7FD}" destId="{04465531-1C4D-42D7-A08F-2A564D1E3EA0}" srcOrd="1" destOrd="0" presId="urn:microsoft.com/office/officeart/2005/8/layout/bProcess3"/>
-    <dgm:cxn modelId="{E62046F7-5294-4B55-A56C-94CFDBDE67BB}" type="presOf" srcId="{7584F59C-1EA3-4630-B89D-C1C00171D7A3}" destId="{131D7482-6621-48AD-A760-10151417D0C5}" srcOrd="0" destOrd="0" presId="urn:microsoft.com/office/officeart/2005/8/layout/bProcess3"/>
+    <dgm:cxn modelId="{3F49F0E9-4949-4291-BAC8-0874DE98478D}" srcId="{032D264C-8A25-42C2-836F-EE0625C53146}" destId="{AB1CDB01-1ED7-4B27-AC11-38B129B4E58B}" srcOrd="7" destOrd="0" parTransId="{6F7F6A37-6064-4FBB-8F35-799D85EF4FAC}" sibTransId="{346E804C-83B0-4972-ACDD-822515A64621}"/>
+    <dgm:cxn modelId="{4A1EBAED-1B4E-4810-B858-AA7801E53516}" type="presOf" srcId="{F2F469F2-EC9B-4D9A-94AC-7DFFE1E4F15C}" destId="{427301AC-1698-47CE-92EA-20850F88E5D7}" srcOrd="1" destOrd="0" presId="urn:microsoft.com/office/officeart/2005/8/layout/bProcess3"/>
+    <dgm:cxn modelId="{6CFC65EF-0FFA-4882-A483-D27770DBEC4F}" srcId="{032D264C-8A25-42C2-836F-EE0625C53146}" destId="{D524AD30-BF79-42AD-8344-6455F261C81E}" srcOrd="8" destOrd="0" parTransId="{42A1DCC8-12CD-43F8-94A9-B41D37E4A3DF}" sibTransId="{CD525F64-8CC1-47F9-95B4-EF6F4DE9BC74}"/>
     <dgm:cxn modelId="{3F9CDFF4-C4EB-411B-ADE1-7572DAFDA65B}" type="presParOf" srcId="{CC750BF8-F326-4280-AACB-0D3D5D419253}" destId="{A656A29C-C765-4761-B28C-D11CF7CF505A}" srcOrd="0" destOrd="0" presId="urn:microsoft.com/office/officeart/2005/8/layout/bProcess3"/>
     <dgm:cxn modelId="{8BB5F5FF-B421-4CD3-A249-059074D4A969}" type="presParOf" srcId="{CC750BF8-F326-4280-AACB-0D3D5D419253}" destId="{D2134864-1BFA-4294-AF51-9B923393E9F8}" srcOrd="1" destOrd="0" presId="urn:microsoft.com/office/officeart/2005/8/layout/bProcess3"/>
     <dgm:cxn modelId="{16D91A55-0E9D-4AB0-9273-830F97AD30FD}" type="presParOf" srcId="{D2134864-1BFA-4294-AF51-9B923393E9F8}" destId="{BEBDCAA5-6607-4BFE-B496-C38046588CF2}" srcOrd="0" destOrd="0" presId="urn:microsoft.com/office/officeart/2005/8/layout/bProcess3"/>
@@ -1499,34 +1391,28 @@
     <dgm:cxn modelId="{D8C3D15F-21CC-4489-A6CA-30D6D5D6D0C2}" type="presParOf" srcId="{CC750BF8-F326-4280-AACB-0D3D5D419253}" destId="{6EFB5E30-27A3-4A75-BD9A-3B57B0E28A44}" srcOrd="4" destOrd="0" presId="urn:microsoft.com/office/officeart/2005/8/layout/bProcess3"/>
     <dgm:cxn modelId="{75001F53-0655-4CF7-84F6-CAD28A03EEDC}" type="presParOf" srcId="{CC750BF8-F326-4280-AACB-0D3D5D419253}" destId="{488EB26D-A9F4-46A6-9AC5-80BE2534FACC}" srcOrd="5" destOrd="0" presId="urn:microsoft.com/office/officeart/2005/8/layout/bProcess3"/>
     <dgm:cxn modelId="{0A168510-7A70-4DD6-8E68-1E2AF2205463}" type="presParOf" srcId="{488EB26D-A9F4-46A6-9AC5-80BE2534FACC}" destId="{1F9A9479-16B8-4B3A-A3AA-FA788F64E658}" srcOrd="0" destOrd="0" presId="urn:microsoft.com/office/officeart/2005/8/layout/bProcess3"/>
-    <dgm:cxn modelId="{1A79E9D8-458C-4334-B2F6-4CA990D3D76B}" type="presParOf" srcId="{CC750BF8-F326-4280-AACB-0D3D5D419253}" destId="{131D7482-6621-48AD-A760-10151417D0C5}" srcOrd="6" destOrd="0" presId="urn:microsoft.com/office/officeart/2005/8/layout/bProcess3"/>
-    <dgm:cxn modelId="{C2966076-7A69-4C17-B893-8B11EBDF223B}" type="presParOf" srcId="{CC750BF8-F326-4280-AACB-0D3D5D419253}" destId="{C5EB8674-1EB9-4695-91C0-9654ADB1651E}" srcOrd="7" destOrd="0" presId="urn:microsoft.com/office/officeart/2005/8/layout/bProcess3"/>
-    <dgm:cxn modelId="{481536B3-F90A-41FF-BD47-C8B915D3A3CD}" type="presParOf" srcId="{C5EB8674-1EB9-4695-91C0-9654ADB1651E}" destId="{04465531-1C4D-42D7-A08F-2A564D1E3EA0}" srcOrd="0" destOrd="0" presId="urn:microsoft.com/office/officeart/2005/8/layout/bProcess3"/>
-    <dgm:cxn modelId="{E7C73715-EFF1-4DA8-B399-9BB391ACC6E7}" type="presParOf" srcId="{CC750BF8-F326-4280-AACB-0D3D5D419253}" destId="{45776EE9-0179-45C4-8D04-198F4C19DBEC}" srcOrd="8" destOrd="0" presId="urn:microsoft.com/office/officeart/2005/8/layout/bProcess3"/>
-    <dgm:cxn modelId="{57DEF28D-82BC-4E6A-A2A0-06B451BD4BFE}" type="presParOf" srcId="{CC750BF8-F326-4280-AACB-0D3D5D419253}" destId="{D336EBE6-50DA-4268-BC00-65E780CD363B}" srcOrd="9" destOrd="0" presId="urn:microsoft.com/office/officeart/2005/8/layout/bProcess3"/>
+    <dgm:cxn modelId="{E7C73715-EFF1-4DA8-B399-9BB391ACC6E7}" type="presParOf" srcId="{CC750BF8-F326-4280-AACB-0D3D5D419253}" destId="{45776EE9-0179-45C4-8D04-198F4C19DBEC}" srcOrd="6" destOrd="0" presId="urn:microsoft.com/office/officeart/2005/8/layout/bProcess3"/>
+    <dgm:cxn modelId="{57DEF28D-82BC-4E6A-A2A0-06B451BD4BFE}" type="presParOf" srcId="{CC750BF8-F326-4280-AACB-0D3D5D419253}" destId="{D336EBE6-50DA-4268-BC00-65E780CD363B}" srcOrd="7" destOrd="0" presId="urn:microsoft.com/office/officeart/2005/8/layout/bProcess3"/>
     <dgm:cxn modelId="{E563A090-3A85-479F-A0F5-490FBA01CF39}" type="presParOf" srcId="{D336EBE6-50DA-4268-BC00-65E780CD363B}" destId="{7EB44169-6CF0-4D46-A8E5-B6E1247F2E63}" srcOrd="0" destOrd="0" presId="urn:microsoft.com/office/officeart/2005/8/layout/bProcess3"/>
+    <dgm:cxn modelId="{7DA29E94-547A-4D5A-83F3-D3C35CD4854C}" type="presParOf" srcId="{CC750BF8-F326-4280-AACB-0D3D5D419253}" destId="{949D61C6-165C-4C3D-811A-91BEF4A3093F}" srcOrd="8" destOrd="0" presId="urn:microsoft.com/office/officeart/2005/8/layout/bProcess3"/>
+    <dgm:cxn modelId="{E68D0651-2E35-4472-97BD-74A10C5E8D0B}" type="presParOf" srcId="{CC750BF8-F326-4280-AACB-0D3D5D419253}" destId="{0B917D6C-A2D7-4A94-90D3-71F3CE04D136}" srcOrd="9" destOrd="0" presId="urn:microsoft.com/office/officeart/2005/8/layout/bProcess3"/>
+    <dgm:cxn modelId="{2A9108CD-A6D7-467E-8D5E-A81D2E1BE156}" type="presParOf" srcId="{0B917D6C-A2D7-4A94-90D3-71F3CE04D136}" destId="{427301AC-1698-47CE-92EA-20850F88E5D7}" srcOrd="0" destOrd="0" presId="urn:microsoft.com/office/officeart/2005/8/layout/bProcess3"/>
     <dgm:cxn modelId="{20D6D6CB-BE55-455D-A1B0-60A537FA7773}" type="presParOf" srcId="{CC750BF8-F326-4280-AACB-0D3D5D419253}" destId="{E127DDED-7B13-4E77-9F23-36DDF613C512}" srcOrd="10" destOrd="0" presId="urn:microsoft.com/office/officeart/2005/8/layout/bProcess3"/>
     <dgm:cxn modelId="{EB4D7A0F-FCE0-46EB-9FAD-84A01D0CD523}" type="presParOf" srcId="{CC750BF8-F326-4280-AACB-0D3D5D419253}" destId="{D72DB89F-E5A4-43A8-934E-ADDC0A72599D}" srcOrd="11" destOrd="0" presId="urn:microsoft.com/office/officeart/2005/8/layout/bProcess3"/>
     <dgm:cxn modelId="{236E1DA7-F946-465F-9BFB-F11DBF8F6A6D}" type="presParOf" srcId="{D72DB89F-E5A4-43A8-934E-ADDC0A72599D}" destId="{F7FAF35E-FE0E-4F9B-838A-6DAED0854FCE}" srcOrd="0" destOrd="0" presId="urn:microsoft.com/office/officeart/2005/8/layout/bProcess3"/>
     <dgm:cxn modelId="{2C7DC528-1936-451A-BCD4-C566AE16267C}" type="presParOf" srcId="{CC750BF8-F326-4280-AACB-0D3D5D419253}" destId="{93D82ED3-A4A2-4D76-BBF8-76AAC45BB2B8}" srcOrd="12" destOrd="0" presId="urn:microsoft.com/office/officeart/2005/8/layout/bProcess3"/>
     <dgm:cxn modelId="{6BF7948A-C197-4D15-A609-C1A4A9442DAD}" type="presParOf" srcId="{CC750BF8-F326-4280-AACB-0D3D5D419253}" destId="{0D4B8EC1-9F1A-4066-9890-001E7223598C}" srcOrd="13" destOrd="0" presId="urn:microsoft.com/office/officeart/2005/8/layout/bProcess3"/>
     <dgm:cxn modelId="{C0B53998-46EB-46C8-A16B-208DF9C25BCD}" type="presParOf" srcId="{0D4B8EC1-9F1A-4066-9890-001E7223598C}" destId="{48D6FEE3-58C1-4A33-9AC0-092F7B2D0542}" srcOrd="0" destOrd="0" presId="urn:microsoft.com/office/officeart/2005/8/layout/bProcess3"/>
-    <dgm:cxn modelId="{1BD1F0C0-2ECB-4468-ABD3-67722028D759}" type="presParOf" srcId="{CC750BF8-F326-4280-AACB-0D3D5D419253}" destId="{5C0F8F36-9468-4F6A-AD52-987C07E1A35F}" srcOrd="14" destOrd="0" presId="urn:microsoft.com/office/officeart/2005/8/layout/bProcess3"/>
-    <dgm:cxn modelId="{FD82E4BF-0D4D-41AF-B2B8-18356146C2EE}" type="presParOf" srcId="{CC750BF8-F326-4280-AACB-0D3D5D419253}" destId="{8D49EFEE-F47A-446D-93C2-2E07BD6F1683}" srcOrd="15" destOrd="0" presId="urn:microsoft.com/office/officeart/2005/8/layout/bProcess3"/>
-    <dgm:cxn modelId="{14941A2F-D432-491F-AB2D-C882F3B7C31B}" type="presParOf" srcId="{8D49EFEE-F47A-446D-93C2-2E07BD6F1683}" destId="{7826AD84-4047-41AE-9B86-7F4F9AC17AF0}" srcOrd="0" destOrd="0" presId="urn:microsoft.com/office/officeart/2005/8/layout/bProcess3"/>
-    <dgm:cxn modelId="{281BE399-62B5-44E0-B398-1F972C2EACF1}" type="presParOf" srcId="{CC750BF8-F326-4280-AACB-0D3D5D419253}" destId="{F31E99BB-C729-4EF2-9E48-4150A56AB77D}" srcOrd="16" destOrd="0" presId="urn:microsoft.com/office/officeart/2005/8/layout/bProcess3"/>
-    <dgm:cxn modelId="{1E615CD2-E0C3-4AAF-8126-2DE5B013C74C}" type="presParOf" srcId="{CC750BF8-F326-4280-AACB-0D3D5D419253}" destId="{81B6C5E7-9BF1-47FC-8F60-23D41C50F5D3}" srcOrd="17" destOrd="0" presId="urn:microsoft.com/office/officeart/2005/8/layout/bProcess3"/>
-    <dgm:cxn modelId="{03F119AE-E7C2-46E8-9122-661536F932FD}" type="presParOf" srcId="{81B6C5E7-9BF1-47FC-8F60-23D41C50F5D3}" destId="{DB97BE3A-D6FA-461A-B6AF-2C92650FA710}" srcOrd="0" destOrd="0" presId="urn:microsoft.com/office/officeart/2005/8/layout/bProcess3"/>
-    <dgm:cxn modelId="{9EFD7A56-A820-4480-98A6-CE7AB5ABAC7C}" type="presParOf" srcId="{CC750BF8-F326-4280-AACB-0D3D5D419253}" destId="{4F67A7A2-21B5-4222-BD82-4D30E58D3B34}" srcOrd="18" destOrd="0" presId="urn:microsoft.com/office/officeart/2005/8/layout/bProcess3"/>
-    <dgm:cxn modelId="{61F183D8-7C56-4F8A-843B-96F300D701B4}" type="presParOf" srcId="{CC750BF8-F326-4280-AACB-0D3D5D419253}" destId="{E6624F23-894F-44BF-B461-5E177B3C5E39}" srcOrd="19" destOrd="0" presId="urn:microsoft.com/office/officeart/2005/8/layout/bProcess3"/>
+    <dgm:cxn modelId="{9EFD7A56-A820-4480-98A6-CE7AB5ABAC7C}" type="presParOf" srcId="{CC750BF8-F326-4280-AACB-0D3D5D419253}" destId="{4F67A7A2-21B5-4222-BD82-4D30E58D3B34}" srcOrd="14" destOrd="0" presId="urn:microsoft.com/office/officeart/2005/8/layout/bProcess3"/>
+    <dgm:cxn modelId="{61F183D8-7C56-4F8A-843B-96F300D701B4}" type="presParOf" srcId="{CC750BF8-F326-4280-AACB-0D3D5D419253}" destId="{E6624F23-894F-44BF-B461-5E177B3C5E39}" srcOrd="15" destOrd="0" presId="urn:microsoft.com/office/officeart/2005/8/layout/bProcess3"/>
     <dgm:cxn modelId="{0D1E5432-50AA-4CDE-82A5-BBD333442B8C}" type="presParOf" srcId="{E6624F23-894F-44BF-B461-5E177B3C5E39}" destId="{265350E9-FAB2-4425-B008-DE087587D491}" srcOrd="0" destOrd="0" presId="urn:microsoft.com/office/officeart/2005/8/layout/bProcess3"/>
-    <dgm:cxn modelId="{EB16CAF9-C955-41EB-AADD-5364B33C6DF2}" type="presParOf" srcId="{CC750BF8-F326-4280-AACB-0D3D5D419253}" destId="{6012C09E-D6FE-4E88-89CB-695722181276}" srcOrd="20" destOrd="0" presId="urn:microsoft.com/office/officeart/2005/8/layout/bProcess3"/>
+    <dgm:cxn modelId="{EB16CAF9-C955-41EB-AADD-5364B33C6DF2}" type="presParOf" srcId="{CC750BF8-F326-4280-AACB-0D3D5D419253}" destId="{6012C09E-D6FE-4E88-89CB-695722181276}" srcOrd="16" destOrd="0" presId="urn:microsoft.com/office/officeart/2005/8/layout/bProcess3"/>
   </dgm:cxnLst>
   <dgm:bg/>
   <dgm:whole/>
   <dgm:extLst>
     <a:ext uri="http://schemas.microsoft.com/office/drawing/2008/diagram">
-      <dsp:dataModelExt xmlns:dsp="http://schemas.microsoft.com/office/drawing/2008/diagram" relId="rId6" minVer="http://schemas.openxmlformats.org/drawingml/2006/diagram"/>
+      <dsp:dataModelExt xmlns:dsp="http://schemas.microsoft.com/office/drawing/2008/diagram" relId="rId7" minVer="http://schemas.openxmlformats.org/drawingml/2006/diagram"/>
     </a:ext>
   </dgm:extLst>
 </dgm:dataModel>
@@ -1547,8 +1433,8 @@
       </dsp:nvSpPr>
       <dsp:spPr>
         <a:xfrm>
-          <a:off x="1756744" y="444754"/>
-          <a:ext cx="344367" cy="91440"/>
+          <a:off x="2721395" y="553348"/>
+          <a:ext cx="427386" cy="91440"/>
         </a:xfrm>
         <a:custGeom>
           <a:avLst/>
@@ -1562,7 +1448,7 @@
                 <a:pt x="0" y="45720"/>
               </a:moveTo>
               <a:lnTo>
-                <a:pt x="344367" y="45720"/>
+                <a:pt x="427386" y="45720"/>
               </a:lnTo>
             </a:path>
           </a:pathLst>
@@ -1617,8 +1503,8 @@
         </a:p>
       </dsp:txBody>
       <dsp:txXfrm>
-        <a:off x="1919554" y="488599"/>
-        <a:ext cx="18748" cy="3749"/>
+        <a:off x="2923639" y="596778"/>
+        <a:ext cx="22899" cy="4579"/>
       </dsp:txXfrm>
     </dsp:sp>
     <dsp:sp modelId="{A656A29C-C765-4761-B28C-D11CF7CF505A}">
@@ -1628,8 +1514,8 @@
       </dsp:nvSpPr>
       <dsp:spPr>
         <a:xfrm>
-          <a:off x="128252" y="1387"/>
-          <a:ext cx="1630291" cy="978175"/>
+          <a:off x="731948" y="1694"/>
+          <a:ext cx="1991247" cy="1194748"/>
         </a:xfrm>
         <a:prstGeom prst="rect">
           <a:avLst/>
@@ -1671,12 +1557,12 @@
         </a:fontRef>
       </dsp:style>
       <dsp:txBody>
-        <a:bodyPr spcFirstLastPara="0" vert="horz" wrap="square" lIns="120904" tIns="120904" rIns="120904" bIns="120904" numCol="1" spcCol="1270" anchor="ctr" anchorCtr="0">
+        <a:bodyPr spcFirstLastPara="0" vert="horz" wrap="square" lIns="142240" tIns="142240" rIns="142240" bIns="142240" numCol="1" spcCol="1270" anchor="ctr" anchorCtr="0">
           <a:noAutofit/>
         </a:bodyPr>
         <a:lstStyle/>
         <a:p>
-          <a:pPr marL="0" lvl="0" indent="0" algn="ctr" defTabSz="755650">
+          <a:pPr marL="0" lvl="0" indent="0" algn="ctr" defTabSz="889000">
             <a:lnSpc>
               <a:spcPct val="90000"/>
             </a:lnSpc>
@@ -1689,14 +1575,14 @@
             <a:buNone/>
           </a:pPr>
           <a:r>
-            <a:rPr lang="en-US" sz="1700" kern="1200" dirty="0"/>
+            <a:rPr lang="en-US" sz="2000" kern="1200" dirty="0"/>
             <a:t>Gathered Data</a:t>
           </a:r>
         </a:p>
       </dsp:txBody>
       <dsp:txXfrm>
-        <a:off x="128252" y="1387"/>
-        <a:ext cx="1630291" cy="978175"/>
+        <a:off x="731948" y="1694"/>
+        <a:ext cx="1991247" cy="1194748"/>
       </dsp:txXfrm>
     </dsp:sp>
     <dsp:sp modelId="{70BBA562-EC0F-412D-BE50-CB91DA3C96CE}">
@@ -1706,8 +1592,8 @@
       </dsp:nvSpPr>
       <dsp:spPr>
         <a:xfrm>
-          <a:off x="3762003" y="444754"/>
-          <a:ext cx="344367" cy="91440"/>
+          <a:off x="5170630" y="553348"/>
+          <a:ext cx="427386" cy="91440"/>
         </a:xfrm>
         <a:custGeom>
           <a:avLst/>
@@ -1721,7 +1607,7 @@
                 <a:pt x="0" y="45720"/>
               </a:moveTo>
               <a:lnTo>
-                <a:pt x="344367" y="45720"/>
+                <a:pt x="427386" y="45720"/>
               </a:lnTo>
             </a:path>
           </a:pathLst>
@@ -1776,8 +1662,8 @@
         </a:p>
       </dsp:txBody>
       <dsp:txXfrm>
-        <a:off x="3924813" y="488599"/>
-        <a:ext cx="18748" cy="3749"/>
+        <a:off x="5372874" y="596778"/>
+        <a:ext cx="22899" cy="4579"/>
       </dsp:txXfrm>
     </dsp:sp>
     <dsp:sp modelId="{474AB657-D8CA-44EF-AA3E-670AFE703A06}">
@@ -1787,8 +1673,8 @@
       </dsp:nvSpPr>
       <dsp:spPr>
         <a:xfrm>
-          <a:off x="2133511" y="1387"/>
-          <a:ext cx="1630291" cy="978175"/>
+          <a:off x="3181182" y="1694"/>
+          <a:ext cx="1991247" cy="1194748"/>
         </a:xfrm>
         <a:prstGeom prst="rect">
           <a:avLst/>
@@ -1830,12 +1716,12 @@
         </a:fontRef>
       </dsp:style>
       <dsp:txBody>
-        <a:bodyPr spcFirstLastPara="0" vert="horz" wrap="square" lIns="120904" tIns="120904" rIns="120904" bIns="120904" numCol="1" spcCol="1270" anchor="ctr" anchorCtr="0">
+        <a:bodyPr spcFirstLastPara="0" vert="horz" wrap="square" lIns="142240" tIns="142240" rIns="142240" bIns="142240" numCol="1" spcCol="1270" anchor="ctr" anchorCtr="0">
           <a:noAutofit/>
         </a:bodyPr>
         <a:lstStyle/>
         <a:p>
-          <a:pPr marL="0" lvl="0" indent="0" algn="ctr" defTabSz="755650">
+          <a:pPr marL="0" lvl="0" indent="0" algn="ctr" defTabSz="889000">
             <a:lnSpc>
               <a:spcPct val="90000"/>
             </a:lnSpc>
@@ -1848,14 +1734,14 @@
             <a:buNone/>
           </a:pPr>
           <a:r>
-            <a:rPr lang="en-US" sz="1700" kern="1200" dirty="0"/>
+            <a:rPr lang="en-US" sz="2000" kern="1200" dirty="0"/>
             <a:t>Inspected all Data in Python</a:t>
           </a:r>
         </a:p>
       </dsp:txBody>
       <dsp:txXfrm>
-        <a:off x="2133511" y="1387"/>
-        <a:ext cx="1630291" cy="978175"/>
+        <a:off x="3181182" y="1694"/>
+        <a:ext cx="1991247" cy="1194748"/>
       </dsp:txXfrm>
     </dsp:sp>
     <dsp:sp modelId="{488EB26D-A9F4-46A6-9AC5-80BE2534FACC}">
@@ -1865,8 +1751,8 @@
       </dsp:nvSpPr>
       <dsp:spPr>
         <a:xfrm>
-          <a:off x="5767263" y="444754"/>
-          <a:ext cx="344367" cy="91440"/>
+          <a:off x="7619865" y="553348"/>
+          <a:ext cx="427386" cy="91440"/>
         </a:xfrm>
         <a:custGeom>
           <a:avLst/>
@@ -1880,7 +1766,7 @@
                 <a:pt x="0" y="45720"/>
               </a:moveTo>
               <a:lnTo>
-                <a:pt x="344367" y="45720"/>
+                <a:pt x="427386" y="45720"/>
               </a:lnTo>
             </a:path>
           </a:pathLst>
@@ -1935,8 +1821,8 @@
         </a:p>
       </dsp:txBody>
       <dsp:txXfrm>
-        <a:off x="5930072" y="488599"/>
-        <a:ext cx="18748" cy="3749"/>
+        <a:off x="7822108" y="596778"/>
+        <a:ext cx="22899" cy="4579"/>
       </dsp:txXfrm>
     </dsp:sp>
     <dsp:sp modelId="{6EFB5E30-27A3-4A75-BD9A-3B57B0E28A44}">
@@ -1946,8 +1832,8 @@
       </dsp:nvSpPr>
       <dsp:spPr>
         <a:xfrm>
-          <a:off x="4138771" y="1387"/>
-          <a:ext cx="1630291" cy="978175"/>
+          <a:off x="5630417" y="1694"/>
+          <a:ext cx="1991247" cy="1194748"/>
         </a:xfrm>
         <a:prstGeom prst="rect">
           <a:avLst/>
@@ -1989,12 +1875,12 @@
         </a:fontRef>
       </dsp:style>
       <dsp:txBody>
-        <a:bodyPr spcFirstLastPara="0" vert="horz" wrap="square" lIns="120904" tIns="120904" rIns="120904" bIns="120904" numCol="1" spcCol="1270" anchor="ctr" anchorCtr="0">
+        <a:bodyPr spcFirstLastPara="0" vert="horz" wrap="square" lIns="142240" tIns="142240" rIns="142240" bIns="142240" numCol="1" spcCol="1270" anchor="ctr" anchorCtr="0">
           <a:noAutofit/>
         </a:bodyPr>
         <a:lstStyle/>
         <a:p>
-          <a:pPr marL="0" lvl="0" indent="0" algn="ctr" defTabSz="755650">
+          <a:pPr marL="0" lvl="0" indent="0" algn="ctr" defTabSz="889000">
             <a:lnSpc>
               <a:spcPct val="90000"/>
             </a:lnSpc>
@@ -2007,25 +1893,25 @@
             <a:buNone/>
           </a:pPr>
           <a:r>
-            <a:rPr lang="en-US" sz="1700" kern="1200" dirty="0"/>
-            <a:t>Convert Data Types as needed</a:t>
+            <a:rPr lang="en-US" sz="2000" kern="1200" dirty="0"/>
+            <a:t>Convert Data Types</a:t>
           </a:r>
         </a:p>
       </dsp:txBody>
       <dsp:txXfrm>
-        <a:off x="4138771" y="1387"/>
-        <a:ext cx="1630291" cy="978175"/>
+        <a:off x="5630417" y="1694"/>
+        <a:ext cx="1991247" cy="1194748"/>
       </dsp:txXfrm>
     </dsp:sp>
-    <dsp:sp modelId="{C5EB8674-1EB9-4695-91C0-9654ADB1651E}">
+    <dsp:sp modelId="{D336EBE6-50DA-4268-BC00-65E780CD363B}">
       <dsp:nvSpPr>
         <dsp:cNvPr id="0" name=""/>
         <dsp:cNvSpPr/>
       </dsp:nvSpPr>
       <dsp:spPr>
         <a:xfrm>
-          <a:off x="943398" y="977762"/>
-          <a:ext cx="6015777" cy="344367"/>
+          <a:off x="1727572" y="1194642"/>
+          <a:ext cx="7347703" cy="427386"/>
         </a:xfrm>
         <a:custGeom>
           <a:avLst/>
@@ -2036,16 +1922,16 @@
           <a:pathLst>
             <a:path>
               <a:moveTo>
-                <a:pt x="6015777" y="0"/>
+                <a:pt x="7347703" y="0"/>
               </a:moveTo>
               <a:lnTo>
-                <a:pt x="6015777" y="189283"/>
+                <a:pt x="7347703" y="230793"/>
               </a:lnTo>
               <a:lnTo>
-                <a:pt x="0" y="189283"/>
+                <a:pt x="0" y="230793"/>
               </a:lnTo>
               <a:lnTo>
-                <a:pt x="0" y="344367"/>
+                <a:pt x="0" y="427386"/>
               </a:lnTo>
             </a:path>
           </a:pathLst>
@@ -2100,19 +1986,19 @@
         </a:p>
       </dsp:txBody>
       <dsp:txXfrm>
-        <a:off x="3800601" y="1148071"/>
-        <a:ext cx="301372" cy="3749"/>
+        <a:off x="5217374" y="1406046"/>
+        <a:ext cx="368098" cy="4579"/>
       </dsp:txXfrm>
     </dsp:sp>
-    <dsp:sp modelId="{131D7482-6621-48AD-A760-10151417D0C5}">
+    <dsp:sp modelId="{45776EE9-0179-45C4-8D04-198F4C19DBEC}">
       <dsp:nvSpPr>
         <dsp:cNvPr id="0" name=""/>
         <dsp:cNvSpPr/>
       </dsp:nvSpPr>
       <dsp:spPr>
         <a:xfrm>
-          <a:off x="6144030" y="1387"/>
-          <a:ext cx="1630291" cy="978175"/>
+          <a:off x="8079652" y="1694"/>
+          <a:ext cx="1991247" cy="1194748"/>
         </a:xfrm>
         <a:prstGeom prst="rect">
           <a:avLst/>
@@ -2154,12 +2040,12 @@
         </a:fontRef>
       </dsp:style>
       <dsp:txBody>
-        <a:bodyPr spcFirstLastPara="0" vert="horz" wrap="square" lIns="120904" tIns="120904" rIns="120904" bIns="120904" numCol="1" spcCol="1270" anchor="ctr" anchorCtr="0">
+        <a:bodyPr spcFirstLastPara="0" vert="horz" wrap="square" lIns="142240" tIns="142240" rIns="142240" bIns="142240" numCol="1" spcCol="1270" anchor="ctr" anchorCtr="0">
           <a:noAutofit/>
         </a:bodyPr>
         <a:lstStyle/>
         <a:p>
-          <a:pPr marL="0" lvl="0" indent="0" algn="ctr" defTabSz="755650">
+          <a:pPr marL="0" lvl="0" indent="0" algn="ctr" defTabSz="889000">
             <a:lnSpc>
               <a:spcPct val="90000"/>
             </a:lnSpc>
@@ -2172,25 +2058,25 @@
             <a:buNone/>
           </a:pPr>
           <a:r>
-            <a:rPr lang="en-US" sz="1700" kern="1200" dirty="0"/>
-            <a:t>Drop Nulls</a:t>
+            <a:rPr lang="en-US" sz="2000" kern="1200" dirty="0"/>
+            <a:t>Export as Clean CSV’s</a:t>
           </a:r>
         </a:p>
       </dsp:txBody>
       <dsp:txXfrm>
-        <a:off x="6144030" y="1387"/>
-        <a:ext cx="1630291" cy="978175"/>
+        <a:off x="8079652" y="1694"/>
+        <a:ext cx="1991247" cy="1194748"/>
       </dsp:txXfrm>
     </dsp:sp>
-    <dsp:sp modelId="{D336EBE6-50DA-4268-BC00-65E780CD363B}">
+    <dsp:sp modelId="{0B917D6C-A2D7-4A94-90D3-71F3CE04D136}">
       <dsp:nvSpPr>
         <dsp:cNvPr id="0" name=""/>
         <dsp:cNvSpPr/>
       </dsp:nvSpPr>
       <dsp:spPr>
         <a:xfrm>
-          <a:off x="1756744" y="1797896"/>
-          <a:ext cx="344367" cy="91440"/>
+          <a:off x="2721395" y="2206084"/>
+          <a:ext cx="427386" cy="91440"/>
         </a:xfrm>
         <a:custGeom>
           <a:avLst/>
@@ -2204,7 +2090,7 @@
                 <a:pt x="0" y="45720"/>
               </a:moveTo>
               <a:lnTo>
-                <a:pt x="344367" y="45720"/>
+                <a:pt x="427386" y="45720"/>
               </a:lnTo>
             </a:path>
           </a:pathLst>
@@ -2259,19 +2145,19 @@
         </a:p>
       </dsp:txBody>
       <dsp:txXfrm>
-        <a:off x="1919554" y="1841742"/>
-        <a:ext cx="18748" cy="3749"/>
+        <a:off x="2923639" y="2249514"/>
+        <a:ext cx="22899" cy="4579"/>
       </dsp:txXfrm>
     </dsp:sp>
-    <dsp:sp modelId="{45776EE9-0179-45C4-8D04-198F4C19DBEC}">
+    <dsp:sp modelId="{949D61C6-165C-4C3D-811A-91BEF4A3093F}">
       <dsp:nvSpPr>
         <dsp:cNvPr id="0" name=""/>
         <dsp:cNvSpPr/>
       </dsp:nvSpPr>
       <dsp:spPr>
         <a:xfrm>
-          <a:off x="128252" y="1354529"/>
-          <a:ext cx="1630291" cy="978175"/>
+          <a:off x="731948" y="1654429"/>
+          <a:ext cx="1991247" cy="1194748"/>
         </a:xfrm>
         <a:prstGeom prst="rect">
           <a:avLst/>
@@ -2313,12 +2199,12 @@
         </a:fontRef>
       </dsp:style>
       <dsp:txBody>
-        <a:bodyPr spcFirstLastPara="0" vert="horz" wrap="square" lIns="120904" tIns="120904" rIns="120904" bIns="120904" numCol="1" spcCol="1270" anchor="ctr" anchorCtr="0">
+        <a:bodyPr spcFirstLastPara="0" vert="horz" wrap="square" lIns="142240" tIns="142240" rIns="142240" bIns="142240" numCol="1" spcCol="1270" anchor="ctr" anchorCtr="0">
           <a:noAutofit/>
         </a:bodyPr>
         <a:lstStyle/>
         <a:p>
-          <a:pPr marL="0" lvl="0" indent="0" algn="ctr" defTabSz="755650">
+          <a:pPr marL="0" lvl="0" indent="0" algn="ctr" defTabSz="889000">
             <a:lnSpc>
               <a:spcPct val="90000"/>
             </a:lnSpc>
@@ -2331,14 +2217,14 @@
             <a:buNone/>
           </a:pPr>
           <a:r>
-            <a:rPr lang="en-US" sz="1700" kern="1200" dirty="0"/>
-            <a:t>Export as Clean CSV’s</a:t>
+            <a:rPr lang="en-US" sz="2000" kern="1200" dirty="0"/>
+            <a:t>Create Visualizations</a:t>
           </a:r>
         </a:p>
       </dsp:txBody>
       <dsp:txXfrm>
-        <a:off x="128252" y="1354529"/>
-        <a:ext cx="1630291" cy="978175"/>
+        <a:off x="731948" y="1654429"/>
+        <a:ext cx="1991247" cy="1194748"/>
       </dsp:txXfrm>
     </dsp:sp>
     <dsp:sp modelId="{D72DB89F-E5A4-43A8-934E-ADDC0A72599D}">
@@ -2348,8 +2234,8 @@
       </dsp:nvSpPr>
       <dsp:spPr>
         <a:xfrm>
-          <a:off x="3762003" y="1797896"/>
-          <a:ext cx="344367" cy="91440"/>
+          <a:off x="5170630" y="2206084"/>
+          <a:ext cx="427386" cy="91440"/>
         </a:xfrm>
         <a:custGeom>
           <a:avLst/>
@@ -2363,7 +2249,7 @@
                 <a:pt x="0" y="45720"/>
               </a:moveTo>
               <a:lnTo>
-                <a:pt x="344367" y="45720"/>
+                <a:pt x="427386" y="45720"/>
               </a:lnTo>
             </a:path>
           </a:pathLst>
@@ -2418,8 +2304,8 @@
         </a:p>
       </dsp:txBody>
       <dsp:txXfrm>
-        <a:off x="3924813" y="1841742"/>
-        <a:ext cx="18748" cy="3749"/>
+        <a:off x="5372874" y="2249514"/>
+        <a:ext cx="22899" cy="4579"/>
       </dsp:txXfrm>
     </dsp:sp>
     <dsp:sp modelId="{E127DDED-7B13-4E77-9F23-36DDF613C512}">
@@ -2429,8 +2315,8 @@
       </dsp:nvSpPr>
       <dsp:spPr>
         <a:xfrm>
-          <a:off x="2133511" y="1354529"/>
-          <a:ext cx="1630291" cy="978175"/>
+          <a:off x="3181182" y="1654429"/>
+          <a:ext cx="1991247" cy="1194748"/>
         </a:xfrm>
         <a:prstGeom prst="rect">
           <a:avLst/>
@@ -2472,12 +2358,12 @@
         </a:fontRef>
       </dsp:style>
       <dsp:txBody>
-        <a:bodyPr spcFirstLastPara="0" vert="horz" wrap="square" lIns="120904" tIns="120904" rIns="120904" bIns="120904" numCol="1" spcCol="1270" anchor="ctr" anchorCtr="0">
+        <a:bodyPr spcFirstLastPara="0" vert="horz" wrap="square" lIns="142240" tIns="142240" rIns="142240" bIns="142240" numCol="1" spcCol="1270" anchor="ctr" anchorCtr="0">
           <a:noAutofit/>
         </a:bodyPr>
         <a:lstStyle/>
         <a:p>
-          <a:pPr marL="0" lvl="0" indent="0" algn="ctr" defTabSz="755650">
+          <a:pPr marL="0" lvl="0" indent="0" algn="ctr" defTabSz="889000">
             <a:lnSpc>
               <a:spcPct val="90000"/>
             </a:lnSpc>
@@ -2490,19 +2376,19 @@
             <a:buNone/>
           </a:pPr>
           <a:r>
-            <a:rPr lang="en-US" sz="1700" kern="1200" dirty="0"/>
+            <a:rPr lang="en-US" sz="2000" kern="1200" dirty="0"/>
             <a:t>Create Database in </a:t>
           </a:r>
           <a:r>
-            <a:rPr lang="en-US" sz="1700" kern="1200" dirty="0" err="1"/>
+            <a:rPr lang="en-US" sz="2000" kern="1200" dirty="0" err="1"/>
             <a:t>Postgress</a:t>
           </a:r>
-          <a:endParaRPr lang="en-US" sz="1700" kern="1200" dirty="0"/>
+          <a:endParaRPr lang="en-US" sz="2000" kern="1200" dirty="0"/>
         </a:p>
       </dsp:txBody>
       <dsp:txXfrm>
-        <a:off x="2133511" y="1354529"/>
-        <a:ext cx="1630291" cy="978175"/>
+        <a:off x="3181182" y="1654429"/>
+        <a:ext cx="1991247" cy="1194748"/>
       </dsp:txXfrm>
     </dsp:sp>
     <dsp:sp modelId="{0D4B8EC1-9F1A-4066-9890-001E7223598C}">
@@ -2512,8 +2398,8 @@
       </dsp:nvSpPr>
       <dsp:spPr>
         <a:xfrm>
-          <a:off x="5767263" y="1797896"/>
-          <a:ext cx="344367" cy="91440"/>
+          <a:off x="7619865" y="2206084"/>
+          <a:ext cx="427386" cy="91440"/>
         </a:xfrm>
         <a:custGeom>
           <a:avLst/>
@@ -2527,7 +2413,7 @@
                 <a:pt x="0" y="45720"/>
               </a:moveTo>
               <a:lnTo>
-                <a:pt x="344367" y="45720"/>
+                <a:pt x="427386" y="45720"/>
               </a:lnTo>
             </a:path>
           </a:pathLst>
@@ -2582,8 +2468,8 @@
         </a:p>
       </dsp:txBody>
       <dsp:txXfrm>
-        <a:off x="5930072" y="1841742"/>
-        <a:ext cx="18748" cy="3749"/>
+        <a:off x="7822108" y="2249514"/>
+        <a:ext cx="22899" cy="4579"/>
       </dsp:txXfrm>
     </dsp:sp>
     <dsp:sp modelId="{93D82ED3-A4A2-4D76-BBF8-76AAC45BB2B8}">
@@ -2593,8 +2479,8 @@
       </dsp:nvSpPr>
       <dsp:spPr>
         <a:xfrm>
-          <a:off x="4138771" y="1354529"/>
-          <a:ext cx="1630291" cy="978175"/>
+          <a:off x="5630417" y="1654429"/>
+          <a:ext cx="1991247" cy="1194748"/>
         </a:xfrm>
         <a:prstGeom prst="rect">
           <a:avLst/>
@@ -2636,12 +2522,12 @@
         </a:fontRef>
       </dsp:style>
       <dsp:txBody>
-        <a:bodyPr spcFirstLastPara="0" vert="horz" wrap="square" lIns="120904" tIns="120904" rIns="120904" bIns="120904" numCol="1" spcCol="1270" anchor="ctr" anchorCtr="0">
+        <a:bodyPr spcFirstLastPara="0" vert="horz" wrap="square" lIns="142240" tIns="142240" rIns="142240" bIns="142240" numCol="1" spcCol="1270" anchor="ctr" anchorCtr="0">
           <a:noAutofit/>
         </a:bodyPr>
         <a:lstStyle/>
         <a:p>
-          <a:pPr marL="0" lvl="0" indent="0" algn="ctr" defTabSz="755650">
+          <a:pPr marL="0" lvl="0" indent="0" algn="ctr" defTabSz="889000">
             <a:lnSpc>
               <a:spcPct val="90000"/>
             </a:lnSpc>
@@ -2654,25 +2540,25 @@
             <a:buNone/>
           </a:pPr>
           <a:r>
-            <a:rPr lang="en-US" sz="1700" kern="1200" dirty="0"/>
+            <a:rPr lang="en-US" sz="2000" kern="1200" dirty="0"/>
             <a:t>Import Data from cleaned CSV’s</a:t>
           </a:r>
         </a:p>
       </dsp:txBody>
       <dsp:txXfrm>
-        <a:off x="4138771" y="1354529"/>
-        <a:ext cx="1630291" cy="978175"/>
+        <a:off x="5630417" y="1654429"/>
+        <a:ext cx="1991247" cy="1194748"/>
       </dsp:txXfrm>
     </dsp:sp>
-    <dsp:sp modelId="{8D49EFEE-F47A-446D-93C2-2E07BD6F1683}">
+    <dsp:sp modelId="{E6624F23-894F-44BF-B461-5E177B3C5E39}">
       <dsp:nvSpPr>
         <dsp:cNvPr id="0" name=""/>
         <dsp:cNvSpPr/>
       </dsp:nvSpPr>
       <dsp:spPr>
         <a:xfrm>
-          <a:off x="943398" y="2330904"/>
-          <a:ext cx="6015777" cy="344367"/>
+          <a:off x="1727572" y="2847378"/>
+          <a:ext cx="7347703" cy="427386"/>
         </a:xfrm>
         <a:custGeom>
           <a:avLst/>
@@ -2683,16 +2569,16 @@
           <a:pathLst>
             <a:path>
               <a:moveTo>
-                <a:pt x="6015777" y="0"/>
+                <a:pt x="7347703" y="0"/>
               </a:moveTo>
               <a:lnTo>
-                <a:pt x="6015777" y="189283"/>
+                <a:pt x="7347703" y="230793"/>
               </a:lnTo>
               <a:lnTo>
-                <a:pt x="0" y="189283"/>
+                <a:pt x="0" y="230793"/>
               </a:lnTo>
               <a:lnTo>
-                <a:pt x="0" y="344367"/>
+                <a:pt x="0" y="427386"/>
               </a:lnTo>
             </a:path>
           </a:pathLst>
@@ -2747,19 +2633,19 @@
         </a:p>
       </dsp:txBody>
       <dsp:txXfrm>
-        <a:off x="3800601" y="2501213"/>
-        <a:ext cx="301372" cy="3749"/>
+        <a:off x="5217374" y="3058781"/>
+        <a:ext cx="368098" cy="4579"/>
       </dsp:txXfrm>
     </dsp:sp>
-    <dsp:sp modelId="{5C0F8F36-9468-4F6A-AD52-987C07E1A35F}">
+    <dsp:sp modelId="{4F67A7A2-21B5-4222-BD82-4D30E58D3B34}">
       <dsp:nvSpPr>
         <dsp:cNvPr id="0" name=""/>
         <dsp:cNvSpPr/>
       </dsp:nvSpPr>
       <dsp:spPr>
         <a:xfrm>
-          <a:off x="6144030" y="1354529"/>
-          <a:ext cx="1630291" cy="978175"/>
+          <a:off x="8079652" y="1654429"/>
+          <a:ext cx="1991247" cy="1194748"/>
         </a:xfrm>
         <a:prstGeom prst="rect">
           <a:avLst/>
@@ -2801,12 +2687,12 @@
         </a:fontRef>
       </dsp:style>
       <dsp:txBody>
-        <a:bodyPr spcFirstLastPara="0" vert="horz" wrap="square" lIns="120904" tIns="120904" rIns="120904" bIns="120904" numCol="1" spcCol="1270" anchor="ctr" anchorCtr="0">
+        <a:bodyPr spcFirstLastPara="0" vert="horz" wrap="square" lIns="142240" tIns="142240" rIns="142240" bIns="142240" numCol="1" spcCol="1270" anchor="ctr" anchorCtr="0">
           <a:noAutofit/>
         </a:bodyPr>
         <a:lstStyle/>
         <a:p>
-          <a:pPr marL="0" lvl="0" indent="0" algn="ctr" defTabSz="755650">
+          <a:pPr marL="0" lvl="0" indent="0" algn="ctr" defTabSz="889000">
             <a:lnSpc>
               <a:spcPct val="90000"/>
             </a:lnSpc>
@@ -2819,106 +2705,25 @@
             <a:buNone/>
           </a:pPr>
           <a:r>
-            <a:rPr lang="en-US" sz="1700" kern="1200" dirty="0"/>
-            <a:t>Apply appropriate Joins</a:t>
+            <a:rPr lang="en-US" sz="2000" kern="1200" dirty="0"/>
+            <a:t>Export Table as CSV</a:t>
           </a:r>
         </a:p>
       </dsp:txBody>
       <dsp:txXfrm>
-        <a:off x="6144030" y="1354529"/>
-        <a:ext cx="1630291" cy="978175"/>
+        <a:off x="8079652" y="1654429"/>
+        <a:ext cx="1991247" cy="1194748"/>
       </dsp:txXfrm>
     </dsp:sp>
-    <dsp:sp modelId="{81B6C5E7-9BF1-47FC-8F60-23D41C50F5D3}">
+    <dsp:sp modelId="{6012C09E-D6FE-4E88-89CB-695722181276}">
       <dsp:nvSpPr>
         <dsp:cNvPr id="0" name=""/>
         <dsp:cNvSpPr/>
       </dsp:nvSpPr>
       <dsp:spPr>
         <a:xfrm>
-          <a:off x="1756744" y="3151039"/>
-          <a:ext cx="344367" cy="91440"/>
-        </a:xfrm>
-        <a:custGeom>
-          <a:avLst/>
-          <a:gdLst/>
-          <a:ahLst/>
-          <a:cxnLst/>
-          <a:rect l="0" t="0" r="0" b="0"/>
-          <a:pathLst>
-            <a:path>
-              <a:moveTo>
-                <a:pt x="0" y="45720"/>
-              </a:moveTo>
-              <a:lnTo>
-                <a:pt x="344367" y="45720"/>
-              </a:lnTo>
-            </a:path>
-          </a:pathLst>
-        </a:custGeom>
-        <a:noFill/>
-        <a:ln w="6350" cap="flat" cmpd="sng" algn="ctr">
-          <a:solidFill>
-            <a:schemeClr val="accent1">
-              <a:hueOff val="0"/>
-              <a:satOff val="0"/>
-              <a:lumOff val="0"/>
-              <a:alphaOff val="0"/>
-            </a:schemeClr>
-          </a:solidFill>
-          <a:prstDash val="solid"/>
-          <a:miter lim="800000"/>
-          <a:tailEnd type="arrow"/>
-        </a:ln>
-        <a:effectLst/>
-      </dsp:spPr>
-      <dsp:style>
-        <a:lnRef idx="1">
-          <a:scrgbClr r="0" g="0" b="0"/>
-        </a:lnRef>
-        <a:fillRef idx="0">
-          <a:scrgbClr r="0" g="0" b="0"/>
-        </a:fillRef>
-        <a:effectRef idx="0">
-          <a:scrgbClr r="0" g="0" b="0"/>
-        </a:effectRef>
-        <a:fontRef idx="minor"/>
-      </dsp:style>
-      <dsp:txBody>
-        <a:bodyPr spcFirstLastPara="0" vert="horz" wrap="square" lIns="12700" tIns="0" rIns="12700" bIns="0" numCol="1" spcCol="1270" anchor="ctr" anchorCtr="0">
-          <a:noAutofit/>
-        </a:bodyPr>
-        <a:lstStyle/>
-        <a:p>
-          <a:pPr marL="0" lvl="0" indent="0" algn="ctr" defTabSz="222250">
-            <a:lnSpc>
-              <a:spcPct val="90000"/>
-            </a:lnSpc>
-            <a:spcBef>
-              <a:spcPct val="0"/>
-            </a:spcBef>
-            <a:spcAft>
-              <a:spcPct val="35000"/>
-            </a:spcAft>
-            <a:buNone/>
-          </a:pPr>
-          <a:endParaRPr lang="en-US" sz="500" kern="1200"/>
-        </a:p>
-      </dsp:txBody>
-      <dsp:txXfrm>
-        <a:off x="1919554" y="3194884"/>
-        <a:ext cx="18748" cy="3749"/>
-      </dsp:txXfrm>
-    </dsp:sp>
-    <dsp:sp modelId="{F31E99BB-C729-4EF2-9E48-4150A56AB77D}">
-      <dsp:nvSpPr>
-        <dsp:cNvPr id="0" name=""/>
-        <dsp:cNvSpPr/>
-      </dsp:nvSpPr>
-      <dsp:spPr>
-        <a:xfrm>
-          <a:off x="128252" y="2707671"/>
-          <a:ext cx="1630291" cy="978175"/>
+          <a:off x="731948" y="3307165"/>
+          <a:ext cx="1991247" cy="1194748"/>
         </a:xfrm>
         <a:prstGeom prst="rect">
           <a:avLst/>
@@ -2960,12 +2765,12 @@
         </a:fontRef>
       </dsp:style>
       <dsp:txBody>
-        <a:bodyPr spcFirstLastPara="0" vert="horz" wrap="square" lIns="120904" tIns="120904" rIns="120904" bIns="120904" numCol="1" spcCol="1270" anchor="ctr" anchorCtr="0">
+        <a:bodyPr spcFirstLastPara="0" vert="horz" wrap="square" lIns="142240" tIns="142240" rIns="142240" bIns="142240" numCol="1" spcCol="1270" anchor="ctr" anchorCtr="0">
           <a:noAutofit/>
         </a:bodyPr>
         <a:lstStyle/>
         <a:p>
-          <a:pPr marL="0" lvl="0" indent="0" algn="ctr" defTabSz="755650">
+          <a:pPr marL="0" lvl="0" indent="0" algn="ctr" defTabSz="889000">
             <a:lnSpc>
               <a:spcPct val="90000"/>
             </a:lnSpc>
@@ -2978,251 +2783,14 @@
             <a:buNone/>
           </a:pPr>
           <a:r>
-            <a:rPr lang="en-US" sz="1700" kern="1200" dirty="0"/>
-            <a:t>Create Relevant Table</a:t>
-          </a:r>
-        </a:p>
-      </dsp:txBody>
-      <dsp:txXfrm>
-        <a:off x="128252" y="2707671"/>
-        <a:ext cx="1630291" cy="978175"/>
-      </dsp:txXfrm>
-    </dsp:sp>
-    <dsp:sp modelId="{E6624F23-894F-44BF-B461-5E177B3C5E39}">
-      <dsp:nvSpPr>
-        <dsp:cNvPr id="0" name=""/>
-        <dsp:cNvSpPr/>
-      </dsp:nvSpPr>
-      <dsp:spPr>
-        <a:xfrm>
-          <a:off x="3762003" y="3151039"/>
-          <a:ext cx="344367" cy="91440"/>
-        </a:xfrm>
-        <a:custGeom>
-          <a:avLst/>
-          <a:gdLst/>
-          <a:ahLst/>
-          <a:cxnLst/>
-          <a:rect l="0" t="0" r="0" b="0"/>
-          <a:pathLst>
-            <a:path>
-              <a:moveTo>
-                <a:pt x="0" y="45720"/>
-              </a:moveTo>
-              <a:lnTo>
-                <a:pt x="344367" y="45720"/>
-              </a:lnTo>
-            </a:path>
-          </a:pathLst>
-        </a:custGeom>
-        <a:noFill/>
-        <a:ln w="6350" cap="flat" cmpd="sng" algn="ctr">
-          <a:solidFill>
-            <a:schemeClr val="accent1">
-              <a:hueOff val="0"/>
-              <a:satOff val="0"/>
-              <a:lumOff val="0"/>
-              <a:alphaOff val="0"/>
-            </a:schemeClr>
-          </a:solidFill>
-          <a:prstDash val="solid"/>
-          <a:miter lim="800000"/>
-          <a:tailEnd type="arrow"/>
-        </a:ln>
-        <a:effectLst/>
-      </dsp:spPr>
-      <dsp:style>
-        <a:lnRef idx="1">
-          <a:scrgbClr r="0" g="0" b="0"/>
-        </a:lnRef>
-        <a:fillRef idx="0">
-          <a:scrgbClr r="0" g="0" b="0"/>
-        </a:fillRef>
-        <a:effectRef idx="0">
-          <a:scrgbClr r="0" g="0" b="0"/>
-        </a:effectRef>
-        <a:fontRef idx="minor"/>
-      </dsp:style>
-      <dsp:txBody>
-        <a:bodyPr spcFirstLastPara="0" vert="horz" wrap="square" lIns="12700" tIns="0" rIns="12700" bIns="0" numCol="1" spcCol="1270" anchor="ctr" anchorCtr="0">
-          <a:noAutofit/>
-        </a:bodyPr>
-        <a:lstStyle/>
-        <a:p>
-          <a:pPr marL="0" lvl="0" indent="0" algn="ctr" defTabSz="222250">
-            <a:lnSpc>
-              <a:spcPct val="90000"/>
-            </a:lnSpc>
-            <a:spcBef>
-              <a:spcPct val="0"/>
-            </a:spcBef>
-            <a:spcAft>
-              <a:spcPct val="35000"/>
-            </a:spcAft>
-            <a:buNone/>
-          </a:pPr>
-          <a:endParaRPr lang="en-US" sz="500" kern="1200"/>
-        </a:p>
-      </dsp:txBody>
-      <dsp:txXfrm>
-        <a:off x="3924813" y="3194884"/>
-        <a:ext cx="18748" cy="3749"/>
-      </dsp:txXfrm>
-    </dsp:sp>
-    <dsp:sp modelId="{4F67A7A2-21B5-4222-BD82-4D30E58D3B34}">
-      <dsp:nvSpPr>
-        <dsp:cNvPr id="0" name=""/>
-        <dsp:cNvSpPr/>
-      </dsp:nvSpPr>
-      <dsp:spPr>
-        <a:xfrm>
-          <a:off x="2133511" y="2707671"/>
-          <a:ext cx="1630291" cy="978175"/>
-        </a:xfrm>
-        <a:prstGeom prst="rect">
-          <a:avLst/>
-        </a:prstGeom>
-        <a:solidFill>
-          <a:schemeClr val="accent1">
-            <a:hueOff val="0"/>
-            <a:satOff val="0"/>
-            <a:lumOff val="0"/>
-            <a:alphaOff val="0"/>
-          </a:schemeClr>
-        </a:solidFill>
-        <a:ln w="12700" cap="flat" cmpd="sng" algn="ctr">
-          <a:solidFill>
-            <a:schemeClr val="lt1">
-              <a:hueOff val="0"/>
-              <a:satOff val="0"/>
-              <a:lumOff val="0"/>
-              <a:alphaOff val="0"/>
-            </a:schemeClr>
-          </a:solidFill>
-          <a:prstDash val="solid"/>
-          <a:miter lim="800000"/>
-        </a:ln>
-        <a:effectLst/>
-      </dsp:spPr>
-      <dsp:style>
-        <a:lnRef idx="2">
-          <a:scrgbClr r="0" g="0" b="0"/>
-        </a:lnRef>
-        <a:fillRef idx="1">
-          <a:scrgbClr r="0" g="0" b="0"/>
-        </a:fillRef>
-        <a:effectRef idx="0">
-          <a:scrgbClr r="0" g="0" b="0"/>
-        </a:effectRef>
-        <a:fontRef idx="minor">
-          <a:schemeClr val="lt1"/>
-        </a:fontRef>
-      </dsp:style>
-      <dsp:txBody>
-        <a:bodyPr spcFirstLastPara="0" vert="horz" wrap="square" lIns="120904" tIns="120904" rIns="120904" bIns="120904" numCol="1" spcCol="1270" anchor="ctr" anchorCtr="0">
-          <a:noAutofit/>
-        </a:bodyPr>
-        <a:lstStyle/>
-        <a:p>
-          <a:pPr marL="0" lvl="0" indent="0" algn="ctr" defTabSz="755650">
-            <a:lnSpc>
-              <a:spcPct val="90000"/>
-            </a:lnSpc>
-            <a:spcBef>
-              <a:spcPct val="0"/>
-            </a:spcBef>
-            <a:spcAft>
-              <a:spcPct val="35000"/>
-            </a:spcAft>
-            <a:buNone/>
-          </a:pPr>
-          <a:r>
-            <a:rPr lang="en-US" sz="1700" kern="1200" dirty="0"/>
-            <a:t>Export Table as CSV</a:t>
-          </a:r>
-        </a:p>
-      </dsp:txBody>
-      <dsp:txXfrm>
-        <a:off x="2133511" y="2707671"/>
-        <a:ext cx="1630291" cy="978175"/>
-      </dsp:txXfrm>
-    </dsp:sp>
-    <dsp:sp modelId="{6012C09E-D6FE-4E88-89CB-695722181276}">
-      <dsp:nvSpPr>
-        <dsp:cNvPr id="0" name=""/>
-        <dsp:cNvSpPr/>
-      </dsp:nvSpPr>
-      <dsp:spPr>
-        <a:xfrm>
-          <a:off x="4138771" y="2707671"/>
-          <a:ext cx="1630291" cy="978175"/>
-        </a:xfrm>
-        <a:prstGeom prst="rect">
-          <a:avLst/>
-        </a:prstGeom>
-        <a:solidFill>
-          <a:schemeClr val="accent1">
-            <a:hueOff val="0"/>
-            <a:satOff val="0"/>
-            <a:lumOff val="0"/>
-            <a:alphaOff val="0"/>
-          </a:schemeClr>
-        </a:solidFill>
-        <a:ln w="12700" cap="flat" cmpd="sng" algn="ctr">
-          <a:solidFill>
-            <a:schemeClr val="lt1">
-              <a:hueOff val="0"/>
-              <a:satOff val="0"/>
-              <a:lumOff val="0"/>
-              <a:alphaOff val="0"/>
-            </a:schemeClr>
-          </a:solidFill>
-          <a:prstDash val="solid"/>
-          <a:miter lim="800000"/>
-        </a:ln>
-        <a:effectLst/>
-      </dsp:spPr>
-      <dsp:style>
-        <a:lnRef idx="2">
-          <a:scrgbClr r="0" g="0" b="0"/>
-        </a:lnRef>
-        <a:fillRef idx="1">
-          <a:scrgbClr r="0" g="0" b="0"/>
-        </a:fillRef>
-        <a:effectRef idx="0">
-          <a:scrgbClr r="0" g="0" b="0"/>
-        </a:effectRef>
-        <a:fontRef idx="minor">
-          <a:schemeClr val="lt1"/>
-        </a:fontRef>
-      </dsp:style>
-      <dsp:txBody>
-        <a:bodyPr spcFirstLastPara="0" vert="horz" wrap="square" lIns="120904" tIns="120904" rIns="120904" bIns="120904" numCol="1" spcCol="1270" anchor="ctr" anchorCtr="0">
-          <a:noAutofit/>
-        </a:bodyPr>
-        <a:lstStyle/>
-        <a:p>
-          <a:pPr marL="0" lvl="0" indent="0" algn="ctr" defTabSz="755650">
-            <a:lnSpc>
-              <a:spcPct val="90000"/>
-            </a:lnSpc>
-            <a:spcBef>
-              <a:spcPct val="0"/>
-            </a:spcBef>
-            <a:spcAft>
-              <a:spcPct val="35000"/>
-            </a:spcAft>
-            <a:buNone/>
-          </a:pPr>
-          <a:r>
-            <a:rPr lang="en-US" sz="1700" kern="1200" dirty="0"/>
+            <a:rPr lang="en-US" sz="2000" kern="1200" dirty="0"/>
             <a:t>Create Machine Learning Model </a:t>
           </a:r>
         </a:p>
       </dsp:txBody>
       <dsp:txXfrm>
-        <a:off x="4138771" y="2707671"/>
-        <a:ext cx="1630291" cy="978175"/>
+        <a:off x="731948" y="3307165"/>
+        <a:ext cx="1991247" cy="1194748"/>
       </dsp:txXfrm>
     </dsp:sp>
   </dsp:spTree>
@@ -4451,6 +4019,707 @@
 </dgm:styleDef>
 </file>
 
+<file path=ppt/notesMasters/notesMaster1.xml><?xml version="1.0" encoding="utf-8"?>
+<p:notesMaster xmlns:a="http://schemas.openxmlformats.org/drawingml/2006/main" xmlns:r="http://schemas.openxmlformats.org/officeDocument/2006/relationships" xmlns:p="http://schemas.openxmlformats.org/presentationml/2006/main">
+  <p:cSld>
+    <p:bg>
+      <p:bgRef idx="1001">
+        <a:schemeClr val="bg1"/>
+      </p:bgRef>
+    </p:bg>
+    <p:spTree>
+      <p:nvGrpSpPr>
+        <p:cNvPr id="1" name=""/>
+        <p:cNvGrpSpPr/>
+        <p:nvPr/>
+      </p:nvGrpSpPr>
+      <p:grpSpPr>
+        <a:xfrm>
+          <a:off x="0" y="0"/>
+          <a:ext cx="0" cy="0"/>
+          <a:chOff x="0" y="0"/>
+          <a:chExt cx="0" cy="0"/>
+        </a:xfrm>
+      </p:grpSpPr>
+      <p:sp>
+        <p:nvSpPr>
+          <p:cNvPr id="2" name="Header Placeholder 1"/>
+          <p:cNvSpPr>
+            <a:spLocks noGrp="1"/>
+          </p:cNvSpPr>
+          <p:nvPr>
+            <p:ph type="hdr" sz="quarter"/>
+          </p:nvPr>
+        </p:nvSpPr>
+        <p:spPr>
+          <a:xfrm>
+            <a:off x="0" y="0"/>
+            <a:ext cx="2971800" cy="458788"/>
+          </a:xfrm>
+          <a:prstGeom prst="rect">
+            <a:avLst/>
+          </a:prstGeom>
+        </p:spPr>
+        <p:txBody>
+          <a:bodyPr vert="horz" lIns="91440" tIns="45720" rIns="91440" bIns="45720" rtlCol="0"/>
+          <a:lstStyle>
+            <a:lvl1pPr algn="l">
+              <a:defRPr sz="1200"/>
+            </a:lvl1pPr>
+          </a:lstStyle>
+          <a:p>
+            <a:endParaRPr lang="en-US"/>
+          </a:p>
+        </p:txBody>
+      </p:sp>
+      <p:sp>
+        <p:nvSpPr>
+          <p:cNvPr id="3" name="Date Placeholder 2"/>
+          <p:cNvSpPr>
+            <a:spLocks noGrp="1"/>
+          </p:cNvSpPr>
+          <p:nvPr>
+            <p:ph type="dt" idx="1"/>
+          </p:nvPr>
+        </p:nvSpPr>
+        <p:spPr>
+          <a:xfrm>
+            <a:off x="3884613" y="0"/>
+            <a:ext cx="2971800" cy="458788"/>
+          </a:xfrm>
+          <a:prstGeom prst="rect">
+            <a:avLst/>
+          </a:prstGeom>
+        </p:spPr>
+        <p:txBody>
+          <a:bodyPr vert="horz" lIns="91440" tIns="45720" rIns="91440" bIns="45720" rtlCol="0"/>
+          <a:lstStyle>
+            <a:lvl1pPr algn="r">
+              <a:defRPr sz="1200"/>
+            </a:lvl1pPr>
+          </a:lstStyle>
+          <a:p>
+            <a:fld id="{C7FE08DA-9A36-4970-B95D-83EDB8EB5DEA}" type="datetimeFigureOut">
+              <a:rPr lang="en-US" smtClean="0"/>
+              <a:t>2/21/2023</a:t>
+            </a:fld>
+            <a:endParaRPr lang="en-US"/>
+          </a:p>
+        </p:txBody>
+      </p:sp>
+      <p:sp>
+        <p:nvSpPr>
+          <p:cNvPr id="4" name="Slide Image Placeholder 3"/>
+          <p:cNvSpPr>
+            <a:spLocks noGrp="1" noRot="1" noChangeAspect="1"/>
+          </p:cNvSpPr>
+          <p:nvPr>
+            <p:ph type="sldImg" idx="2"/>
+          </p:nvPr>
+        </p:nvSpPr>
+        <p:spPr>
+          <a:xfrm>
+            <a:off x="685800" y="1143000"/>
+            <a:ext cx="5486400" cy="3086100"/>
+          </a:xfrm>
+          <a:prstGeom prst="rect">
+            <a:avLst/>
+          </a:prstGeom>
+          <a:noFill/>
+          <a:ln w="12700">
+            <a:solidFill>
+              <a:prstClr val="black"/>
+            </a:solidFill>
+          </a:ln>
+        </p:spPr>
+        <p:txBody>
+          <a:bodyPr vert="horz" lIns="91440" tIns="45720" rIns="91440" bIns="45720" rtlCol="0" anchor="ctr"/>
+          <a:lstStyle/>
+          <a:p>
+            <a:endParaRPr lang="en-US"/>
+          </a:p>
+        </p:txBody>
+      </p:sp>
+      <p:sp>
+        <p:nvSpPr>
+          <p:cNvPr id="5" name="Notes Placeholder 4"/>
+          <p:cNvSpPr>
+            <a:spLocks noGrp="1"/>
+          </p:cNvSpPr>
+          <p:nvPr>
+            <p:ph type="body" sz="quarter" idx="3"/>
+          </p:nvPr>
+        </p:nvSpPr>
+        <p:spPr>
+          <a:xfrm>
+            <a:off x="685800" y="4400550"/>
+            <a:ext cx="5486400" cy="3600450"/>
+          </a:xfrm>
+          <a:prstGeom prst="rect">
+            <a:avLst/>
+          </a:prstGeom>
+        </p:spPr>
+        <p:txBody>
+          <a:bodyPr vert="horz" lIns="91440" tIns="45720" rIns="91440" bIns="45720" rtlCol="0"/>
+          <a:lstStyle/>
+          <a:p>
+            <a:pPr lvl="0"/>
+            <a:r>
+              <a:rPr lang="en-US"/>
+              <a:t>Click to edit Master text styles</a:t>
+            </a:r>
+          </a:p>
+          <a:p>
+            <a:pPr lvl="1"/>
+            <a:r>
+              <a:rPr lang="en-US"/>
+              <a:t>Second level</a:t>
+            </a:r>
+          </a:p>
+          <a:p>
+            <a:pPr lvl="2"/>
+            <a:r>
+              <a:rPr lang="en-US"/>
+              <a:t>Third level</a:t>
+            </a:r>
+          </a:p>
+          <a:p>
+            <a:pPr lvl="3"/>
+            <a:r>
+              <a:rPr lang="en-US"/>
+              <a:t>Fourth level</a:t>
+            </a:r>
+          </a:p>
+          <a:p>
+            <a:pPr lvl="4"/>
+            <a:r>
+              <a:rPr lang="en-US"/>
+              <a:t>Fifth level</a:t>
+            </a:r>
+          </a:p>
+        </p:txBody>
+      </p:sp>
+      <p:sp>
+        <p:nvSpPr>
+          <p:cNvPr id="6" name="Footer Placeholder 5"/>
+          <p:cNvSpPr>
+            <a:spLocks noGrp="1"/>
+          </p:cNvSpPr>
+          <p:nvPr>
+            <p:ph type="ftr" sz="quarter" idx="4"/>
+          </p:nvPr>
+        </p:nvSpPr>
+        <p:spPr>
+          <a:xfrm>
+            <a:off x="0" y="8685213"/>
+            <a:ext cx="2971800" cy="458787"/>
+          </a:xfrm>
+          <a:prstGeom prst="rect">
+            <a:avLst/>
+          </a:prstGeom>
+        </p:spPr>
+        <p:txBody>
+          <a:bodyPr vert="horz" lIns="91440" tIns="45720" rIns="91440" bIns="45720" rtlCol="0" anchor="b"/>
+          <a:lstStyle>
+            <a:lvl1pPr algn="l">
+              <a:defRPr sz="1200"/>
+            </a:lvl1pPr>
+          </a:lstStyle>
+          <a:p>
+            <a:endParaRPr lang="en-US"/>
+          </a:p>
+        </p:txBody>
+      </p:sp>
+      <p:sp>
+        <p:nvSpPr>
+          <p:cNvPr id="7" name="Slide Number Placeholder 6"/>
+          <p:cNvSpPr>
+            <a:spLocks noGrp="1"/>
+          </p:cNvSpPr>
+          <p:nvPr>
+            <p:ph type="sldNum" sz="quarter" idx="5"/>
+          </p:nvPr>
+        </p:nvSpPr>
+        <p:spPr>
+          <a:xfrm>
+            <a:off x="3884613" y="8685213"/>
+            <a:ext cx="2971800" cy="458787"/>
+          </a:xfrm>
+          <a:prstGeom prst="rect">
+            <a:avLst/>
+          </a:prstGeom>
+        </p:spPr>
+        <p:txBody>
+          <a:bodyPr vert="horz" lIns="91440" tIns="45720" rIns="91440" bIns="45720" rtlCol="0" anchor="b"/>
+          <a:lstStyle>
+            <a:lvl1pPr algn="r">
+              <a:defRPr sz="1200"/>
+            </a:lvl1pPr>
+          </a:lstStyle>
+          <a:p>
+            <a:fld id="{4E127533-29CA-4A56-BE46-0935E67317E8}" type="slidenum">
+              <a:rPr lang="en-US" smtClean="0"/>
+              <a:t>‹#›</a:t>
+            </a:fld>
+            <a:endParaRPr lang="en-US"/>
+          </a:p>
+        </p:txBody>
+      </p:sp>
+    </p:spTree>
+    <p:extLst>
+      <p:ext uri="{BB962C8B-B14F-4D97-AF65-F5344CB8AC3E}">
+        <p14:creationId xmlns:p14="http://schemas.microsoft.com/office/powerpoint/2010/main" val="3575029615"/>
+      </p:ext>
+    </p:extLst>
+  </p:cSld>
+  <p:clrMap bg1="lt1" tx1="dk1" bg2="lt2" tx2="dk2" accent1="accent1" accent2="accent2" accent3="accent3" accent4="accent4" accent5="accent5" accent6="accent6" hlink="hlink" folHlink="folHlink"/>
+  <p:notesStyle>
+    <a:lvl1pPr marL="0" algn="l" defTabSz="914400" rtl="0" eaLnBrk="1" latinLnBrk="0" hangingPunct="1">
+      <a:defRPr sz="1200" kern="1200">
+        <a:solidFill>
+          <a:schemeClr val="tx1"/>
+        </a:solidFill>
+        <a:latin typeface="+mn-lt"/>
+        <a:ea typeface="+mn-ea"/>
+        <a:cs typeface="+mn-cs"/>
+      </a:defRPr>
+    </a:lvl1pPr>
+    <a:lvl2pPr marL="457200" algn="l" defTabSz="914400" rtl="0" eaLnBrk="1" latinLnBrk="0" hangingPunct="1">
+      <a:defRPr sz="1200" kern="1200">
+        <a:solidFill>
+          <a:schemeClr val="tx1"/>
+        </a:solidFill>
+        <a:latin typeface="+mn-lt"/>
+        <a:ea typeface="+mn-ea"/>
+        <a:cs typeface="+mn-cs"/>
+      </a:defRPr>
+    </a:lvl2pPr>
+    <a:lvl3pPr marL="914400" algn="l" defTabSz="914400" rtl="0" eaLnBrk="1" latinLnBrk="0" hangingPunct="1">
+      <a:defRPr sz="1200" kern="1200">
+        <a:solidFill>
+          <a:schemeClr val="tx1"/>
+        </a:solidFill>
+        <a:latin typeface="+mn-lt"/>
+        <a:ea typeface="+mn-ea"/>
+        <a:cs typeface="+mn-cs"/>
+      </a:defRPr>
+    </a:lvl3pPr>
+    <a:lvl4pPr marL="1371600" algn="l" defTabSz="914400" rtl="0" eaLnBrk="1" latinLnBrk="0" hangingPunct="1">
+      <a:defRPr sz="1200" kern="1200">
+        <a:solidFill>
+          <a:schemeClr val="tx1"/>
+        </a:solidFill>
+        <a:latin typeface="+mn-lt"/>
+        <a:ea typeface="+mn-ea"/>
+        <a:cs typeface="+mn-cs"/>
+      </a:defRPr>
+    </a:lvl4pPr>
+    <a:lvl5pPr marL="1828800" algn="l" defTabSz="914400" rtl="0" eaLnBrk="1" latinLnBrk="0" hangingPunct="1">
+      <a:defRPr sz="1200" kern="1200">
+        <a:solidFill>
+          <a:schemeClr val="tx1"/>
+        </a:solidFill>
+        <a:latin typeface="+mn-lt"/>
+        <a:ea typeface="+mn-ea"/>
+        <a:cs typeface="+mn-cs"/>
+      </a:defRPr>
+    </a:lvl5pPr>
+    <a:lvl6pPr marL="2286000" algn="l" defTabSz="914400" rtl="0" eaLnBrk="1" latinLnBrk="0" hangingPunct="1">
+      <a:defRPr sz="1200" kern="1200">
+        <a:solidFill>
+          <a:schemeClr val="tx1"/>
+        </a:solidFill>
+        <a:latin typeface="+mn-lt"/>
+        <a:ea typeface="+mn-ea"/>
+        <a:cs typeface="+mn-cs"/>
+      </a:defRPr>
+    </a:lvl6pPr>
+    <a:lvl7pPr marL="2743200" algn="l" defTabSz="914400" rtl="0" eaLnBrk="1" latinLnBrk="0" hangingPunct="1">
+      <a:defRPr sz="1200" kern="1200">
+        <a:solidFill>
+          <a:schemeClr val="tx1"/>
+        </a:solidFill>
+        <a:latin typeface="+mn-lt"/>
+        <a:ea typeface="+mn-ea"/>
+        <a:cs typeface="+mn-cs"/>
+      </a:defRPr>
+    </a:lvl7pPr>
+    <a:lvl8pPr marL="3200400" algn="l" defTabSz="914400" rtl="0" eaLnBrk="1" latinLnBrk="0" hangingPunct="1">
+      <a:defRPr sz="1200" kern="1200">
+        <a:solidFill>
+          <a:schemeClr val="tx1"/>
+        </a:solidFill>
+        <a:latin typeface="+mn-lt"/>
+        <a:ea typeface="+mn-ea"/>
+        <a:cs typeface="+mn-cs"/>
+      </a:defRPr>
+    </a:lvl8pPr>
+    <a:lvl9pPr marL="3657600" algn="l" defTabSz="914400" rtl="0" eaLnBrk="1" latinLnBrk="0" hangingPunct="1">
+      <a:defRPr sz="1200" kern="1200">
+        <a:solidFill>
+          <a:schemeClr val="tx1"/>
+        </a:solidFill>
+        <a:latin typeface="+mn-lt"/>
+        <a:ea typeface="+mn-ea"/>
+        <a:cs typeface="+mn-cs"/>
+      </a:defRPr>
+    </a:lvl9pPr>
+  </p:notesStyle>
+</p:notesMaster>
+</file>
+
+<file path=ppt/notesSlides/notesSlide1.xml><?xml version="1.0" encoding="utf-8"?>
+<p:notes xmlns:a="http://schemas.openxmlformats.org/drawingml/2006/main" xmlns:r="http://schemas.openxmlformats.org/officeDocument/2006/relationships" xmlns:p="http://schemas.openxmlformats.org/presentationml/2006/main">
+  <p:cSld>
+    <p:spTree>
+      <p:nvGrpSpPr>
+        <p:cNvPr id="1" name=""/>
+        <p:cNvGrpSpPr/>
+        <p:nvPr/>
+      </p:nvGrpSpPr>
+      <p:grpSpPr>
+        <a:xfrm>
+          <a:off x="0" y="0"/>
+          <a:ext cx="0" cy="0"/>
+          <a:chOff x="0" y="0"/>
+          <a:chExt cx="0" cy="0"/>
+        </a:xfrm>
+      </p:grpSpPr>
+      <p:sp>
+        <p:nvSpPr>
+          <p:cNvPr id="2" name="Slide Image Placeholder 1"/>
+          <p:cNvSpPr>
+            <a:spLocks noGrp="1" noRot="1" noChangeAspect="1"/>
+          </p:cNvSpPr>
+          <p:nvPr>
+            <p:ph type="sldImg"/>
+          </p:nvPr>
+        </p:nvSpPr>
+        <p:spPr/>
+      </p:sp>
+      <p:sp>
+        <p:nvSpPr>
+          <p:cNvPr id="3" name="Notes Placeholder 2"/>
+          <p:cNvSpPr>
+            <a:spLocks noGrp="1"/>
+          </p:cNvSpPr>
+          <p:nvPr>
+            <p:ph type="body" idx="1"/>
+          </p:nvPr>
+        </p:nvSpPr>
+        <p:spPr/>
+        <p:txBody>
+          <a:bodyPr/>
+          <a:lstStyle/>
+          <a:p>
+            <a:r>
+              <a:rPr lang="en-US" dirty="0"/>
+              <a:t>Each person gives a brief introduction to themselves and their background.</a:t>
+            </a:r>
+          </a:p>
+        </p:txBody>
+      </p:sp>
+      <p:sp>
+        <p:nvSpPr>
+          <p:cNvPr id="4" name="Slide Number Placeholder 3"/>
+          <p:cNvSpPr>
+            <a:spLocks noGrp="1"/>
+          </p:cNvSpPr>
+          <p:nvPr>
+            <p:ph type="sldNum" sz="quarter" idx="5"/>
+          </p:nvPr>
+        </p:nvSpPr>
+        <p:spPr/>
+        <p:txBody>
+          <a:bodyPr/>
+          <a:lstStyle/>
+          <a:p>
+            <a:fld id="{4E127533-29CA-4A56-BE46-0935E67317E8}" type="slidenum">
+              <a:rPr lang="en-US" smtClean="0"/>
+              <a:t>1</a:t>
+            </a:fld>
+            <a:endParaRPr lang="en-US"/>
+          </a:p>
+        </p:txBody>
+      </p:sp>
+    </p:spTree>
+    <p:extLst>
+      <p:ext uri="{BB962C8B-B14F-4D97-AF65-F5344CB8AC3E}">
+        <p14:creationId xmlns:p14="http://schemas.microsoft.com/office/powerpoint/2010/main" val="1157911659"/>
+      </p:ext>
+    </p:extLst>
+  </p:cSld>
+  <p:clrMapOvr>
+    <a:masterClrMapping/>
+  </p:clrMapOvr>
+</p:notes>
+</file>
+
+<file path=ppt/notesSlides/notesSlide2.xml><?xml version="1.0" encoding="utf-8"?>
+<p:notes xmlns:a="http://schemas.openxmlformats.org/drawingml/2006/main" xmlns:r="http://schemas.openxmlformats.org/officeDocument/2006/relationships" xmlns:p="http://schemas.openxmlformats.org/presentationml/2006/main">
+  <p:cSld>
+    <p:spTree>
+      <p:nvGrpSpPr>
+        <p:cNvPr id="1" name=""/>
+        <p:cNvGrpSpPr/>
+        <p:nvPr/>
+      </p:nvGrpSpPr>
+      <p:grpSpPr>
+        <a:xfrm>
+          <a:off x="0" y="0"/>
+          <a:ext cx="0" cy="0"/>
+          <a:chOff x="0" y="0"/>
+          <a:chExt cx="0" cy="0"/>
+        </a:xfrm>
+      </p:grpSpPr>
+      <p:sp>
+        <p:nvSpPr>
+          <p:cNvPr id="2" name="Slide Image Placeholder 1"/>
+          <p:cNvSpPr>
+            <a:spLocks noGrp="1" noRot="1" noChangeAspect="1"/>
+          </p:cNvSpPr>
+          <p:nvPr>
+            <p:ph type="sldImg"/>
+          </p:nvPr>
+        </p:nvSpPr>
+        <p:spPr/>
+      </p:sp>
+      <p:sp>
+        <p:nvSpPr>
+          <p:cNvPr id="3" name="Notes Placeholder 2"/>
+          <p:cNvSpPr>
+            <a:spLocks noGrp="1"/>
+          </p:cNvSpPr>
+          <p:nvPr>
+            <p:ph type="body" idx="1"/>
+          </p:nvPr>
+        </p:nvSpPr>
+        <p:spPr/>
+        <p:txBody>
+          <a:bodyPr/>
+          <a:lstStyle/>
+          <a:p>
+            <a:r>
+              <a:rPr lang="en-US" dirty="0" err="1"/>
+              <a:t>Fiston</a:t>
+            </a:r>
+            <a:r>
+              <a:rPr lang="en-US" dirty="0"/>
+              <a:t> &amp; Brenton: Discuss the process. Make sure to discuss that we created the database but did not actually use it for the Machine Learning piece.</a:t>
+            </a:r>
+          </a:p>
+        </p:txBody>
+      </p:sp>
+      <p:sp>
+        <p:nvSpPr>
+          <p:cNvPr id="4" name="Slide Number Placeholder 3"/>
+          <p:cNvSpPr>
+            <a:spLocks noGrp="1"/>
+          </p:cNvSpPr>
+          <p:nvPr>
+            <p:ph type="sldNum" sz="quarter" idx="5"/>
+          </p:nvPr>
+        </p:nvSpPr>
+        <p:spPr/>
+        <p:txBody>
+          <a:bodyPr/>
+          <a:lstStyle/>
+          <a:p>
+            <a:fld id="{4E127533-29CA-4A56-BE46-0935E67317E8}" type="slidenum">
+              <a:rPr lang="en-US" smtClean="0"/>
+              <a:t>6</a:t>
+            </a:fld>
+            <a:endParaRPr lang="en-US"/>
+          </a:p>
+        </p:txBody>
+      </p:sp>
+    </p:spTree>
+    <p:extLst>
+      <p:ext uri="{BB962C8B-B14F-4D97-AF65-F5344CB8AC3E}">
+        <p14:creationId xmlns:p14="http://schemas.microsoft.com/office/powerpoint/2010/main" val="1587803116"/>
+      </p:ext>
+    </p:extLst>
+  </p:cSld>
+  <p:clrMapOvr>
+    <a:masterClrMapping/>
+  </p:clrMapOvr>
+</p:notes>
+</file>
+
+<file path=ppt/notesSlides/notesSlide3.xml><?xml version="1.0" encoding="utf-8"?>
+<p:notes xmlns:a="http://schemas.openxmlformats.org/drawingml/2006/main" xmlns:r="http://schemas.openxmlformats.org/officeDocument/2006/relationships" xmlns:p="http://schemas.openxmlformats.org/presentationml/2006/main">
+  <p:cSld>
+    <p:spTree>
+      <p:nvGrpSpPr>
+        <p:cNvPr id="1" name=""/>
+        <p:cNvGrpSpPr/>
+        <p:nvPr/>
+      </p:nvGrpSpPr>
+      <p:grpSpPr>
+        <a:xfrm>
+          <a:off x="0" y="0"/>
+          <a:ext cx="0" cy="0"/>
+          <a:chOff x="0" y="0"/>
+          <a:chExt cx="0" cy="0"/>
+        </a:xfrm>
+      </p:grpSpPr>
+      <p:sp>
+        <p:nvSpPr>
+          <p:cNvPr id="2" name="Slide Image Placeholder 1"/>
+          <p:cNvSpPr>
+            <a:spLocks noGrp="1" noRot="1" noChangeAspect="1"/>
+          </p:cNvSpPr>
+          <p:nvPr>
+            <p:ph type="sldImg"/>
+          </p:nvPr>
+        </p:nvSpPr>
+        <p:spPr/>
+      </p:sp>
+      <p:sp>
+        <p:nvSpPr>
+          <p:cNvPr id="3" name="Notes Placeholder 2"/>
+          <p:cNvSpPr>
+            <a:spLocks noGrp="1"/>
+          </p:cNvSpPr>
+          <p:nvPr>
+            <p:ph type="body" idx="1"/>
+          </p:nvPr>
+        </p:nvSpPr>
+        <p:spPr/>
+        <p:txBody>
+          <a:bodyPr/>
+          <a:lstStyle/>
+          <a:p>
+            <a:r>
+              <a:rPr lang="en-US" dirty="0"/>
+              <a:t>Ryan: Discuss the machine learning model and process. Problems encountered. Why we picked this.</a:t>
+            </a:r>
+          </a:p>
+        </p:txBody>
+      </p:sp>
+      <p:sp>
+        <p:nvSpPr>
+          <p:cNvPr id="4" name="Slide Number Placeholder 3"/>
+          <p:cNvSpPr>
+            <a:spLocks noGrp="1"/>
+          </p:cNvSpPr>
+          <p:nvPr>
+            <p:ph type="sldNum" sz="quarter" idx="5"/>
+          </p:nvPr>
+        </p:nvSpPr>
+        <p:spPr/>
+        <p:txBody>
+          <a:bodyPr/>
+          <a:lstStyle/>
+          <a:p>
+            <a:fld id="{4E127533-29CA-4A56-BE46-0935E67317E8}" type="slidenum">
+              <a:rPr lang="en-US" smtClean="0"/>
+              <a:t>7</a:t>
+            </a:fld>
+            <a:endParaRPr lang="en-US"/>
+          </a:p>
+        </p:txBody>
+      </p:sp>
+    </p:spTree>
+    <p:extLst>
+      <p:ext uri="{BB962C8B-B14F-4D97-AF65-F5344CB8AC3E}">
+        <p14:creationId xmlns:p14="http://schemas.microsoft.com/office/powerpoint/2010/main" val="2657348351"/>
+      </p:ext>
+    </p:extLst>
+  </p:cSld>
+  <p:clrMapOvr>
+    <a:masterClrMapping/>
+  </p:clrMapOvr>
+</p:notes>
+</file>
+
+<file path=ppt/notesSlides/notesSlide4.xml><?xml version="1.0" encoding="utf-8"?>
+<p:notes xmlns:a="http://schemas.openxmlformats.org/drawingml/2006/main" xmlns:r="http://schemas.openxmlformats.org/officeDocument/2006/relationships" xmlns:p="http://schemas.openxmlformats.org/presentationml/2006/main">
+  <p:cSld>
+    <p:spTree>
+      <p:nvGrpSpPr>
+        <p:cNvPr id="1" name=""/>
+        <p:cNvGrpSpPr/>
+        <p:nvPr/>
+      </p:nvGrpSpPr>
+      <p:grpSpPr>
+        <a:xfrm>
+          <a:off x="0" y="0"/>
+          <a:ext cx="0" cy="0"/>
+          <a:chOff x="0" y="0"/>
+          <a:chExt cx="0" cy="0"/>
+        </a:xfrm>
+      </p:grpSpPr>
+      <p:sp>
+        <p:nvSpPr>
+          <p:cNvPr id="2" name="Slide Image Placeholder 1"/>
+          <p:cNvSpPr>
+            <a:spLocks noGrp="1" noRot="1" noChangeAspect="1"/>
+          </p:cNvSpPr>
+          <p:nvPr>
+            <p:ph type="sldImg"/>
+          </p:nvPr>
+        </p:nvSpPr>
+        <p:spPr/>
+      </p:sp>
+      <p:sp>
+        <p:nvSpPr>
+          <p:cNvPr id="3" name="Notes Placeholder 2"/>
+          <p:cNvSpPr>
+            <a:spLocks noGrp="1"/>
+          </p:cNvSpPr>
+          <p:nvPr>
+            <p:ph type="body" idx="1"/>
+          </p:nvPr>
+        </p:nvSpPr>
+        <p:spPr/>
+        <p:txBody>
+          <a:bodyPr/>
+          <a:lstStyle/>
+          <a:p>
+            <a:r>
+              <a:rPr lang="en-US" dirty="0"/>
+              <a:t>Kim</a:t>
+            </a:r>
+          </a:p>
+        </p:txBody>
+      </p:sp>
+      <p:sp>
+        <p:nvSpPr>
+          <p:cNvPr id="4" name="Slide Number Placeholder 3"/>
+          <p:cNvSpPr>
+            <a:spLocks noGrp="1"/>
+          </p:cNvSpPr>
+          <p:nvPr>
+            <p:ph type="sldNum" sz="quarter" idx="5"/>
+          </p:nvPr>
+        </p:nvSpPr>
+        <p:spPr/>
+        <p:txBody>
+          <a:bodyPr/>
+          <a:lstStyle/>
+          <a:p>
+            <a:fld id="{4E127533-29CA-4A56-BE46-0935E67317E8}" type="slidenum">
+              <a:rPr lang="en-US" smtClean="0"/>
+              <a:t>8</a:t>
+            </a:fld>
+            <a:endParaRPr lang="en-US"/>
+          </a:p>
+        </p:txBody>
+      </p:sp>
+    </p:spTree>
+    <p:extLst>
+      <p:ext uri="{BB962C8B-B14F-4D97-AF65-F5344CB8AC3E}">
+        <p14:creationId xmlns:p14="http://schemas.microsoft.com/office/powerpoint/2010/main" val="3198427146"/>
+      </p:ext>
+    </p:extLst>
+  </p:cSld>
+  <p:clrMapOvr>
+    <a:masterClrMapping/>
+  </p:clrMapOvr>
+</p:notes>
+</file>
+
 <file path=ppt/slideLayouts/slideLayout1.xml><?xml version="1.0" encoding="utf-8"?>
 <p:sldLayout xmlns:a="http://schemas.openxmlformats.org/drawingml/2006/main" xmlns:r="http://schemas.openxmlformats.org/officeDocument/2006/relationships" xmlns:p="http://schemas.openxmlformats.org/presentationml/2006/main" type="title" preserve="1">
   <p:cSld name="Title Slide">
@@ -4598,7 +4867,7 @@
           <a:p>
             <a:fld id="{28B9C2AE-AF5B-4563-82E7-7C2396ABE609}" type="datetimeFigureOut">
               <a:rPr lang="en-US" smtClean="0"/>
-              <a:t>2/16/2023</a:t>
+              <a:t>2/21/2023</a:t>
             </a:fld>
             <a:endParaRPr lang="en-US"/>
           </a:p>
@@ -4796,7 +5065,7 @@
           <a:p>
             <a:fld id="{28B9C2AE-AF5B-4563-82E7-7C2396ABE609}" type="datetimeFigureOut">
               <a:rPr lang="en-US" smtClean="0"/>
-              <a:t>2/16/2023</a:t>
+              <a:t>2/21/2023</a:t>
             </a:fld>
             <a:endParaRPr lang="en-US"/>
           </a:p>
@@ -5004,7 +5273,7 @@
           <a:p>
             <a:fld id="{28B9C2AE-AF5B-4563-82E7-7C2396ABE609}" type="datetimeFigureOut">
               <a:rPr lang="en-US" smtClean="0"/>
-              <a:t>2/16/2023</a:t>
+              <a:t>2/21/2023</a:t>
             </a:fld>
             <a:endParaRPr lang="en-US"/>
           </a:p>
@@ -5202,7 +5471,7 @@
           <a:p>
             <a:fld id="{28B9C2AE-AF5B-4563-82E7-7C2396ABE609}" type="datetimeFigureOut">
               <a:rPr lang="en-US" smtClean="0"/>
-              <a:t>2/16/2023</a:t>
+              <a:t>2/21/2023</a:t>
             </a:fld>
             <a:endParaRPr lang="en-US"/>
           </a:p>
@@ -5477,7 +5746,7 @@
           <a:p>
             <a:fld id="{28B9C2AE-AF5B-4563-82E7-7C2396ABE609}" type="datetimeFigureOut">
               <a:rPr lang="en-US" smtClean="0"/>
-              <a:t>2/16/2023</a:t>
+              <a:t>2/21/2023</a:t>
             </a:fld>
             <a:endParaRPr lang="en-US"/>
           </a:p>
@@ -5742,7 +6011,7 @@
           <a:p>
             <a:fld id="{28B9C2AE-AF5B-4563-82E7-7C2396ABE609}" type="datetimeFigureOut">
               <a:rPr lang="en-US" smtClean="0"/>
-              <a:t>2/16/2023</a:t>
+              <a:t>2/21/2023</a:t>
             </a:fld>
             <a:endParaRPr lang="en-US"/>
           </a:p>
@@ -6154,7 +6423,7 @@
           <a:p>
             <a:fld id="{28B9C2AE-AF5B-4563-82E7-7C2396ABE609}" type="datetimeFigureOut">
               <a:rPr lang="en-US" smtClean="0"/>
-              <a:t>2/16/2023</a:t>
+              <a:t>2/21/2023</a:t>
             </a:fld>
             <a:endParaRPr lang="en-US"/>
           </a:p>
@@ -6295,7 +6564,7 @@
           <a:p>
             <a:fld id="{28B9C2AE-AF5B-4563-82E7-7C2396ABE609}" type="datetimeFigureOut">
               <a:rPr lang="en-US" smtClean="0"/>
-              <a:t>2/16/2023</a:t>
+              <a:t>2/21/2023</a:t>
             </a:fld>
             <a:endParaRPr lang="en-US"/>
           </a:p>
@@ -6408,7 +6677,7 @@
           <a:p>
             <a:fld id="{28B9C2AE-AF5B-4563-82E7-7C2396ABE609}" type="datetimeFigureOut">
               <a:rPr lang="en-US" smtClean="0"/>
-              <a:t>2/16/2023</a:t>
+              <a:t>2/21/2023</a:t>
             </a:fld>
             <a:endParaRPr lang="en-US"/>
           </a:p>
@@ -6719,7 +6988,7 @@
           <a:p>
             <a:fld id="{28B9C2AE-AF5B-4563-82E7-7C2396ABE609}" type="datetimeFigureOut">
               <a:rPr lang="en-US" smtClean="0"/>
-              <a:t>2/16/2023</a:t>
+              <a:t>2/21/2023</a:t>
             </a:fld>
             <a:endParaRPr lang="en-US"/>
           </a:p>
@@ -7007,7 +7276,7 @@
           <a:p>
             <a:fld id="{28B9C2AE-AF5B-4563-82E7-7C2396ABE609}" type="datetimeFigureOut">
               <a:rPr lang="en-US" smtClean="0"/>
-              <a:t>2/16/2023</a:t>
+              <a:t>2/21/2023</a:t>
             </a:fld>
             <a:endParaRPr lang="en-US"/>
           </a:p>
@@ -7248,7 +7517,7 @@
           <a:p>
             <a:fld id="{28B9C2AE-AF5B-4563-82E7-7C2396ABE609}" type="datetimeFigureOut">
               <a:rPr lang="en-US" smtClean="0"/>
-              <a:t>2/16/2023</a:t>
+              <a:t>2/21/2023</a:t>
             </a:fld>
             <a:endParaRPr lang="en-US"/>
           </a:p>
@@ -7688,7 +7957,7 @@
           <p:nvPr/>
         </p:nvPicPr>
         <p:blipFill rotWithShape="1">
-          <a:blip r:embed="rId2">
+          <a:blip r:embed="rId3">
             <a:extLst>
               <a:ext uri="{28A0092B-C50C-407E-A947-70E740481C1C}">
                 <a14:useLocalDpi xmlns:a14="http://schemas.microsoft.com/office/drawing/2010/main" val="0"/>
@@ -8009,6 +8278,120 @@
 </p:sld>
 </file>
 
+<file path=ppt/slides/slide10.xml><?xml version="1.0" encoding="utf-8"?>
+<p:sld xmlns:a="http://schemas.openxmlformats.org/drawingml/2006/main" xmlns:r="http://schemas.openxmlformats.org/officeDocument/2006/relationships" xmlns:p="http://schemas.openxmlformats.org/presentationml/2006/main">
+  <p:cSld>
+    <p:spTree>
+      <p:nvGrpSpPr>
+        <p:cNvPr id="1" name=""/>
+        <p:cNvGrpSpPr/>
+        <p:nvPr/>
+      </p:nvGrpSpPr>
+      <p:grpSpPr>
+        <a:xfrm>
+          <a:off x="0" y="0"/>
+          <a:ext cx="0" cy="0"/>
+          <a:chOff x="0" y="0"/>
+          <a:chExt cx="0" cy="0"/>
+        </a:xfrm>
+      </p:grpSpPr>
+      <p:sp>
+        <p:nvSpPr>
+          <p:cNvPr id="2" name="Title 1">
+            <a:extLst>
+              <a:ext uri="{FF2B5EF4-FFF2-40B4-BE49-F238E27FC236}">
+                <a16:creationId xmlns:a16="http://schemas.microsoft.com/office/drawing/2014/main" id="{08D7CB85-61A9-3122-7B93-2AC270A9CEF9}"/>
+              </a:ext>
+            </a:extLst>
+          </p:cNvPr>
+          <p:cNvSpPr>
+            <a:spLocks noGrp="1"/>
+          </p:cNvSpPr>
+          <p:nvPr>
+            <p:ph type="title"/>
+          </p:nvPr>
+        </p:nvSpPr>
+        <p:spPr/>
+        <p:txBody>
+          <a:bodyPr/>
+          <a:lstStyle/>
+          <a:p>
+            <a:r>
+              <a:rPr lang="en-US" dirty="0"/>
+              <a:t>DISCUSSION</a:t>
+            </a:r>
+          </a:p>
+        </p:txBody>
+      </p:sp>
+      <p:sp>
+        <p:nvSpPr>
+          <p:cNvPr id="3" name="Content Placeholder 2">
+            <a:extLst>
+              <a:ext uri="{FF2B5EF4-FFF2-40B4-BE49-F238E27FC236}">
+                <a16:creationId xmlns:a16="http://schemas.microsoft.com/office/drawing/2014/main" id="{D82D0493-36A7-2B3F-F5FC-E77DD9B5A29D}"/>
+              </a:ext>
+            </a:extLst>
+          </p:cNvPr>
+          <p:cNvSpPr>
+            <a:spLocks noGrp="1"/>
+          </p:cNvSpPr>
+          <p:nvPr>
+            <p:ph idx="1"/>
+          </p:nvPr>
+        </p:nvSpPr>
+        <p:spPr/>
+        <p:txBody>
+          <a:bodyPr/>
+          <a:lstStyle/>
+          <a:p>
+            <a:r>
+              <a:rPr lang="en-US" dirty="0"/>
+              <a:t>Roadblocks</a:t>
+            </a:r>
+          </a:p>
+          <a:p>
+            <a:r>
+              <a:rPr lang="en-US" dirty="0"/>
+              <a:t>What we would do if we had more time</a:t>
+            </a:r>
+          </a:p>
+          <a:p>
+            <a:pPr lvl="1"/>
+            <a:r>
+              <a:rPr lang="en-US" dirty="0"/>
+              <a:t>Visualizations based on Machine Learning Model results</a:t>
+            </a:r>
+          </a:p>
+          <a:p>
+            <a:pPr marL="457200" lvl="1" indent="0">
+              <a:buNone/>
+            </a:pPr>
+            <a:endParaRPr lang="en-US" dirty="0"/>
+          </a:p>
+          <a:p>
+            <a:r>
+              <a:rPr lang="en-US" dirty="0"/>
+              <a:t>QUESTIONS??? </a:t>
+            </a:r>
+          </a:p>
+          <a:p>
+            <a:endParaRPr lang="en-US" dirty="0"/>
+          </a:p>
+        </p:txBody>
+      </p:sp>
+    </p:spTree>
+    <p:extLst>
+      <p:ext uri="{BB962C8B-B14F-4D97-AF65-F5344CB8AC3E}">
+        <p14:creationId xmlns:p14="http://schemas.microsoft.com/office/powerpoint/2010/main" val="2620501839"/>
+      </p:ext>
+    </p:extLst>
+  </p:cSld>
+  <p:clrMapOvr>
+    <a:masterClrMapping/>
+  </p:clrMapOvr>
+</p:sld>
+</file>
+
 <file path=ppt/slides/slide2.xml><?xml version="1.0" encoding="utf-8"?>
 <p:sld xmlns:a="http://schemas.openxmlformats.org/drawingml/2006/main" xmlns:r="http://schemas.openxmlformats.org/officeDocument/2006/relationships" xmlns:p="http://schemas.openxmlformats.org/presentationml/2006/main">
   <p:cSld>
@@ -8048,8 +8431,8 @@
           <a:lstStyle/>
           <a:p>
             <a:r>
-              <a:rPr lang="en-US" dirty="0"/>
-              <a:t>PURPOSE</a:t>
+              <a:rPr lang="en-US" b="1" dirty="0"/>
+              <a:t>TOPIC DISCUSSION</a:t>
             </a:r>
           </a:p>
         </p:txBody>
@@ -8082,51 +8465,21 @@
           </a:p>
           <a:p>
             <a:r>
-              <a:rPr lang="en-US" dirty="0"/>
-              <a:t>Questions we are answering:</a:t>
-            </a:r>
-          </a:p>
-          <a:p>
-            <a:pPr lvl="1"/>
-            <a:r>
-              <a:rPr lang="en-US" dirty="0"/>
-              <a:t>Is Charlotte a safe place to live?</a:t>
-            </a:r>
-          </a:p>
-          <a:p>
-            <a:pPr lvl="1"/>
-            <a:r>
               <a:rPr lang="en-US" dirty="0">
                 <a:solidFill>
                   <a:srgbClr val="24292F"/>
                 </a:solidFill>
                 <a:latin typeface="-apple-system"/>
               </a:rPr>
-              <a:t>Where is the safest area of Charlotte per the crime data?</a:t>
-            </a:r>
-            <a:r>
-              <a:rPr lang="en-US" b="0" i="0" dirty="0">
-                <a:solidFill>
-                  <a:srgbClr val="24292F"/>
-                </a:solidFill>
-                <a:effectLst/>
-                <a:latin typeface="-apple-system"/>
-              </a:rPr>
-              <a:t> </a:t>
-            </a:r>
-          </a:p>
-          <a:p>
-            <a:pPr lvl="1"/>
-            <a:r>
-              <a:rPr lang="en-US" b="0" i="0" dirty="0">
-                <a:solidFill>
-                  <a:srgbClr val="24292F"/>
-                </a:solidFill>
-                <a:effectLst/>
-                <a:latin typeface="-apple-system"/>
-              </a:rPr>
-              <a:t>What is the frequency of violent crimes occurring per month? (Answered through Machine Learning Model)</a:t>
-            </a:r>
+              <a:t>Create a Model that uses violent crime data and tries to predict the frequency of crimes occurring during a specified time period.</a:t>
+            </a:r>
+            <a:endParaRPr lang="en-US" b="0" i="0" dirty="0">
+              <a:solidFill>
+                <a:srgbClr val="24292F"/>
+              </a:solidFill>
+              <a:effectLst/>
+              <a:latin typeface="-apple-system"/>
+            </a:endParaRPr>
           </a:p>
           <a:p>
             <a:pPr lvl="1"/>
@@ -8175,7 +8528,7 @@
           <p:cNvPr id="2" name="Title 1">
             <a:extLst>
               <a:ext uri="{FF2B5EF4-FFF2-40B4-BE49-F238E27FC236}">
-                <a16:creationId xmlns:a16="http://schemas.microsoft.com/office/drawing/2014/main" id="{3B4DBD0D-4E3B-6524-9F32-60D2CB49383B}"/>
+                <a16:creationId xmlns:a16="http://schemas.microsoft.com/office/drawing/2014/main" id="{26C0E0FB-8C7B-7895-0825-1A6822E196AC}"/>
               </a:ext>
             </a:extLst>
           </p:cNvPr>
@@ -8193,7 +8546,7 @@
           <a:p>
             <a:r>
               <a:rPr lang="en-US" dirty="0"/>
-              <a:t>OVERVIEW</a:t>
+              <a:t>QUESTIONS WE PLANNED TO ANSWER</a:t>
             </a:r>
           </a:p>
         </p:txBody>
@@ -8203,7 +8556,7 @@
           <p:cNvPr id="3" name="Content Placeholder 2">
             <a:extLst>
               <a:ext uri="{FF2B5EF4-FFF2-40B4-BE49-F238E27FC236}">
-                <a16:creationId xmlns:a16="http://schemas.microsoft.com/office/drawing/2014/main" id="{3792ED0F-4B67-E74B-099A-D3631C239182}"/>
+                <a16:creationId xmlns:a16="http://schemas.microsoft.com/office/drawing/2014/main" id="{7D00227B-83EF-6DBE-19F0-2DC06260D8F1}"/>
               </a:ext>
             </a:extLst>
           </p:cNvPr>
@@ -8216,24 +8569,24 @@
         </p:nvSpPr>
         <p:spPr/>
         <p:txBody>
-          <a:bodyPr>
-            <a:normAutofit fontScale="92500" lnSpcReduction="20000"/>
-          </a:bodyPr>
+          <a:bodyPr/>
           <a:lstStyle/>
           <a:p>
             <a:r>
               <a:rPr lang="en-US" dirty="0"/>
-              <a:t>OBTAIN DATA FROM REPUTABLE SOURCES</a:t>
-            </a:r>
-          </a:p>
-          <a:p>
-            <a:r>
-              <a:rPr lang="en-US" dirty="0"/>
-              <a:t>ETL</a:t>
-            </a:r>
-          </a:p>
-          <a:p>
-            <a:pPr lvl="1"/>
+              <a:t>Is Charlotte a safe place to live?</a:t>
+            </a:r>
+          </a:p>
+          <a:p>
+            <a:r>
+              <a:rPr lang="en-US" dirty="0">
+                <a:solidFill>
+                  <a:srgbClr val="24292F"/>
+                </a:solidFill>
+                <a:latin typeface="-apple-system"/>
+              </a:rPr>
+              <a:t>Where is the safest area of Charlotte per the crime data?</a:t>
+            </a:r>
             <a:r>
               <a:rPr lang="en-US" b="0" i="0" dirty="0">
                 <a:solidFill>
@@ -8242,86 +8595,13 @@
                 <a:effectLst/>
                 <a:latin typeface="-apple-system"/>
               </a:rPr>
-              <a:t> Clean and Analyze data with Python</a:t>
-            </a:r>
-          </a:p>
-          <a:p>
-            <a:pPr marL="742950" lvl="1" indent="-285750" algn="l">
-              <a:buFont typeface="Arial" panose="020B0604020202020204" pitchFamily="34" charset="0"/>
-              <a:buChar char="•"/>
-            </a:pPr>
-            <a:r>
-              <a:rPr lang="en-US" b="0" i="0" dirty="0">
-                <a:solidFill>
-                  <a:srgbClr val="24292F"/>
-                </a:solidFill>
-                <a:effectLst/>
-                <a:latin typeface="-apple-system"/>
-              </a:rPr>
-              <a:t>Convert date column to a usable date/time format</a:t>
-            </a:r>
-          </a:p>
-          <a:p>
-            <a:pPr marL="742950" lvl="1" indent="-285750" algn="l">
-              <a:buFont typeface="Arial" panose="020B0604020202020204" pitchFamily="34" charset="0"/>
-              <a:buChar char="•"/>
-            </a:pPr>
-            <a:r>
-              <a:rPr lang="en-US" b="0" i="0" dirty="0">
-                <a:solidFill>
-                  <a:srgbClr val="24292F"/>
-                </a:solidFill>
-                <a:effectLst/>
-                <a:latin typeface="-apple-system"/>
-              </a:rPr>
-              <a:t>Clean the dataset (remove nulls)</a:t>
-            </a:r>
-          </a:p>
-          <a:p>
-            <a:pPr marL="742950" lvl="1" indent="-285750" algn="l">
-              <a:buFont typeface="Arial" panose="020B0604020202020204" pitchFamily="34" charset="0"/>
-              <a:buChar char="•"/>
-            </a:pPr>
-            <a:r>
-              <a:rPr lang="en-US" b="0" i="0" dirty="0">
-                <a:solidFill>
-                  <a:srgbClr val="24292F"/>
-                </a:solidFill>
-                <a:effectLst/>
-                <a:latin typeface="-apple-system"/>
-              </a:rPr>
-              <a:t>Ensure correct data types</a:t>
-            </a:r>
-            <a:endParaRPr lang="en-US" dirty="0"/>
+              <a:t> </a:t>
+            </a:r>
           </a:p>
           <a:p>
             <a:r>
               <a:rPr lang="en-US" dirty="0"/>
-              <a:t>ERD</a:t>
-            </a:r>
-          </a:p>
-          <a:p>
-            <a:r>
-              <a:rPr lang="en-US" dirty="0"/>
-              <a:t>CREATE DATABASE </a:t>
-            </a:r>
-          </a:p>
-          <a:p>
-            <a:r>
-              <a:rPr lang="en-US" dirty="0"/>
-              <a:t>CREATE MACHINE LEARNING MODEL</a:t>
-            </a:r>
-          </a:p>
-          <a:p>
-            <a:r>
-              <a:rPr lang="en-US" dirty="0"/>
-              <a:t>VISUALIZATIONS</a:t>
-            </a:r>
-          </a:p>
-          <a:p>
-            <a:r>
-              <a:rPr lang="en-US" dirty="0"/>
-              <a:t>SUMMARY/ RESULTS</a:t>
+              <a:t>Can we predict the frequency of crimes committed per month in Charlotte?</a:t>
             </a:r>
           </a:p>
         </p:txBody>
@@ -8329,7 +8609,7 @@
     </p:spTree>
     <p:extLst>
       <p:ext uri="{BB962C8B-B14F-4D97-AF65-F5344CB8AC3E}">
-        <p14:creationId xmlns:p14="http://schemas.microsoft.com/office/powerpoint/2010/main" val="2852063041"/>
+        <p14:creationId xmlns:p14="http://schemas.microsoft.com/office/powerpoint/2010/main" val="2862269861"/>
       </p:ext>
     </p:extLst>
   </p:cSld>
@@ -8361,6 +8641,985 @@
           <p:cNvPr id="2" name="Title 1">
             <a:extLst>
               <a:ext uri="{FF2B5EF4-FFF2-40B4-BE49-F238E27FC236}">
+                <a16:creationId xmlns:a16="http://schemas.microsoft.com/office/drawing/2014/main" id="{3B4DBD0D-4E3B-6524-9F32-60D2CB49383B}"/>
+              </a:ext>
+            </a:extLst>
+          </p:cNvPr>
+          <p:cNvSpPr>
+            <a:spLocks noGrp="1"/>
+          </p:cNvSpPr>
+          <p:nvPr>
+            <p:ph type="title"/>
+          </p:nvPr>
+        </p:nvSpPr>
+        <p:spPr/>
+        <p:txBody>
+          <a:bodyPr/>
+          <a:lstStyle/>
+          <a:p>
+            <a:r>
+              <a:rPr lang="en-US" b="1" dirty="0"/>
+              <a:t>HOW ARE WE GOING TO ANSWER THESE QUESTIONS?</a:t>
+            </a:r>
+          </a:p>
+        </p:txBody>
+      </p:sp>
+      <p:sp>
+        <p:nvSpPr>
+          <p:cNvPr id="3" name="Content Placeholder 2">
+            <a:extLst>
+              <a:ext uri="{FF2B5EF4-FFF2-40B4-BE49-F238E27FC236}">
+                <a16:creationId xmlns:a16="http://schemas.microsoft.com/office/drawing/2014/main" id="{3792ED0F-4B67-E74B-099A-D3631C239182}"/>
+              </a:ext>
+            </a:extLst>
+          </p:cNvPr>
+          <p:cNvSpPr>
+            <a:spLocks noGrp="1"/>
+          </p:cNvSpPr>
+          <p:nvPr>
+            <p:ph idx="1"/>
+          </p:nvPr>
+        </p:nvSpPr>
+        <p:spPr/>
+        <p:txBody>
+          <a:bodyPr>
+            <a:normAutofit/>
+          </a:bodyPr>
+          <a:lstStyle/>
+          <a:p>
+            <a:r>
+              <a:rPr lang="en-US" dirty="0"/>
+              <a:t>OBTAIN DATA FROM REPUTABLE SOURCES</a:t>
+            </a:r>
+          </a:p>
+          <a:p>
+            <a:r>
+              <a:rPr lang="en-US" dirty="0"/>
+              <a:t>ETL PROCESS</a:t>
+            </a:r>
+          </a:p>
+          <a:p>
+            <a:r>
+              <a:rPr lang="en-US" dirty="0"/>
+              <a:t>CREATE MACHINE LEARNING MODEL</a:t>
+            </a:r>
+          </a:p>
+          <a:p>
+            <a:r>
+              <a:rPr lang="en-US" dirty="0"/>
+              <a:t>DATA VISUALIZATIONS TO TELL THE STORY</a:t>
+            </a:r>
+          </a:p>
+        </p:txBody>
+      </p:sp>
+    </p:spTree>
+    <p:extLst>
+      <p:ext uri="{BB962C8B-B14F-4D97-AF65-F5344CB8AC3E}">
+        <p14:creationId xmlns:p14="http://schemas.microsoft.com/office/powerpoint/2010/main" val="2852063041"/>
+      </p:ext>
+    </p:extLst>
+  </p:cSld>
+  <p:clrMapOvr>
+    <a:masterClrMapping/>
+  </p:clrMapOvr>
+</p:sld>
+</file>
+
+<file path=ppt/slides/slide5.xml><?xml version="1.0" encoding="utf-8"?>
+<p:sld xmlns:a="http://schemas.openxmlformats.org/drawingml/2006/main" xmlns:r="http://schemas.openxmlformats.org/officeDocument/2006/relationships" xmlns:p="http://schemas.openxmlformats.org/presentationml/2006/main">
+  <p:cSld>
+    <p:spTree>
+      <p:nvGrpSpPr>
+        <p:cNvPr id="1" name=""/>
+        <p:cNvGrpSpPr/>
+        <p:nvPr/>
+      </p:nvGrpSpPr>
+      <p:grpSpPr>
+        <a:xfrm>
+          <a:off x="0" y="0"/>
+          <a:ext cx="0" cy="0"/>
+          <a:chOff x="0" y="0"/>
+          <a:chExt cx="0" cy="0"/>
+        </a:xfrm>
+      </p:grpSpPr>
+      <p:sp>
+        <p:nvSpPr>
+          <p:cNvPr id="2" name="Title 1">
+            <a:extLst>
+              <a:ext uri="{FF2B5EF4-FFF2-40B4-BE49-F238E27FC236}">
+                <a16:creationId xmlns:a16="http://schemas.microsoft.com/office/drawing/2014/main" id="{5C7FDA0B-05D4-465B-3AA9-24F47ACBF982}"/>
+              </a:ext>
+            </a:extLst>
+          </p:cNvPr>
+          <p:cNvSpPr>
+            <a:spLocks noGrp="1"/>
+          </p:cNvSpPr>
+          <p:nvPr>
+            <p:ph type="title"/>
+          </p:nvPr>
+        </p:nvSpPr>
+        <p:spPr>
+          <a:xfrm>
+            <a:off x="838200" y="72363"/>
+            <a:ext cx="10515600" cy="1325563"/>
+          </a:xfrm>
+        </p:spPr>
+        <p:txBody>
+          <a:bodyPr/>
+          <a:lstStyle/>
+          <a:p>
+            <a:r>
+              <a:rPr lang="en-US" dirty="0"/>
+              <a:t>EXTRACT</a:t>
+            </a:r>
+          </a:p>
+        </p:txBody>
+      </p:sp>
+      <p:sp>
+        <p:nvSpPr>
+          <p:cNvPr id="3" name="Content Placeholder 2">
+            <a:extLst>
+              <a:ext uri="{FF2B5EF4-FFF2-40B4-BE49-F238E27FC236}">
+                <a16:creationId xmlns:a16="http://schemas.microsoft.com/office/drawing/2014/main" id="{D6856A87-3798-7ABC-850B-11C0A73A5090}"/>
+              </a:ext>
+            </a:extLst>
+          </p:cNvPr>
+          <p:cNvSpPr>
+            <a:spLocks noGrp="1"/>
+          </p:cNvSpPr>
+          <p:nvPr>
+            <p:ph idx="1"/>
+          </p:nvPr>
+        </p:nvSpPr>
+        <p:spPr>
+          <a:xfrm>
+            <a:off x="838200" y="986881"/>
+            <a:ext cx="10515600" cy="1190290"/>
+          </a:xfrm>
+        </p:spPr>
+        <p:txBody>
+          <a:bodyPr>
+            <a:normAutofit/>
+          </a:bodyPr>
+          <a:lstStyle/>
+          <a:p>
+            <a:r>
+              <a:rPr lang="en-US" dirty="0"/>
+              <a:t>Gather and Download Credible Data (CMPD)</a:t>
+            </a:r>
+          </a:p>
+          <a:p>
+            <a:r>
+              <a:rPr lang="en-US" dirty="0"/>
+              <a:t>Inspect all data</a:t>
+            </a:r>
+          </a:p>
+          <a:p>
+            <a:pPr marL="0" indent="0">
+              <a:buNone/>
+            </a:pPr>
+            <a:endParaRPr lang="en-US" dirty="0"/>
+          </a:p>
+          <a:p>
+            <a:endParaRPr lang="en-US" dirty="0"/>
+          </a:p>
+        </p:txBody>
+      </p:sp>
+      <p:sp>
+        <p:nvSpPr>
+          <p:cNvPr id="4" name="Title 1">
+            <a:extLst>
+              <a:ext uri="{FF2B5EF4-FFF2-40B4-BE49-F238E27FC236}">
+                <a16:creationId xmlns:a16="http://schemas.microsoft.com/office/drawing/2014/main" id="{8611B759-35E9-6A70-1D5E-9074AEB66BB7}"/>
+              </a:ext>
+            </a:extLst>
+          </p:cNvPr>
+          <p:cNvSpPr txBox="1">
+            <a:spLocks/>
+          </p:cNvSpPr>
+          <p:nvPr/>
+        </p:nvSpPr>
+        <p:spPr>
+          <a:xfrm>
+            <a:off x="838200" y="1874079"/>
+            <a:ext cx="10515600" cy="1325563"/>
+          </a:xfrm>
+          <a:prstGeom prst="rect">
+            <a:avLst/>
+          </a:prstGeom>
+        </p:spPr>
+        <p:txBody>
+          <a:bodyPr vert="horz" lIns="91440" tIns="45720" rIns="91440" bIns="45720" rtlCol="0" anchor="ctr">
+            <a:normAutofit/>
+          </a:bodyPr>
+          <a:lstStyle>
+            <a:lvl1pPr algn="l" defTabSz="914400" rtl="0" eaLnBrk="1" latinLnBrk="0" hangingPunct="1">
+              <a:lnSpc>
+                <a:spcPct val="90000"/>
+              </a:lnSpc>
+              <a:spcBef>
+                <a:spcPct val="0"/>
+              </a:spcBef>
+              <a:buNone/>
+              <a:defRPr sz="4400" kern="1200">
+                <a:solidFill>
+                  <a:schemeClr val="tx1"/>
+                </a:solidFill>
+                <a:latin typeface="+mj-lt"/>
+                <a:ea typeface="+mj-ea"/>
+                <a:cs typeface="+mj-cs"/>
+              </a:defRPr>
+            </a:lvl1pPr>
+          </a:lstStyle>
+          <a:p>
+            <a:r>
+              <a:rPr lang="en-US" dirty="0"/>
+              <a:t>TRANSFORM</a:t>
+            </a:r>
+          </a:p>
+        </p:txBody>
+      </p:sp>
+      <p:sp>
+        <p:nvSpPr>
+          <p:cNvPr id="5" name="Content Placeholder 2">
+            <a:extLst>
+              <a:ext uri="{FF2B5EF4-FFF2-40B4-BE49-F238E27FC236}">
+                <a16:creationId xmlns:a16="http://schemas.microsoft.com/office/drawing/2014/main" id="{5E8D7CBB-3A0F-90EC-3DC0-007702645EEF}"/>
+              </a:ext>
+            </a:extLst>
+          </p:cNvPr>
+          <p:cNvSpPr txBox="1">
+            <a:spLocks/>
+          </p:cNvSpPr>
+          <p:nvPr/>
+        </p:nvSpPr>
+        <p:spPr>
+          <a:xfrm>
+            <a:off x="838200" y="2858089"/>
+            <a:ext cx="10515600" cy="1957806"/>
+          </a:xfrm>
+          <a:prstGeom prst="rect">
+            <a:avLst/>
+          </a:prstGeom>
+        </p:spPr>
+        <p:txBody>
+          <a:bodyPr vert="horz" lIns="91440" tIns="45720" rIns="91440" bIns="45720" rtlCol="0">
+            <a:normAutofit fontScale="85000" lnSpcReduction="20000"/>
+          </a:bodyPr>
+          <a:lstStyle>
+            <a:lvl1pPr marL="228600" indent="-228600" algn="l" defTabSz="914400" rtl="0" eaLnBrk="1" latinLnBrk="0" hangingPunct="1">
+              <a:lnSpc>
+                <a:spcPct val="90000"/>
+              </a:lnSpc>
+              <a:spcBef>
+                <a:spcPts val="1000"/>
+              </a:spcBef>
+              <a:buFont typeface="Arial" panose="020B0604020202020204" pitchFamily="34" charset="0"/>
+              <a:buChar char="•"/>
+              <a:defRPr sz="2800" kern="1200">
+                <a:solidFill>
+                  <a:schemeClr val="tx1"/>
+                </a:solidFill>
+                <a:latin typeface="+mn-lt"/>
+                <a:ea typeface="+mn-ea"/>
+                <a:cs typeface="+mn-cs"/>
+              </a:defRPr>
+            </a:lvl1pPr>
+            <a:lvl2pPr marL="685800" indent="-228600" algn="l" defTabSz="914400" rtl="0" eaLnBrk="1" latinLnBrk="0" hangingPunct="1">
+              <a:lnSpc>
+                <a:spcPct val="90000"/>
+              </a:lnSpc>
+              <a:spcBef>
+                <a:spcPts val="500"/>
+              </a:spcBef>
+              <a:buFont typeface="Arial" panose="020B0604020202020204" pitchFamily="34" charset="0"/>
+              <a:buChar char="•"/>
+              <a:defRPr sz="2400" kern="1200">
+                <a:solidFill>
+                  <a:schemeClr val="tx1"/>
+                </a:solidFill>
+                <a:latin typeface="+mn-lt"/>
+                <a:ea typeface="+mn-ea"/>
+                <a:cs typeface="+mn-cs"/>
+              </a:defRPr>
+            </a:lvl2pPr>
+            <a:lvl3pPr marL="1143000" indent="-228600" algn="l" defTabSz="914400" rtl="0" eaLnBrk="1" latinLnBrk="0" hangingPunct="1">
+              <a:lnSpc>
+                <a:spcPct val="90000"/>
+              </a:lnSpc>
+              <a:spcBef>
+                <a:spcPts val="500"/>
+              </a:spcBef>
+              <a:buFont typeface="Arial" panose="020B0604020202020204" pitchFamily="34" charset="0"/>
+              <a:buChar char="•"/>
+              <a:defRPr sz="2000" kern="1200">
+                <a:solidFill>
+                  <a:schemeClr val="tx1"/>
+                </a:solidFill>
+                <a:latin typeface="+mn-lt"/>
+                <a:ea typeface="+mn-ea"/>
+                <a:cs typeface="+mn-cs"/>
+              </a:defRPr>
+            </a:lvl3pPr>
+            <a:lvl4pPr marL="1600200" indent="-228600" algn="l" defTabSz="914400" rtl="0" eaLnBrk="1" latinLnBrk="0" hangingPunct="1">
+              <a:lnSpc>
+                <a:spcPct val="90000"/>
+              </a:lnSpc>
+              <a:spcBef>
+                <a:spcPts val="500"/>
+              </a:spcBef>
+              <a:buFont typeface="Arial" panose="020B0604020202020204" pitchFamily="34" charset="0"/>
+              <a:buChar char="•"/>
+              <a:defRPr sz="1800" kern="1200">
+                <a:solidFill>
+                  <a:schemeClr val="tx1"/>
+                </a:solidFill>
+                <a:latin typeface="+mn-lt"/>
+                <a:ea typeface="+mn-ea"/>
+                <a:cs typeface="+mn-cs"/>
+              </a:defRPr>
+            </a:lvl4pPr>
+            <a:lvl5pPr marL="2057400" indent="-228600" algn="l" defTabSz="914400" rtl="0" eaLnBrk="1" latinLnBrk="0" hangingPunct="1">
+              <a:lnSpc>
+                <a:spcPct val="90000"/>
+              </a:lnSpc>
+              <a:spcBef>
+                <a:spcPts val="500"/>
+              </a:spcBef>
+              <a:buFont typeface="Arial" panose="020B0604020202020204" pitchFamily="34" charset="0"/>
+              <a:buChar char="•"/>
+              <a:defRPr sz="1800" kern="1200">
+                <a:solidFill>
+                  <a:schemeClr val="tx1"/>
+                </a:solidFill>
+                <a:latin typeface="+mn-lt"/>
+                <a:ea typeface="+mn-ea"/>
+                <a:cs typeface="+mn-cs"/>
+              </a:defRPr>
+            </a:lvl5pPr>
+            <a:lvl6pPr marL="2514600" indent="-228600" algn="l" defTabSz="914400" rtl="0" eaLnBrk="1" latinLnBrk="0" hangingPunct="1">
+              <a:lnSpc>
+                <a:spcPct val="90000"/>
+              </a:lnSpc>
+              <a:spcBef>
+                <a:spcPts val="500"/>
+              </a:spcBef>
+              <a:buFont typeface="Arial" panose="020B0604020202020204" pitchFamily="34" charset="0"/>
+              <a:buChar char="•"/>
+              <a:defRPr sz="1800" kern="1200">
+                <a:solidFill>
+                  <a:schemeClr val="tx1"/>
+                </a:solidFill>
+                <a:latin typeface="+mn-lt"/>
+                <a:ea typeface="+mn-ea"/>
+                <a:cs typeface="+mn-cs"/>
+              </a:defRPr>
+            </a:lvl6pPr>
+            <a:lvl7pPr marL="2971800" indent="-228600" algn="l" defTabSz="914400" rtl="0" eaLnBrk="1" latinLnBrk="0" hangingPunct="1">
+              <a:lnSpc>
+                <a:spcPct val="90000"/>
+              </a:lnSpc>
+              <a:spcBef>
+                <a:spcPts val="500"/>
+              </a:spcBef>
+              <a:buFont typeface="Arial" panose="020B0604020202020204" pitchFamily="34" charset="0"/>
+              <a:buChar char="•"/>
+              <a:defRPr sz="1800" kern="1200">
+                <a:solidFill>
+                  <a:schemeClr val="tx1"/>
+                </a:solidFill>
+                <a:latin typeface="+mn-lt"/>
+                <a:ea typeface="+mn-ea"/>
+                <a:cs typeface="+mn-cs"/>
+              </a:defRPr>
+            </a:lvl7pPr>
+            <a:lvl8pPr marL="3429000" indent="-228600" algn="l" defTabSz="914400" rtl="0" eaLnBrk="1" latinLnBrk="0" hangingPunct="1">
+              <a:lnSpc>
+                <a:spcPct val="90000"/>
+              </a:lnSpc>
+              <a:spcBef>
+                <a:spcPts val="500"/>
+              </a:spcBef>
+              <a:buFont typeface="Arial" panose="020B0604020202020204" pitchFamily="34" charset="0"/>
+              <a:buChar char="•"/>
+              <a:defRPr sz="1800" kern="1200">
+                <a:solidFill>
+                  <a:schemeClr val="tx1"/>
+                </a:solidFill>
+                <a:latin typeface="+mn-lt"/>
+                <a:ea typeface="+mn-ea"/>
+                <a:cs typeface="+mn-cs"/>
+              </a:defRPr>
+            </a:lvl8pPr>
+            <a:lvl9pPr marL="3886200" indent="-228600" algn="l" defTabSz="914400" rtl="0" eaLnBrk="1" latinLnBrk="0" hangingPunct="1">
+              <a:lnSpc>
+                <a:spcPct val="90000"/>
+              </a:lnSpc>
+              <a:spcBef>
+                <a:spcPts val="500"/>
+              </a:spcBef>
+              <a:buFont typeface="Arial" panose="020B0604020202020204" pitchFamily="34" charset="0"/>
+              <a:buChar char="•"/>
+              <a:defRPr sz="1800" kern="1200">
+                <a:solidFill>
+                  <a:schemeClr val="tx1"/>
+                </a:solidFill>
+                <a:latin typeface="+mn-lt"/>
+                <a:ea typeface="+mn-ea"/>
+                <a:cs typeface="+mn-cs"/>
+              </a:defRPr>
+            </a:lvl9pPr>
+          </a:lstStyle>
+          <a:p>
+            <a:r>
+              <a:rPr lang="en-US" dirty="0"/>
+              <a:t>Convert Data Types</a:t>
+            </a:r>
+          </a:p>
+          <a:p>
+            <a:r>
+              <a:rPr lang="en-US" dirty="0"/>
+              <a:t>Drop Null Values</a:t>
+            </a:r>
+          </a:p>
+          <a:p>
+            <a:r>
+              <a:rPr lang="en-US" dirty="0"/>
+              <a:t>Transform Data Types</a:t>
+            </a:r>
+          </a:p>
+          <a:p>
+            <a:r>
+              <a:rPr lang="en-US" dirty="0"/>
+              <a:t>Join Tables</a:t>
+            </a:r>
+          </a:p>
+          <a:p>
+            <a:r>
+              <a:rPr lang="en-US" dirty="0"/>
+              <a:t>Export as Clean CSVs</a:t>
+            </a:r>
+          </a:p>
+          <a:p>
+            <a:pPr marL="0" indent="0">
+              <a:buFont typeface="Arial" panose="020B0604020202020204" pitchFamily="34" charset="0"/>
+              <a:buNone/>
+            </a:pPr>
+            <a:endParaRPr lang="en-US" dirty="0"/>
+          </a:p>
+          <a:p>
+            <a:endParaRPr lang="en-US" dirty="0"/>
+          </a:p>
+        </p:txBody>
+      </p:sp>
+      <p:sp>
+        <p:nvSpPr>
+          <p:cNvPr id="6" name="Title 1">
+            <a:extLst>
+              <a:ext uri="{FF2B5EF4-FFF2-40B4-BE49-F238E27FC236}">
+                <a16:creationId xmlns:a16="http://schemas.microsoft.com/office/drawing/2014/main" id="{03B8B3E9-D36A-8277-FAC7-10412B3DCB3A}"/>
+              </a:ext>
+            </a:extLst>
+          </p:cNvPr>
+          <p:cNvSpPr txBox="1">
+            <a:spLocks/>
+          </p:cNvSpPr>
+          <p:nvPr/>
+        </p:nvSpPr>
+        <p:spPr>
+          <a:xfrm>
+            <a:off x="838200" y="4465054"/>
+            <a:ext cx="10515600" cy="1325563"/>
+          </a:xfrm>
+          <a:prstGeom prst="rect">
+            <a:avLst/>
+          </a:prstGeom>
+        </p:spPr>
+        <p:txBody>
+          <a:bodyPr vert="horz" lIns="91440" tIns="45720" rIns="91440" bIns="45720" rtlCol="0" anchor="ctr">
+            <a:normAutofit/>
+          </a:bodyPr>
+          <a:lstStyle>
+            <a:lvl1pPr algn="l" defTabSz="914400" rtl="0" eaLnBrk="1" latinLnBrk="0" hangingPunct="1">
+              <a:lnSpc>
+                <a:spcPct val="90000"/>
+              </a:lnSpc>
+              <a:spcBef>
+                <a:spcPct val="0"/>
+              </a:spcBef>
+              <a:buNone/>
+              <a:defRPr sz="4400" kern="1200">
+                <a:solidFill>
+                  <a:schemeClr val="tx1"/>
+                </a:solidFill>
+                <a:latin typeface="+mj-lt"/>
+                <a:ea typeface="+mj-ea"/>
+                <a:cs typeface="+mj-cs"/>
+              </a:defRPr>
+            </a:lvl1pPr>
+          </a:lstStyle>
+          <a:p>
+            <a:r>
+              <a:rPr lang="en-US" dirty="0"/>
+              <a:t>LOAD</a:t>
+            </a:r>
+          </a:p>
+        </p:txBody>
+      </p:sp>
+      <p:sp>
+        <p:nvSpPr>
+          <p:cNvPr id="7" name="Content Placeholder 2">
+            <a:extLst>
+              <a:ext uri="{FF2B5EF4-FFF2-40B4-BE49-F238E27FC236}">
+                <a16:creationId xmlns:a16="http://schemas.microsoft.com/office/drawing/2014/main" id="{C1CA3917-00A6-9E0E-7BDF-760131F38B61}"/>
+              </a:ext>
+            </a:extLst>
+          </p:cNvPr>
+          <p:cNvSpPr txBox="1">
+            <a:spLocks/>
+          </p:cNvSpPr>
+          <p:nvPr/>
+        </p:nvSpPr>
+        <p:spPr>
+          <a:xfrm>
+            <a:off x="838200" y="4842373"/>
+            <a:ext cx="10515600" cy="1190290"/>
+          </a:xfrm>
+          <a:prstGeom prst="rect">
+            <a:avLst/>
+          </a:prstGeom>
+        </p:spPr>
+        <p:txBody>
+          <a:bodyPr vert="horz" lIns="91440" tIns="45720" rIns="91440" bIns="45720" rtlCol="0">
+            <a:normAutofit/>
+          </a:bodyPr>
+          <a:lstStyle>
+            <a:lvl1pPr marL="228600" indent="-228600" algn="l" defTabSz="914400" rtl="0" eaLnBrk="1" latinLnBrk="0" hangingPunct="1">
+              <a:lnSpc>
+                <a:spcPct val="90000"/>
+              </a:lnSpc>
+              <a:spcBef>
+                <a:spcPts val="1000"/>
+              </a:spcBef>
+              <a:buFont typeface="Arial" panose="020B0604020202020204" pitchFamily="34" charset="0"/>
+              <a:buChar char="•"/>
+              <a:defRPr sz="2800" kern="1200">
+                <a:solidFill>
+                  <a:schemeClr val="tx1"/>
+                </a:solidFill>
+                <a:latin typeface="+mn-lt"/>
+                <a:ea typeface="+mn-ea"/>
+                <a:cs typeface="+mn-cs"/>
+              </a:defRPr>
+            </a:lvl1pPr>
+            <a:lvl2pPr marL="685800" indent="-228600" algn="l" defTabSz="914400" rtl="0" eaLnBrk="1" latinLnBrk="0" hangingPunct="1">
+              <a:lnSpc>
+                <a:spcPct val="90000"/>
+              </a:lnSpc>
+              <a:spcBef>
+                <a:spcPts val="500"/>
+              </a:spcBef>
+              <a:buFont typeface="Arial" panose="020B0604020202020204" pitchFamily="34" charset="0"/>
+              <a:buChar char="•"/>
+              <a:defRPr sz="2400" kern="1200">
+                <a:solidFill>
+                  <a:schemeClr val="tx1"/>
+                </a:solidFill>
+                <a:latin typeface="+mn-lt"/>
+                <a:ea typeface="+mn-ea"/>
+                <a:cs typeface="+mn-cs"/>
+              </a:defRPr>
+            </a:lvl2pPr>
+            <a:lvl3pPr marL="1143000" indent="-228600" algn="l" defTabSz="914400" rtl="0" eaLnBrk="1" latinLnBrk="0" hangingPunct="1">
+              <a:lnSpc>
+                <a:spcPct val="90000"/>
+              </a:lnSpc>
+              <a:spcBef>
+                <a:spcPts val="500"/>
+              </a:spcBef>
+              <a:buFont typeface="Arial" panose="020B0604020202020204" pitchFamily="34" charset="0"/>
+              <a:buChar char="•"/>
+              <a:defRPr sz="2000" kern="1200">
+                <a:solidFill>
+                  <a:schemeClr val="tx1"/>
+                </a:solidFill>
+                <a:latin typeface="+mn-lt"/>
+                <a:ea typeface="+mn-ea"/>
+                <a:cs typeface="+mn-cs"/>
+              </a:defRPr>
+            </a:lvl3pPr>
+            <a:lvl4pPr marL="1600200" indent="-228600" algn="l" defTabSz="914400" rtl="0" eaLnBrk="1" latinLnBrk="0" hangingPunct="1">
+              <a:lnSpc>
+                <a:spcPct val="90000"/>
+              </a:lnSpc>
+              <a:spcBef>
+                <a:spcPts val="500"/>
+              </a:spcBef>
+              <a:buFont typeface="Arial" panose="020B0604020202020204" pitchFamily="34" charset="0"/>
+              <a:buChar char="•"/>
+              <a:defRPr sz="1800" kern="1200">
+                <a:solidFill>
+                  <a:schemeClr val="tx1"/>
+                </a:solidFill>
+                <a:latin typeface="+mn-lt"/>
+                <a:ea typeface="+mn-ea"/>
+                <a:cs typeface="+mn-cs"/>
+              </a:defRPr>
+            </a:lvl4pPr>
+            <a:lvl5pPr marL="2057400" indent="-228600" algn="l" defTabSz="914400" rtl="0" eaLnBrk="1" latinLnBrk="0" hangingPunct="1">
+              <a:lnSpc>
+                <a:spcPct val="90000"/>
+              </a:lnSpc>
+              <a:spcBef>
+                <a:spcPts val="500"/>
+              </a:spcBef>
+              <a:buFont typeface="Arial" panose="020B0604020202020204" pitchFamily="34" charset="0"/>
+              <a:buChar char="•"/>
+              <a:defRPr sz="1800" kern="1200">
+                <a:solidFill>
+                  <a:schemeClr val="tx1"/>
+                </a:solidFill>
+                <a:latin typeface="+mn-lt"/>
+                <a:ea typeface="+mn-ea"/>
+                <a:cs typeface="+mn-cs"/>
+              </a:defRPr>
+            </a:lvl5pPr>
+            <a:lvl6pPr marL="2514600" indent="-228600" algn="l" defTabSz="914400" rtl="0" eaLnBrk="1" latinLnBrk="0" hangingPunct="1">
+              <a:lnSpc>
+                <a:spcPct val="90000"/>
+              </a:lnSpc>
+              <a:spcBef>
+                <a:spcPts val="500"/>
+              </a:spcBef>
+              <a:buFont typeface="Arial" panose="020B0604020202020204" pitchFamily="34" charset="0"/>
+              <a:buChar char="•"/>
+              <a:defRPr sz="1800" kern="1200">
+                <a:solidFill>
+                  <a:schemeClr val="tx1"/>
+                </a:solidFill>
+                <a:latin typeface="+mn-lt"/>
+                <a:ea typeface="+mn-ea"/>
+                <a:cs typeface="+mn-cs"/>
+              </a:defRPr>
+            </a:lvl6pPr>
+            <a:lvl7pPr marL="2971800" indent="-228600" algn="l" defTabSz="914400" rtl="0" eaLnBrk="1" latinLnBrk="0" hangingPunct="1">
+              <a:lnSpc>
+                <a:spcPct val="90000"/>
+              </a:lnSpc>
+              <a:spcBef>
+                <a:spcPts val="500"/>
+              </a:spcBef>
+              <a:buFont typeface="Arial" panose="020B0604020202020204" pitchFamily="34" charset="0"/>
+              <a:buChar char="•"/>
+              <a:defRPr sz="1800" kern="1200">
+                <a:solidFill>
+                  <a:schemeClr val="tx1"/>
+                </a:solidFill>
+                <a:latin typeface="+mn-lt"/>
+                <a:ea typeface="+mn-ea"/>
+                <a:cs typeface="+mn-cs"/>
+              </a:defRPr>
+            </a:lvl7pPr>
+            <a:lvl8pPr marL="3429000" indent="-228600" algn="l" defTabSz="914400" rtl="0" eaLnBrk="1" latinLnBrk="0" hangingPunct="1">
+              <a:lnSpc>
+                <a:spcPct val="90000"/>
+              </a:lnSpc>
+              <a:spcBef>
+                <a:spcPts val="500"/>
+              </a:spcBef>
+              <a:buFont typeface="Arial" panose="020B0604020202020204" pitchFamily="34" charset="0"/>
+              <a:buChar char="•"/>
+              <a:defRPr sz="1800" kern="1200">
+                <a:solidFill>
+                  <a:schemeClr val="tx1"/>
+                </a:solidFill>
+                <a:latin typeface="+mn-lt"/>
+                <a:ea typeface="+mn-ea"/>
+                <a:cs typeface="+mn-cs"/>
+              </a:defRPr>
+            </a:lvl8pPr>
+            <a:lvl9pPr marL="3886200" indent="-228600" algn="l" defTabSz="914400" rtl="0" eaLnBrk="1" latinLnBrk="0" hangingPunct="1">
+              <a:lnSpc>
+                <a:spcPct val="90000"/>
+              </a:lnSpc>
+              <a:spcBef>
+                <a:spcPts val="500"/>
+              </a:spcBef>
+              <a:buFont typeface="Arial" panose="020B0604020202020204" pitchFamily="34" charset="0"/>
+              <a:buChar char="•"/>
+              <a:defRPr sz="1800" kern="1200">
+                <a:solidFill>
+                  <a:schemeClr val="tx1"/>
+                </a:solidFill>
+                <a:latin typeface="+mn-lt"/>
+                <a:ea typeface="+mn-ea"/>
+                <a:cs typeface="+mn-cs"/>
+              </a:defRPr>
+            </a:lvl9pPr>
+          </a:lstStyle>
+          <a:p>
+            <a:endParaRPr lang="en-US" dirty="0"/>
+          </a:p>
+          <a:p>
+            <a:endParaRPr lang="en-US" dirty="0"/>
+          </a:p>
+        </p:txBody>
+      </p:sp>
+      <p:sp>
+        <p:nvSpPr>
+          <p:cNvPr id="8" name="Content Placeholder 2">
+            <a:extLst>
+              <a:ext uri="{FF2B5EF4-FFF2-40B4-BE49-F238E27FC236}">
+                <a16:creationId xmlns:a16="http://schemas.microsoft.com/office/drawing/2014/main" id="{4FDF8C6E-56ED-36B7-DC2C-1EC36648918E}"/>
+              </a:ext>
+            </a:extLst>
+          </p:cNvPr>
+          <p:cNvSpPr txBox="1">
+            <a:spLocks/>
+          </p:cNvSpPr>
+          <p:nvPr/>
+        </p:nvSpPr>
+        <p:spPr>
+          <a:xfrm>
+            <a:off x="838200" y="5437344"/>
+            <a:ext cx="10515600" cy="1190290"/>
+          </a:xfrm>
+          <a:prstGeom prst="rect">
+            <a:avLst/>
+          </a:prstGeom>
+        </p:spPr>
+        <p:txBody>
+          <a:bodyPr vert="horz" lIns="91440" tIns="45720" rIns="91440" bIns="45720" rtlCol="0">
+            <a:normAutofit/>
+          </a:bodyPr>
+          <a:lstStyle>
+            <a:lvl1pPr marL="228600" indent="-228600" algn="l" defTabSz="914400" rtl="0" eaLnBrk="1" latinLnBrk="0" hangingPunct="1">
+              <a:lnSpc>
+                <a:spcPct val="90000"/>
+              </a:lnSpc>
+              <a:spcBef>
+                <a:spcPts val="1000"/>
+              </a:spcBef>
+              <a:buFont typeface="Arial" panose="020B0604020202020204" pitchFamily="34" charset="0"/>
+              <a:buChar char="•"/>
+              <a:defRPr sz="2800" kern="1200">
+                <a:solidFill>
+                  <a:schemeClr val="tx1"/>
+                </a:solidFill>
+                <a:latin typeface="+mn-lt"/>
+                <a:ea typeface="+mn-ea"/>
+                <a:cs typeface="+mn-cs"/>
+              </a:defRPr>
+            </a:lvl1pPr>
+            <a:lvl2pPr marL="685800" indent="-228600" algn="l" defTabSz="914400" rtl="0" eaLnBrk="1" latinLnBrk="0" hangingPunct="1">
+              <a:lnSpc>
+                <a:spcPct val="90000"/>
+              </a:lnSpc>
+              <a:spcBef>
+                <a:spcPts val="500"/>
+              </a:spcBef>
+              <a:buFont typeface="Arial" panose="020B0604020202020204" pitchFamily="34" charset="0"/>
+              <a:buChar char="•"/>
+              <a:defRPr sz="2400" kern="1200">
+                <a:solidFill>
+                  <a:schemeClr val="tx1"/>
+                </a:solidFill>
+                <a:latin typeface="+mn-lt"/>
+                <a:ea typeface="+mn-ea"/>
+                <a:cs typeface="+mn-cs"/>
+              </a:defRPr>
+            </a:lvl2pPr>
+            <a:lvl3pPr marL="1143000" indent="-228600" algn="l" defTabSz="914400" rtl="0" eaLnBrk="1" latinLnBrk="0" hangingPunct="1">
+              <a:lnSpc>
+                <a:spcPct val="90000"/>
+              </a:lnSpc>
+              <a:spcBef>
+                <a:spcPts val="500"/>
+              </a:spcBef>
+              <a:buFont typeface="Arial" panose="020B0604020202020204" pitchFamily="34" charset="0"/>
+              <a:buChar char="•"/>
+              <a:defRPr sz="2000" kern="1200">
+                <a:solidFill>
+                  <a:schemeClr val="tx1"/>
+                </a:solidFill>
+                <a:latin typeface="+mn-lt"/>
+                <a:ea typeface="+mn-ea"/>
+                <a:cs typeface="+mn-cs"/>
+              </a:defRPr>
+            </a:lvl3pPr>
+            <a:lvl4pPr marL="1600200" indent="-228600" algn="l" defTabSz="914400" rtl="0" eaLnBrk="1" latinLnBrk="0" hangingPunct="1">
+              <a:lnSpc>
+                <a:spcPct val="90000"/>
+              </a:lnSpc>
+              <a:spcBef>
+                <a:spcPts val="500"/>
+              </a:spcBef>
+              <a:buFont typeface="Arial" panose="020B0604020202020204" pitchFamily="34" charset="0"/>
+              <a:buChar char="•"/>
+              <a:defRPr sz="1800" kern="1200">
+                <a:solidFill>
+                  <a:schemeClr val="tx1"/>
+                </a:solidFill>
+                <a:latin typeface="+mn-lt"/>
+                <a:ea typeface="+mn-ea"/>
+                <a:cs typeface="+mn-cs"/>
+              </a:defRPr>
+            </a:lvl4pPr>
+            <a:lvl5pPr marL="2057400" indent="-228600" algn="l" defTabSz="914400" rtl="0" eaLnBrk="1" latinLnBrk="0" hangingPunct="1">
+              <a:lnSpc>
+                <a:spcPct val="90000"/>
+              </a:lnSpc>
+              <a:spcBef>
+                <a:spcPts val="500"/>
+              </a:spcBef>
+              <a:buFont typeface="Arial" panose="020B0604020202020204" pitchFamily="34" charset="0"/>
+              <a:buChar char="•"/>
+              <a:defRPr sz="1800" kern="1200">
+                <a:solidFill>
+                  <a:schemeClr val="tx1"/>
+                </a:solidFill>
+                <a:latin typeface="+mn-lt"/>
+                <a:ea typeface="+mn-ea"/>
+                <a:cs typeface="+mn-cs"/>
+              </a:defRPr>
+            </a:lvl5pPr>
+            <a:lvl6pPr marL="2514600" indent="-228600" algn="l" defTabSz="914400" rtl="0" eaLnBrk="1" latinLnBrk="0" hangingPunct="1">
+              <a:lnSpc>
+                <a:spcPct val="90000"/>
+              </a:lnSpc>
+              <a:spcBef>
+                <a:spcPts val="500"/>
+              </a:spcBef>
+              <a:buFont typeface="Arial" panose="020B0604020202020204" pitchFamily="34" charset="0"/>
+              <a:buChar char="•"/>
+              <a:defRPr sz="1800" kern="1200">
+                <a:solidFill>
+                  <a:schemeClr val="tx1"/>
+                </a:solidFill>
+                <a:latin typeface="+mn-lt"/>
+                <a:ea typeface="+mn-ea"/>
+                <a:cs typeface="+mn-cs"/>
+              </a:defRPr>
+            </a:lvl6pPr>
+            <a:lvl7pPr marL="2971800" indent="-228600" algn="l" defTabSz="914400" rtl="0" eaLnBrk="1" latinLnBrk="0" hangingPunct="1">
+              <a:lnSpc>
+                <a:spcPct val="90000"/>
+              </a:lnSpc>
+              <a:spcBef>
+                <a:spcPts val="500"/>
+              </a:spcBef>
+              <a:buFont typeface="Arial" panose="020B0604020202020204" pitchFamily="34" charset="0"/>
+              <a:buChar char="•"/>
+              <a:defRPr sz="1800" kern="1200">
+                <a:solidFill>
+                  <a:schemeClr val="tx1"/>
+                </a:solidFill>
+                <a:latin typeface="+mn-lt"/>
+                <a:ea typeface="+mn-ea"/>
+                <a:cs typeface="+mn-cs"/>
+              </a:defRPr>
+            </a:lvl7pPr>
+            <a:lvl8pPr marL="3429000" indent="-228600" algn="l" defTabSz="914400" rtl="0" eaLnBrk="1" latinLnBrk="0" hangingPunct="1">
+              <a:lnSpc>
+                <a:spcPct val="90000"/>
+              </a:lnSpc>
+              <a:spcBef>
+                <a:spcPts val="500"/>
+              </a:spcBef>
+              <a:buFont typeface="Arial" panose="020B0604020202020204" pitchFamily="34" charset="0"/>
+              <a:buChar char="•"/>
+              <a:defRPr sz="1800" kern="1200">
+                <a:solidFill>
+                  <a:schemeClr val="tx1"/>
+                </a:solidFill>
+                <a:latin typeface="+mn-lt"/>
+                <a:ea typeface="+mn-ea"/>
+                <a:cs typeface="+mn-cs"/>
+              </a:defRPr>
+            </a:lvl8pPr>
+            <a:lvl9pPr marL="3886200" indent="-228600" algn="l" defTabSz="914400" rtl="0" eaLnBrk="1" latinLnBrk="0" hangingPunct="1">
+              <a:lnSpc>
+                <a:spcPct val="90000"/>
+              </a:lnSpc>
+              <a:spcBef>
+                <a:spcPts val="500"/>
+              </a:spcBef>
+              <a:buFont typeface="Arial" panose="020B0604020202020204" pitchFamily="34" charset="0"/>
+              <a:buChar char="•"/>
+              <a:defRPr sz="1800" kern="1200">
+                <a:solidFill>
+                  <a:schemeClr val="tx1"/>
+                </a:solidFill>
+                <a:latin typeface="+mn-lt"/>
+                <a:ea typeface="+mn-ea"/>
+                <a:cs typeface="+mn-cs"/>
+              </a:defRPr>
+            </a:lvl9pPr>
+          </a:lstStyle>
+          <a:p>
+            <a:r>
+              <a:rPr lang="en-US" dirty="0"/>
+              <a:t>Use clean data for visualizations and Machine Learning model</a:t>
+            </a:r>
+          </a:p>
+          <a:p>
+            <a:r>
+              <a:rPr lang="en-US" dirty="0"/>
+              <a:t>Create Database in </a:t>
+            </a:r>
+            <a:r>
+              <a:rPr lang="en-US" dirty="0" err="1"/>
+              <a:t>Postgress</a:t>
+            </a:r>
+            <a:endParaRPr lang="en-US" dirty="0"/>
+          </a:p>
+          <a:p>
+            <a:pPr marL="0" indent="0">
+              <a:buFont typeface="Arial" panose="020B0604020202020204" pitchFamily="34" charset="0"/>
+              <a:buNone/>
+            </a:pPr>
+            <a:endParaRPr lang="en-US" dirty="0"/>
+          </a:p>
+          <a:p>
+            <a:endParaRPr lang="en-US" dirty="0"/>
+          </a:p>
+        </p:txBody>
+      </p:sp>
+    </p:spTree>
+    <p:extLst>
+      <p:ext uri="{BB962C8B-B14F-4D97-AF65-F5344CB8AC3E}">
+        <p14:creationId xmlns:p14="http://schemas.microsoft.com/office/powerpoint/2010/main" val="1997360617"/>
+      </p:ext>
+    </p:extLst>
+  </p:cSld>
+  <p:clrMapOvr>
+    <a:masterClrMapping/>
+  </p:clrMapOvr>
+</p:sld>
+</file>
+
+<file path=ppt/slides/slide6.xml><?xml version="1.0" encoding="utf-8"?>
+<p:sld xmlns:a="http://schemas.openxmlformats.org/drawingml/2006/main" xmlns:r="http://schemas.openxmlformats.org/officeDocument/2006/relationships" xmlns:p="http://schemas.openxmlformats.org/presentationml/2006/main">
+  <p:cSld>
+    <p:spTree>
+      <p:nvGrpSpPr>
+        <p:cNvPr id="1" name=""/>
+        <p:cNvGrpSpPr/>
+        <p:nvPr/>
+      </p:nvGrpSpPr>
+      <p:grpSpPr>
+        <a:xfrm>
+          <a:off x="0" y="0"/>
+          <a:ext cx="0" cy="0"/>
+          <a:chOff x="0" y="0"/>
+          <a:chExt cx="0" cy="0"/>
+        </a:xfrm>
+      </p:grpSpPr>
+      <p:sp>
+        <p:nvSpPr>
+          <p:cNvPr id="2" name="Title 1">
+            <a:extLst>
+              <a:ext uri="{FF2B5EF4-FFF2-40B4-BE49-F238E27FC236}">
                 <a16:creationId xmlns:a16="http://schemas.microsoft.com/office/drawing/2014/main" id="{2519BACF-B9D0-1B97-E839-E3DD4DB01800}"/>
               </a:ext>
             </a:extLst>
@@ -8384,7 +9643,7 @@
           <a:p>
             <a:r>
               <a:rPr lang="en-US" dirty="0"/>
-              <a:t>DATABASE PROCESS</a:t>
+              <a:t>ETL PROCESS/ DATA SOURCES</a:t>
             </a:r>
           </a:p>
         </p:txBody>
@@ -8402,18 +9661,18 @@
           <p:nvPr>
             <p:extLst>
               <p:ext uri="{D42A27DB-BD31-4B8C-83A1-F6EECF244321}">
-                <p14:modId xmlns:p14="http://schemas.microsoft.com/office/powerpoint/2010/main" val="4121651951"/>
+                <p14:modId xmlns:p14="http://schemas.microsoft.com/office/powerpoint/2010/main" val="3162818543"/>
               </p:ext>
             </p:extLst>
           </p:nvPr>
         </p:nvGraphicFramePr>
         <p:xfrm>
-          <a:off x="765175" y="1690158"/>
-          <a:ext cx="7902575" cy="3687234"/>
+          <a:off x="221711" y="1672906"/>
+          <a:ext cx="10802848" cy="4503608"/>
         </p:xfrm>
         <a:graphic>
           <a:graphicData uri="http://schemas.openxmlformats.org/drawingml/2006/diagram">
-            <dgm:relIds xmlns:dgm="http://schemas.openxmlformats.org/drawingml/2006/diagram" xmlns:r="http://schemas.openxmlformats.org/officeDocument/2006/relationships" r:dm="rId2" r:lo="rId3" r:qs="rId4" r:cs="rId5"/>
+            <dgm:relIds xmlns:dgm="http://schemas.openxmlformats.org/drawingml/2006/diagram" xmlns:r="http://schemas.openxmlformats.org/officeDocument/2006/relationships" r:dm="rId3" r:lo="rId4" r:qs="rId5" r:cs="rId6"/>
           </a:graphicData>
         </a:graphic>
       </p:graphicFrame>
@@ -8430,7 +9689,7 @@
 </p:sld>
 </file>
 
-<file path=ppt/slides/slide5.xml><?xml version="1.0" encoding="utf-8"?>
+<file path=ppt/slides/slide7.xml><?xml version="1.0" encoding="utf-8"?>
 <p:sld xmlns:a="http://schemas.openxmlformats.org/drawingml/2006/main" xmlns:r="http://schemas.openxmlformats.org/officeDocument/2006/relationships" xmlns:p="http://schemas.openxmlformats.org/presentationml/2006/main">
   <p:cSld>
     <p:bg>
@@ -8479,13 +9738,13 @@
         </p:spPr>
         <p:txBody>
           <a:bodyPr>
-            <a:normAutofit/>
+            <a:normAutofit fontScale="90000"/>
           </a:bodyPr>
           <a:lstStyle/>
           <a:p>
             <a:r>
               <a:rPr lang="en-US" dirty="0"/>
-              <a:t>MACHINE LEARNING</a:t>
+              <a:t>MACHINE LEARNING MODEL</a:t>
             </a:r>
           </a:p>
         </p:txBody>
@@ -8508,13 +9767,13 @@
         </p:nvSpPr>
         <p:spPr>
           <a:xfrm>
-            <a:off x="648931" y="2438400"/>
+            <a:off x="648929" y="2511552"/>
             <a:ext cx="3505494" cy="3785419"/>
           </a:xfrm>
         </p:spPr>
         <p:txBody>
           <a:bodyPr>
-            <a:normAutofit/>
+            <a:normAutofit fontScale="92500" lnSpcReduction="20000"/>
           </a:bodyPr>
           <a:lstStyle/>
           <a:p>
@@ -8523,23 +9782,52 @@
                 <a:effectLst/>
                 <a:latin typeface="-apple-system"/>
               </a:rPr>
-              <a:t>We are using a linear regression model to predict the frequency of violent crimes occurring per month.</a:t>
-            </a:r>
-          </a:p>
-          <a:p>
-            <a:r>
-              <a:rPr lang="en-US" sz="2000" dirty="0">
+              <a:t>What we wanted to do… Predict frequency of crime per month.</a:t>
+            </a:r>
+          </a:p>
+          <a:p>
+            <a:r>
+              <a:rPr lang="en-US" sz="2000" b="0" i="0" dirty="0">
+                <a:effectLst/>
                 <a:latin typeface="-apple-system"/>
               </a:rPr>
-              <a:t>R Score ?? OR CORRELATION ??</a:t>
-            </a:r>
-            <a:endParaRPr lang="en-US" sz="2000" b="0" i="0" dirty="0">
-              <a:effectLst/>
-              <a:latin typeface="-apple-system"/>
-            </a:endParaRPr>
-          </a:p>
-          <a:p>
-            <a:endParaRPr lang="en-US" sz="2000" dirty="0"/>
+              <a:t>We are </a:t>
+            </a:r>
+            <a:r>
+              <a:rPr lang="en-US" sz="2000" b="1" i="0" dirty="0">
+                <a:effectLst/>
+                <a:latin typeface="-apple-system"/>
+              </a:rPr>
+              <a:t>now</a:t>
+            </a:r>
+            <a:r>
+              <a:rPr lang="en-US" sz="2000" b="0" i="0" dirty="0">
+                <a:effectLst/>
+                <a:latin typeface="-apple-system"/>
+              </a:rPr>
+              <a:t> using a linear regression model to predict the frequency of violent crimes with a gun occurring per month.</a:t>
+            </a:r>
+          </a:p>
+          <a:p>
+            <a:pPr marL="0" indent="0">
+              <a:buNone/>
+            </a:pPr>
+            <a:r>
+              <a:rPr lang="en-US" sz="2000" dirty="0"/>
+              <a:t>LESSONS LEARNED:</a:t>
+            </a:r>
+          </a:p>
+          <a:p>
+            <a:r>
+              <a:rPr lang="en-US" sz="2000" dirty="0"/>
+              <a:t>Linear Regression model does not work for this data.</a:t>
+            </a:r>
+          </a:p>
+          <a:p>
+            <a:r>
+              <a:rPr lang="en-US" sz="2000" dirty="0"/>
+              <a:t>Scary note: gun violence was the only point that made sense!</a:t>
+            </a:r>
           </a:p>
         </p:txBody>
       </p:sp>
@@ -8682,7 +9970,7 @@
       </p:sp>
       <p:pic>
         <p:nvPicPr>
-          <p:cNvPr id="5" name="Picture 4" descr="Chart, scatter chart&#10;&#10;Description automatically generated">
+          <p:cNvPr id="5" name="Picture 4">
             <a:extLst>
               <a:ext uri="{FF2B5EF4-FFF2-40B4-BE49-F238E27FC236}">
                 <a16:creationId xmlns:a16="http://schemas.microsoft.com/office/drawing/2014/main" id="{4BABA169-B973-45E6-1613-884ADC3AC841}"/>
@@ -8694,21 +9982,21 @@
           </p:cNvPicPr>
           <p:nvPr/>
         </p:nvPicPr>
-        <p:blipFill rotWithShape="1">
-          <a:blip r:embed="rId2">
+        <p:blipFill>
+          <a:blip r:embed="rId3">
             <a:extLst>
               <a:ext uri="{28A0092B-C50C-407E-A947-70E740481C1C}">
                 <a14:useLocalDpi xmlns:a14="http://schemas.microsoft.com/office/drawing/2010/main" val="0"/>
               </a:ext>
             </a:extLst>
           </a:blip>
-          <a:srcRect t="25276"/>
+          <a:srcRect l="11206" r="11206"/>
           <a:stretch/>
         </p:blipFill>
         <p:spPr>
           <a:xfrm>
             <a:off x="5880888" y="1452995"/>
-            <a:ext cx="4635332" cy="4385881"/>
+            <a:ext cx="5143670" cy="4385881"/>
           </a:xfrm>
           <a:prstGeom prst="rect">
             <a:avLst/>
@@ -8800,44 +10088,8 @@
         </p:nvSpPr>
         <p:spPr>
           <a:xfrm>
-            <a:off x="7551582" y="892976"/>
-            <a:ext cx="1293944" cy="707886"/>
-          </a:xfrm>
-          <a:prstGeom prst="rect">
-            <a:avLst/>
-          </a:prstGeom>
-          <a:noFill/>
-        </p:spPr>
-        <p:txBody>
-          <a:bodyPr wrap="none" rtlCol="0">
-            <a:spAutoFit/>
-          </a:bodyPr>
-          <a:lstStyle/>
-          <a:p>
-            <a:r>
-              <a:rPr lang="en-US" sz="4000" b="1" dirty="0"/>
-              <a:t>TITLE</a:t>
-            </a:r>
-            <a:endParaRPr lang="en-US" b="1" dirty="0"/>
-          </a:p>
-        </p:txBody>
-      </p:sp>
-      <p:sp>
-        <p:nvSpPr>
-          <p:cNvPr id="9" name="TextBox 8">
-            <a:extLst>
-              <a:ext uri="{FF2B5EF4-FFF2-40B4-BE49-F238E27FC236}">
-                <a16:creationId xmlns:a16="http://schemas.microsoft.com/office/drawing/2014/main" id="{87B65EBA-5F6F-A0AF-8212-3DE0E49AF025}"/>
-              </a:ext>
-            </a:extLst>
-          </p:cNvPr>
-          <p:cNvSpPr txBox="1"/>
-          <p:nvPr/>
-        </p:nvSpPr>
-        <p:spPr>
-          <a:xfrm>
-            <a:off x="6170413" y="5360162"/>
-            <a:ext cx="709449" cy="646331"/>
+            <a:off x="6525137" y="917205"/>
+            <a:ext cx="3919214" cy="523220"/>
           </a:xfrm>
           <a:prstGeom prst="rect">
             <a:avLst/>
@@ -8851,98 +10103,10 @@
           <a:lstStyle/>
           <a:p>
             <a:r>
-              <a:rPr lang="en-US" dirty="0">
-                <a:solidFill>
-                  <a:srgbClr val="FF0000"/>
-                </a:solidFill>
-              </a:rPr>
-              <a:t>JAN 2015</a:t>
-            </a:r>
-          </a:p>
-        </p:txBody>
-      </p:sp>
-      <p:sp>
-        <p:nvSpPr>
-          <p:cNvPr id="11" name="TextBox 10">
-            <a:extLst>
-              <a:ext uri="{FF2B5EF4-FFF2-40B4-BE49-F238E27FC236}">
-                <a16:creationId xmlns:a16="http://schemas.microsoft.com/office/drawing/2014/main" id="{98796C89-5FE4-2E90-A2B7-DABE286E17A8}"/>
-              </a:ext>
-            </a:extLst>
-          </p:cNvPr>
-          <p:cNvSpPr txBox="1"/>
-          <p:nvPr/>
-        </p:nvSpPr>
-        <p:spPr>
-          <a:xfrm>
-            <a:off x="9806771" y="5352638"/>
-            <a:ext cx="709449" cy="646331"/>
-          </a:xfrm>
-          <a:prstGeom prst="rect">
-            <a:avLst/>
-          </a:prstGeom>
-          <a:noFill/>
-        </p:spPr>
-        <p:txBody>
-          <a:bodyPr wrap="square" rtlCol="0">
-            <a:spAutoFit/>
-          </a:bodyPr>
-          <a:lstStyle/>
-          <a:p>
-            <a:r>
-              <a:rPr lang="en-US" dirty="0">
-                <a:solidFill>
-                  <a:srgbClr val="FF0000"/>
-                </a:solidFill>
-              </a:rPr>
-              <a:t>dec 2022</a:t>
-            </a:r>
-          </a:p>
-        </p:txBody>
-      </p:sp>
-      <p:sp>
-        <p:nvSpPr>
-          <p:cNvPr id="13" name="TextBox 12">
-            <a:extLst>
-              <a:ext uri="{FF2B5EF4-FFF2-40B4-BE49-F238E27FC236}">
-                <a16:creationId xmlns:a16="http://schemas.microsoft.com/office/drawing/2014/main" id="{42B4199E-3620-449A-E737-502DD91E72B4}"/>
-              </a:ext>
-            </a:extLst>
-          </p:cNvPr>
-          <p:cNvSpPr txBox="1"/>
-          <p:nvPr/>
-        </p:nvSpPr>
-        <p:spPr>
-          <a:xfrm>
-            <a:off x="8136697" y="5255543"/>
-            <a:ext cx="709449" cy="923330"/>
-          </a:xfrm>
-          <a:prstGeom prst="rect">
-            <a:avLst/>
-          </a:prstGeom>
-          <a:noFill/>
-        </p:spPr>
-        <p:txBody>
-          <a:bodyPr wrap="square" rtlCol="0">
-            <a:spAutoFit/>
-          </a:bodyPr>
-          <a:lstStyle/>
-          <a:p>
-            <a:r>
-              <a:rPr lang="en-US" dirty="0">
-                <a:solidFill>
-                  <a:srgbClr val="FF0000"/>
-                </a:solidFill>
-              </a:rPr>
-              <a:t>Midpoint</a:t>
-            </a:r>
-          </a:p>
-          <a:p>
-            <a:endParaRPr lang="en-US" dirty="0">
-              <a:solidFill>
-                <a:srgbClr val="FF0000"/>
-              </a:solidFill>
-            </a:endParaRPr>
+              <a:rPr lang="en-US" sz="2800" b="1" dirty="0"/>
+              <a:t>Linear Regression Model</a:t>
+            </a:r>
+            <a:endParaRPr lang="en-US" sz="1200" b="1" dirty="0"/>
           </a:p>
         </p:txBody>
       </p:sp>
@@ -8959,7 +10123,7 @@
 </p:sld>
 </file>
 
-<file path=ppt/slides/slide6.xml><?xml version="1.0" encoding="utf-8"?>
+<file path=ppt/slides/slide8.xml><?xml version="1.0" encoding="utf-8"?>
 <p:sld xmlns:a="http://schemas.openxmlformats.org/drawingml/2006/main" xmlns:r="http://schemas.openxmlformats.org/officeDocument/2006/relationships" xmlns:p="http://schemas.openxmlformats.org/presentationml/2006/main">
   <p:cSld>
     <p:spTree>
@@ -9034,7 +10198,7 @@
           <a:p>
             <a:r>
               <a:rPr lang="en-US" b="1" dirty="0">
-                <a:hlinkClick r:id="rId2"/>
+                <a:hlinkClick r:id="rId3"/>
               </a:rPr>
               <a:t>INTERACTIVE DASHBOARD</a:t>
             </a:r>
@@ -9055,7 +10219,7 @@
 </p:sld>
 </file>
 
-<file path=ppt/slides/slide7.xml><?xml version="1.0" encoding="utf-8"?>
+<file path=ppt/slides/slide9.xml><?xml version="1.0" encoding="utf-8"?>
 <p:sld xmlns:a="http://schemas.openxmlformats.org/drawingml/2006/main" xmlns:r="http://schemas.openxmlformats.org/officeDocument/2006/relationships" xmlns:p="http://schemas.openxmlformats.org/presentationml/2006/main">
   <p:cSld>
     <p:spTree>
@@ -9118,13 +10282,67 @@
         </p:nvSpPr>
         <p:spPr/>
         <p:txBody>
-          <a:bodyPr/>
+          <a:bodyPr>
+            <a:normAutofit fontScale="92500" lnSpcReduction="20000"/>
+          </a:bodyPr>
           <a:lstStyle/>
           <a:p>
             <a:r>
               <a:rPr lang="en-US" dirty="0"/>
-              <a:t>Answers to our questions. </a:t>
-            </a:r>
+              <a:t>According to the Heat map, the northern part (Huntersville) of the county would be the safest place for the client and family. </a:t>
+            </a:r>
+          </a:p>
+          <a:p>
+            <a:r>
+              <a:rPr lang="en-US" dirty="0"/>
+              <a:t>University City area seems to have the most crime.</a:t>
+            </a:r>
+          </a:p>
+          <a:p>
+            <a:r>
+              <a:rPr lang="en-US" dirty="0"/>
+              <a:t>Based on our analysis, we feel that the Charlotte area could be a safe enough place for our client. </a:t>
+            </a:r>
+          </a:p>
+          <a:p>
+            <a:pPr lvl="1"/>
+            <a:r>
+              <a:rPr lang="en-US" dirty="0"/>
+              <a:t>There were approximately 880 thousand people living in Charlotte in 2021.</a:t>
+            </a:r>
+          </a:p>
+          <a:p>
+            <a:pPr lvl="2"/>
+            <a:r>
+              <a:rPr lang="en-US" dirty="0"/>
+              <a:t>In 2021, __% of citizens were involved in a violent incident.</a:t>
+            </a:r>
+          </a:p>
+          <a:p>
+            <a:pPr lvl="2"/>
+            <a:r>
+              <a:rPr lang="en-US" dirty="0"/>
+              <a:t>This number seems relatively low compared to the population size</a:t>
+            </a:r>
+          </a:p>
+          <a:p>
+            <a:r>
+              <a:rPr lang="en-US" dirty="0"/>
+              <a:t>We hoped to use our Machine Learning Model to show the frequency of crimes occurring per month to predict the likelihood of a crime occurring in a specific time period.</a:t>
+            </a:r>
+          </a:p>
+          <a:p>
+            <a:pPr lvl="1"/>
+            <a:r>
+              <a:rPr lang="en-US" dirty="0"/>
+              <a:t>Our model did not work for this and therefore we can not confidently provide that information.</a:t>
+            </a:r>
+          </a:p>
+          <a:p>
+            <a:pPr marL="0" indent="0">
+              <a:buNone/>
+            </a:pPr>
+            <a:endParaRPr lang="en-US" dirty="0"/>
           </a:p>
         </p:txBody>
       </p:sp>
@@ -9434,4 +10652,299 @@
     </a:ext>
   </a:extLst>
 </a:theme>
+</file>
+
+<file path=ppt/theme/theme2.xml><?xml version="1.0" encoding="utf-8"?>
+<a:theme xmlns:a="http://schemas.openxmlformats.org/drawingml/2006/main" name="Office Theme">
+  <a:themeElements>
+    <a:clrScheme name="Office">
+      <a:dk1>
+        <a:sysClr val="windowText" lastClr="000000"/>
+      </a:dk1>
+      <a:lt1>
+        <a:sysClr val="window" lastClr="FFFFFF"/>
+      </a:lt1>
+      <a:dk2>
+        <a:srgbClr val="44546A"/>
+      </a:dk2>
+      <a:lt2>
+        <a:srgbClr val="E7E6E6"/>
+      </a:lt2>
+      <a:accent1>
+        <a:srgbClr val="4472C4"/>
+      </a:accent1>
+      <a:accent2>
+        <a:srgbClr val="ED7D31"/>
+      </a:accent2>
+      <a:accent3>
+        <a:srgbClr val="A5A5A5"/>
+      </a:accent3>
+      <a:accent4>
+        <a:srgbClr val="FFC000"/>
+      </a:accent4>
+      <a:accent5>
+        <a:srgbClr val="5B9BD5"/>
+      </a:accent5>
+      <a:accent6>
+        <a:srgbClr val="70AD47"/>
+      </a:accent6>
+      <a:hlink>
+        <a:srgbClr val="0563C1"/>
+      </a:hlink>
+      <a:folHlink>
+        <a:srgbClr val="954F72"/>
+      </a:folHlink>
+    </a:clrScheme>
+    <a:fontScheme name="Office">
+      <a:majorFont>
+        <a:latin typeface="Calibri Light" panose="020F0302020204030204"/>
+        <a:ea typeface=""/>
+        <a:cs typeface=""/>
+        <a:font script="Jpan" typeface="游ゴシック Light"/>
+        <a:font script="Hang" typeface="맑은 고딕"/>
+        <a:font script="Hans" typeface="等线 Light"/>
+        <a:font script="Hant" typeface="新細明體"/>
+        <a:font script="Arab" typeface="Times New Roman"/>
+        <a:font script="Hebr" typeface="Times New Roman"/>
+        <a:font script="Thai" typeface="Angsana New"/>
+        <a:font script="Ethi" typeface="Nyala"/>
+        <a:font script="Beng" typeface="Vrinda"/>
+        <a:font script="Gujr" typeface="Shruti"/>
+        <a:font script="Khmr" typeface="MoolBoran"/>
+        <a:font script="Knda" typeface="Tunga"/>
+        <a:font script="Guru" typeface="Raavi"/>
+        <a:font script="Cans" typeface="Euphemia"/>
+        <a:font script="Cher" typeface="Plantagenet Cherokee"/>
+        <a:font script="Yiii" typeface="Microsoft Yi Baiti"/>
+        <a:font script="Tibt" typeface="Microsoft Himalaya"/>
+        <a:font script="Thaa" typeface="MV Boli"/>
+        <a:font script="Deva" typeface="Mangal"/>
+        <a:font script="Telu" typeface="Gautami"/>
+        <a:font script="Taml" typeface="Latha"/>
+        <a:font script="Syrc" typeface="Estrangelo Edessa"/>
+        <a:font script="Orya" typeface="Kalinga"/>
+        <a:font script="Mlym" typeface="Kartika"/>
+        <a:font script="Laoo" typeface="DokChampa"/>
+        <a:font script="Sinh" typeface="Iskoola Pota"/>
+        <a:font script="Mong" typeface="Mongolian Baiti"/>
+        <a:font script="Viet" typeface="Times New Roman"/>
+        <a:font script="Uigh" typeface="Microsoft Uighur"/>
+        <a:font script="Geor" typeface="Sylfaen"/>
+        <a:font script="Armn" typeface="Arial"/>
+        <a:font script="Bugi" typeface="Leelawadee UI"/>
+        <a:font script="Bopo" typeface="Microsoft JhengHei"/>
+        <a:font script="Java" typeface="Javanese Text"/>
+        <a:font script="Lisu" typeface="Segoe UI"/>
+        <a:font script="Mymr" typeface="Myanmar Text"/>
+        <a:font script="Nkoo" typeface="Ebrima"/>
+        <a:font script="Olck" typeface="Nirmala UI"/>
+        <a:font script="Osma" typeface="Ebrima"/>
+        <a:font script="Phag" typeface="Phagspa"/>
+        <a:font script="Syrn" typeface="Estrangelo Edessa"/>
+        <a:font script="Syrj" typeface="Estrangelo Edessa"/>
+        <a:font script="Syre" typeface="Estrangelo Edessa"/>
+        <a:font script="Sora" typeface="Nirmala UI"/>
+        <a:font script="Tale" typeface="Microsoft Tai Le"/>
+        <a:font script="Talu" typeface="Microsoft New Tai Lue"/>
+        <a:font script="Tfng" typeface="Ebrima"/>
+      </a:majorFont>
+      <a:minorFont>
+        <a:latin typeface="Calibri" panose="020F0502020204030204"/>
+        <a:ea typeface=""/>
+        <a:cs typeface=""/>
+        <a:font script="Jpan" typeface="游ゴシック"/>
+        <a:font script="Hang" typeface="맑은 고딕"/>
+        <a:font script="Hans" typeface="等线"/>
+        <a:font script="Hant" typeface="新細明體"/>
+        <a:font script="Arab" typeface="Arial"/>
+        <a:font script="Hebr" typeface="Arial"/>
+        <a:font script="Thai" typeface="Cordia New"/>
+        <a:font script="Ethi" typeface="Nyala"/>
+        <a:font script="Beng" typeface="Vrinda"/>
+        <a:font script="Gujr" typeface="Shruti"/>
+        <a:font script="Khmr" typeface="DaunPenh"/>
+        <a:font script="Knda" typeface="Tunga"/>
+        <a:font script="Guru" typeface="Raavi"/>
+        <a:font script="Cans" typeface="Euphemia"/>
+        <a:font script="Cher" typeface="Plantagenet Cherokee"/>
+        <a:font script="Yiii" typeface="Microsoft Yi Baiti"/>
+        <a:font script="Tibt" typeface="Microsoft Himalaya"/>
+        <a:font script="Thaa" typeface="MV Boli"/>
+        <a:font script="Deva" typeface="Mangal"/>
+        <a:font script="Telu" typeface="Gautami"/>
+        <a:font script="Taml" typeface="Latha"/>
+        <a:font script="Syrc" typeface="Estrangelo Edessa"/>
+        <a:font script="Orya" typeface="Kalinga"/>
+        <a:font script="Mlym" typeface="Kartika"/>
+        <a:font script="Laoo" typeface="DokChampa"/>
+        <a:font script="Sinh" typeface="Iskoola Pota"/>
+        <a:font script="Mong" typeface="Mongolian Baiti"/>
+        <a:font script="Viet" typeface="Arial"/>
+        <a:font script="Uigh" typeface="Microsoft Uighur"/>
+        <a:font script="Geor" typeface="Sylfaen"/>
+        <a:font script="Armn" typeface="Arial"/>
+        <a:font script="Bugi" typeface="Leelawadee UI"/>
+        <a:font script="Bopo" typeface="Microsoft JhengHei"/>
+        <a:font script="Java" typeface="Javanese Text"/>
+        <a:font script="Lisu" typeface="Segoe UI"/>
+        <a:font script="Mymr" typeface="Myanmar Text"/>
+        <a:font script="Nkoo" typeface="Ebrima"/>
+        <a:font script="Olck" typeface="Nirmala UI"/>
+        <a:font script="Osma" typeface="Ebrima"/>
+        <a:font script="Phag" typeface="Phagspa"/>
+        <a:font script="Syrn" typeface="Estrangelo Edessa"/>
+        <a:font script="Syrj" typeface="Estrangelo Edessa"/>
+        <a:font script="Syre" typeface="Estrangelo Edessa"/>
+        <a:font script="Sora" typeface="Nirmala UI"/>
+        <a:font script="Tale" typeface="Microsoft Tai Le"/>
+        <a:font script="Talu" typeface="Microsoft New Tai Lue"/>
+        <a:font script="Tfng" typeface="Ebrima"/>
+      </a:minorFont>
+    </a:fontScheme>
+    <a:fmtScheme name="Office">
+      <a:fillStyleLst>
+        <a:solidFill>
+          <a:schemeClr val="phClr"/>
+        </a:solidFill>
+        <a:gradFill rotWithShape="1">
+          <a:gsLst>
+            <a:gs pos="0">
+              <a:schemeClr val="phClr">
+                <a:lumMod val="110000"/>
+                <a:satMod val="105000"/>
+                <a:tint val="67000"/>
+              </a:schemeClr>
+            </a:gs>
+            <a:gs pos="50000">
+              <a:schemeClr val="phClr">
+                <a:lumMod val="105000"/>
+                <a:satMod val="103000"/>
+                <a:tint val="73000"/>
+              </a:schemeClr>
+            </a:gs>
+            <a:gs pos="100000">
+              <a:schemeClr val="phClr">
+                <a:lumMod val="105000"/>
+                <a:satMod val="109000"/>
+                <a:tint val="81000"/>
+              </a:schemeClr>
+            </a:gs>
+          </a:gsLst>
+          <a:lin ang="5400000" scaled="0"/>
+        </a:gradFill>
+        <a:gradFill rotWithShape="1">
+          <a:gsLst>
+            <a:gs pos="0">
+              <a:schemeClr val="phClr">
+                <a:satMod val="103000"/>
+                <a:lumMod val="102000"/>
+                <a:tint val="94000"/>
+              </a:schemeClr>
+            </a:gs>
+            <a:gs pos="50000">
+              <a:schemeClr val="phClr">
+                <a:satMod val="110000"/>
+                <a:lumMod val="100000"/>
+                <a:shade val="100000"/>
+              </a:schemeClr>
+            </a:gs>
+            <a:gs pos="100000">
+              <a:schemeClr val="phClr">
+                <a:lumMod val="99000"/>
+                <a:satMod val="120000"/>
+                <a:shade val="78000"/>
+              </a:schemeClr>
+            </a:gs>
+          </a:gsLst>
+          <a:lin ang="5400000" scaled="0"/>
+        </a:gradFill>
+      </a:fillStyleLst>
+      <a:lnStyleLst>
+        <a:ln w="6350" cap="flat" cmpd="sng" algn="ctr">
+          <a:solidFill>
+            <a:schemeClr val="phClr"/>
+          </a:solidFill>
+          <a:prstDash val="solid"/>
+          <a:miter lim="800000"/>
+        </a:ln>
+        <a:ln w="12700" cap="flat" cmpd="sng" algn="ctr">
+          <a:solidFill>
+            <a:schemeClr val="phClr"/>
+          </a:solidFill>
+          <a:prstDash val="solid"/>
+          <a:miter lim="800000"/>
+        </a:ln>
+        <a:ln w="19050" cap="flat" cmpd="sng" algn="ctr">
+          <a:solidFill>
+            <a:schemeClr val="phClr"/>
+          </a:solidFill>
+          <a:prstDash val="solid"/>
+          <a:miter lim="800000"/>
+        </a:ln>
+      </a:lnStyleLst>
+      <a:effectStyleLst>
+        <a:effectStyle>
+          <a:effectLst/>
+        </a:effectStyle>
+        <a:effectStyle>
+          <a:effectLst/>
+        </a:effectStyle>
+        <a:effectStyle>
+          <a:effectLst>
+            <a:outerShdw blurRad="57150" dist="19050" dir="5400000" algn="ctr" rotWithShape="0">
+              <a:srgbClr val="000000">
+                <a:alpha val="63000"/>
+              </a:srgbClr>
+            </a:outerShdw>
+          </a:effectLst>
+        </a:effectStyle>
+      </a:effectStyleLst>
+      <a:bgFillStyleLst>
+        <a:solidFill>
+          <a:schemeClr val="phClr"/>
+        </a:solidFill>
+        <a:solidFill>
+          <a:schemeClr val="phClr">
+            <a:tint val="95000"/>
+            <a:satMod val="170000"/>
+          </a:schemeClr>
+        </a:solidFill>
+        <a:gradFill rotWithShape="1">
+          <a:gsLst>
+            <a:gs pos="0">
+              <a:schemeClr val="phClr">
+                <a:tint val="93000"/>
+                <a:satMod val="150000"/>
+                <a:shade val="98000"/>
+                <a:lumMod val="102000"/>
+              </a:schemeClr>
+            </a:gs>
+            <a:gs pos="50000">
+              <a:schemeClr val="phClr">
+                <a:tint val="98000"/>
+                <a:satMod val="130000"/>
+                <a:shade val="90000"/>
+                <a:lumMod val="103000"/>
+              </a:schemeClr>
+            </a:gs>
+            <a:gs pos="100000">
+              <a:schemeClr val="phClr">
+                <a:shade val="63000"/>
+                <a:satMod val="120000"/>
+              </a:schemeClr>
+            </a:gs>
+          </a:gsLst>
+          <a:lin ang="5400000" scaled="0"/>
+        </a:gradFill>
+      </a:bgFillStyleLst>
+    </a:fmtScheme>
+  </a:themeElements>
+  <a:objectDefaults/>
+  <a:extraClrSchemeLst/>
+  <a:extLst>
+    <a:ext uri="{05A4C25C-085E-4340-85A3-A5531E510DB2}">
+      <thm15:themeFamily xmlns:thm15="http://schemas.microsoft.com/office/thememl/2012/main" name="Office Theme" id="{62F939B6-93AF-4DB8-9C6B-D6C7DFDC589F}" vid="{4A3C46E8-61CC-4603-A589-7422A47A8E4A}"/>
+    </a:ext>
+  </a:extLst>
+</a:theme>
 </file>
--- a/Final Presentation.pptx
+++ b/Final Presentation.pptx
@@ -15658,16 +15658,6 @@
                   <a:schemeClr val="bg1"/>
                 </a:solidFill>
               </a:rPr>
-              <a:t>Although various crimes and their underlying nature seem to be unpredictable, how unforeseeable are they really? </a:t>
-            </a:r>
-          </a:p>
-          <a:p>
-            <a:r>
-              <a:rPr lang="en-US" sz="2000" dirty="0">
-                <a:solidFill>
-                  <a:schemeClr val="bg1"/>
-                </a:solidFill>
-              </a:rPr>
               <a:t>Is Charlotte a safe place to live?</a:t>
             </a:r>
           </a:p>

--- a/Final Presentation.pptx
+++ b/Final Presentation.pptx
@@ -5,19 +5,18 @@
     <p:sldMasterId id="2147483648" r:id="rId1"/>
   </p:sldMasterIdLst>
   <p:notesMasterIdLst>
-    <p:notesMasterId r:id="rId12"/>
+    <p:notesMasterId r:id="rId11"/>
   </p:notesMasterIdLst>
   <p:sldIdLst>
     <p:sldId id="256" r:id="rId2"/>
     <p:sldId id="262" r:id="rId3"/>
-    <p:sldId id="267" r:id="rId4"/>
-    <p:sldId id="257" r:id="rId5"/>
-    <p:sldId id="266" r:id="rId6"/>
-    <p:sldId id="261" r:id="rId7"/>
-    <p:sldId id="260" r:id="rId8"/>
-    <p:sldId id="259" r:id="rId9"/>
-    <p:sldId id="258" r:id="rId10"/>
-    <p:sldId id="264" r:id="rId11"/>
+    <p:sldId id="257" r:id="rId4"/>
+    <p:sldId id="266" r:id="rId5"/>
+    <p:sldId id="261" r:id="rId6"/>
+    <p:sldId id="260" r:id="rId7"/>
+    <p:sldId id="259" r:id="rId8"/>
+    <p:sldId id="258" r:id="rId9"/>
+    <p:sldId id="264" r:id="rId10"/>
   </p:sldIdLst>
   <p:sldSz cx="12192000" cy="6858000"/>
   <p:notesSz cx="6858000" cy="9144000"/>
@@ -2511,7 +2510,7 @@
         <a:lstStyle/>
         <a:p>
           <a:r>
-            <a:rPr lang="en-US"/>
+            <a:rPr lang="en-US" dirty="0"/>
             <a:t>OBTAIN</a:t>
           </a:r>
         </a:p>
@@ -2547,7 +2546,7 @@
         <a:lstStyle/>
         <a:p>
           <a:r>
-            <a:rPr lang="en-US"/>
+            <a:rPr lang="en-US" dirty="0"/>
             <a:t>OBTAIN DATA FROM REPUTABLE SOURCES</a:t>
           </a:r>
         </a:p>
@@ -2583,7 +2582,7 @@
         <a:lstStyle/>
         <a:p>
           <a:r>
-            <a:rPr lang="en-US"/>
+            <a:rPr lang="en-US" dirty="0"/>
             <a:t>CMPD (Charlotte Mecklenburg Police Department)</a:t>
           </a:r>
         </a:p>
@@ -2619,7 +2618,7 @@
         <a:lstStyle/>
         <a:p>
           <a:r>
-            <a:rPr lang="en-US"/>
+            <a:rPr lang="en-US" dirty="0"/>
             <a:t>NIBRS (FBI's National Incident-Based Reporting System)</a:t>
           </a:r>
         </a:p>
@@ -2871,7 +2870,7 @@
         <a:lstStyle/>
         <a:p>
           <a:r>
-            <a:rPr lang="en-US"/>
+            <a:rPr lang="en-US" dirty="0"/>
             <a:t>Use violent crime data and try to predict the frequency of crimes occurring during a specified time period.</a:t>
           </a:r>
         </a:p>
@@ -3087,7 +3086,7 @@
         <a:bodyPr/>
         <a:lstStyle/>
         <a:p>
-          <a:endParaRPr lang="en-US"/>
+          <a:endParaRPr lang="en-US" dirty="0"/>
         </a:p>
       </dgm:t>
     </dgm:pt>
@@ -3123,7 +3122,7 @@
         <a:bodyPr/>
         <a:lstStyle/>
         <a:p>
-          <a:endParaRPr lang="en-US"/>
+          <a:endParaRPr lang="en-US" dirty="0"/>
         </a:p>
       </dgm:t>
     </dgm:pt>
@@ -3159,7 +3158,7 @@
         <a:bodyPr/>
         <a:lstStyle/>
         <a:p>
-          <a:endParaRPr lang="en-US"/>
+          <a:endParaRPr lang="en-US" dirty="0"/>
         </a:p>
       </dgm:t>
     </dgm:pt>
@@ -3195,7 +3194,7 @@
         <a:bodyPr/>
         <a:lstStyle/>
         <a:p>
-          <a:endParaRPr lang="en-US"/>
+          <a:endParaRPr lang="en-US" dirty="0"/>
         </a:p>
       </dgm:t>
     </dgm:pt>
@@ -3231,7 +3230,7 @@
         <a:bodyPr/>
         <a:lstStyle/>
         <a:p>
-          <a:endParaRPr lang="en-US"/>
+          <a:endParaRPr lang="en-US" dirty="0"/>
         </a:p>
       </dgm:t>
     </dgm:pt>
@@ -3267,7 +3266,7 @@
         <a:bodyPr/>
         <a:lstStyle/>
         <a:p>
-          <a:endParaRPr lang="en-US"/>
+          <a:endParaRPr lang="en-US" dirty="0"/>
         </a:p>
       </dgm:t>
     </dgm:pt>
@@ -3316,13 +3315,8 @@
         <a:p>
           <a:r>
             <a:rPr lang="en-US" dirty="0"/>
-            <a:t>Create Database in </a:t>
+            <a:t>Create Database in PostgreSQL</a:t>
           </a:r>
-          <a:r>
-            <a:rPr lang="en-US" dirty="0" err="1"/>
-            <a:t>Postgress</a:t>
-          </a:r>
-          <a:endParaRPr lang="en-US" dirty="0"/>
         </a:p>
       </dgm:t>
     </dgm:pt>
@@ -3333,7 +3327,7 @@
         <a:bodyPr/>
         <a:lstStyle/>
         <a:p>
-          <a:endParaRPr lang="en-US"/>
+          <a:endParaRPr lang="en-US" dirty="0"/>
         </a:p>
       </dgm:t>
     </dgm:pt>
@@ -3380,7 +3374,7 @@
         <a:bodyPr/>
         <a:lstStyle/>
         <a:p>
-          <a:endParaRPr lang="en-US"/>
+          <a:endParaRPr lang="en-US" dirty="0"/>
         </a:p>
       </dgm:t>
     </dgm:pt>
@@ -3629,7 +3623,7 @@
             </a:lnSpc>
           </a:pPr>
           <a:r>
-            <a:rPr lang="en-US"/>
+            <a:rPr lang="en-US" dirty="0"/>
             <a:t>Roadblocks</a:t>
           </a:r>
         </a:p>
@@ -3670,8 +3664,8 @@
             </a:lnSpc>
           </a:pPr>
           <a:r>
-            <a:rPr lang="en-US"/>
-            <a:t>What could we have done differently if we had more time and more training?</a:t>
+            <a:rPr lang="en-US" dirty="0"/>
+            <a:t>What could we have done differently if we had more time and more experience?</a:t>
           </a:r>
         </a:p>
       </dgm:t>
@@ -3749,7 +3743,7 @@
             </a:lnSpc>
           </a:pPr>
           <a:r>
-            <a:rPr lang="en-US"/>
+            <a:rPr lang="en-US" dirty="0"/>
             <a:t>QUESTIONS??? </a:t>
           </a:r>
         </a:p>
@@ -4055,7 +4049,7 @@
             <a:buNone/>
           </a:pPr>
           <a:r>
-            <a:rPr lang="en-US" sz="2500" kern="1200"/>
+            <a:rPr lang="en-US" sz="2500" kern="1200" dirty="0"/>
             <a:t>OBTAIN</a:t>
           </a:r>
         </a:p>
@@ -4134,7 +4128,7 @@
             <a:buNone/>
           </a:pPr>
           <a:r>
-            <a:rPr lang="en-US" sz="1900" kern="1200"/>
+            <a:rPr lang="en-US" sz="1900" kern="1200" dirty="0"/>
             <a:t>OBTAIN DATA FROM REPUTABLE SOURCES</a:t>
           </a:r>
         </a:p>
@@ -4152,7 +4146,7 @@
             <a:buChar char="•"/>
           </a:pPr>
           <a:r>
-            <a:rPr lang="en-US" sz="1500" kern="1200"/>
+            <a:rPr lang="en-US" sz="1500" kern="1200" dirty="0"/>
             <a:t>CMPD (Charlotte Mecklenburg Police Department)</a:t>
           </a:r>
         </a:p>
@@ -4170,7 +4164,7 @@
             <a:buChar char="•"/>
           </a:pPr>
           <a:r>
-            <a:rPr lang="en-US" sz="1500" kern="1200"/>
+            <a:rPr lang="en-US" sz="1500" kern="1200" dirty="0"/>
             <a:t>NIBRS (FBI's National Incident-Based Reporting System)</a:t>
           </a:r>
         </a:p>
@@ -4662,7 +4656,7 @@
             <a:buChar char="•"/>
           </a:pPr>
           <a:r>
-            <a:rPr lang="en-US" sz="1500" kern="1200"/>
+            <a:rPr lang="en-US" sz="1500" kern="1200" dirty="0"/>
             <a:t>Use violent crime data and try to predict the frequency of crimes occurring during a specified time period.</a:t>
           </a:r>
         </a:p>
@@ -4757,7 +4751,7 @@
             </a:spcAft>
             <a:buNone/>
           </a:pPr>
-          <a:endParaRPr lang="en-US" sz="500" kern="1200"/>
+          <a:endParaRPr lang="en-US" sz="500" kern="1200" dirty="0"/>
         </a:p>
       </dsp:txBody>
       <dsp:txXfrm>
@@ -4917,7 +4911,7 @@
             </a:spcAft>
             <a:buNone/>
           </a:pPr>
-          <a:endParaRPr lang="en-US" sz="500" kern="1200"/>
+          <a:endParaRPr lang="en-US" sz="500" kern="1200" dirty="0"/>
         </a:p>
       </dsp:txBody>
       <dsp:txXfrm>
@@ -5077,7 +5071,7 @@
             </a:spcAft>
             <a:buNone/>
           </a:pPr>
-          <a:endParaRPr lang="en-US" sz="500" kern="1200"/>
+          <a:endParaRPr lang="en-US" sz="500" kern="1200" dirty="0"/>
         </a:p>
       </dsp:txBody>
       <dsp:txXfrm>
@@ -5243,7 +5237,7 @@
             </a:spcAft>
             <a:buNone/>
           </a:pPr>
-          <a:endParaRPr lang="en-US" sz="500" kern="1200"/>
+          <a:endParaRPr lang="en-US" sz="500" kern="1200" dirty="0"/>
         </a:p>
       </dsp:txBody>
       <dsp:txXfrm>
@@ -5403,7 +5397,7 @@
             </a:spcAft>
             <a:buNone/>
           </a:pPr>
-          <a:endParaRPr lang="en-US" sz="500" kern="1200"/>
+          <a:endParaRPr lang="en-US" sz="500" kern="1200" dirty="0"/>
         </a:p>
       </dsp:txBody>
       <dsp:txXfrm>
@@ -5563,7 +5557,7 @@
             </a:spcAft>
             <a:buNone/>
           </a:pPr>
-          <a:endParaRPr lang="en-US" sz="500" kern="1200"/>
+          <a:endParaRPr lang="en-US" sz="500" kern="1200" dirty="0"/>
         </a:p>
       </dsp:txBody>
       <dsp:txXfrm>
@@ -5641,13 +5635,8 @@
           </a:pPr>
           <a:r>
             <a:rPr lang="en-US" sz="2000" kern="1200" dirty="0"/>
-            <a:t>Create Database in </a:t>
+            <a:t>Create Database in PostgreSQL</a:t>
           </a:r>
-          <a:r>
-            <a:rPr lang="en-US" sz="2000" kern="1200" dirty="0" err="1"/>
-            <a:t>Postgress</a:t>
-          </a:r>
-          <a:endParaRPr lang="en-US" sz="2000" kern="1200" dirty="0"/>
         </a:p>
       </dsp:txBody>
       <dsp:txXfrm>
@@ -5728,7 +5717,7 @@
             </a:spcAft>
             <a:buNone/>
           </a:pPr>
-          <a:endParaRPr lang="en-US" sz="500" kern="1200"/>
+          <a:endParaRPr lang="en-US" sz="500" kern="1200" dirty="0"/>
         </a:p>
       </dsp:txBody>
       <dsp:txXfrm>
@@ -5894,7 +5883,7 @@
             </a:spcAft>
             <a:buNone/>
           </a:pPr>
-          <a:endParaRPr lang="en-US" sz="500" kern="1200"/>
+          <a:endParaRPr lang="en-US" sz="500" kern="1200" dirty="0"/>
         </a:p>
       </dsp:txBody>
       <dsp:txXfrm>
@@ -6208,7 +6197,7 @@
         </a:bodyPr>
         <a:lstStyle/>
         <a:p>
-          <a:pPr marL="0" lvl="0" indent="0" algn="l" defTabSz="977900">
+          <a:pPr marL="0" lvl="0" indent="0" algn="l" defTabSz="933450">
             <a:lnSpc>
               <a:spcPct val="100000"/>
             </a:lnSpc>
@@ -6221,7 +6210,7 @@
             <a:buNone/>
           </a:pPr>
           <a:r>
-            <a:rPr lang="en-US" sz="2200" kern="1200"/>
+            <a:rPr lang="en-US" sz="2100" kern="1200" dirty="0"/>
             <a:t>Roadblocks</a:t>
           </a:r>
         </a:p>
@@ -6367,7 +6356,7 @@
         </a:bodyPr>
         <a:lstStyle/>
         <a:p>
-          <a:pPr marL="0" lvl="0" indent="0" algn="l" defTabSz="977900">
+          <a:pPr marL="0" lvl="0" indent="0" algn="l" defTabSz="933450">
             <a:lnSpc>
               <a:spcPct val="100000"/>
             </a:lnSpc>
@@ -6380,8 +6369,8 @@
             <a:buNone/>
           </a:pPr>
           <a:r>
-            <a:rPr lang="en-US" sz="2200" kern="1200"/>
-            <a:t>What could we have done differently if we had more time and more training?</a:t>
+            <a:rPr lang="en-US" sz="2100" kern="1200" dirty="0"/>
+            <a:t>What could we have done differently if we had more time and more experience?</a:t>
           </a:r>
         </a:p>
       </dsp:txBody>
@@ -6427,7 +6416,7 @@
         </a:bodyPr>
         <a:lstStyle/>
         <a:p>
-          <a:pPr marL="0" lvl="0" indent="0" algn="l" defTabSz="755650">
+          <a:pPr marL="0" lvl="0" indent="0" algn="l" defTabSz="711200">
             <a:lnSpc>
               <a:spcPct val="100000"/>
             </a:lnSpc>
@@ -6439,7 +6428,7 @@
             </a:spcAft>
             <a:buNone/>
           </a:pPr>
-          <a:endParaRPr lang="en-US" sz="1700" kern="1200" dirty="0"/>
+          <a:endParaRPr lang="en-US" sz="1600" kern="1200" dirty="0"/>
         </a:p>
       </dsp:txBody>
       <dsp:txXfrm>
@@ -6583,7 +6572,7 @@
         </a:bodyPr>
         <a:lstStyle/>
         <a:p>
-          <a:pPr marL="0" lvl="0" indent="0" algn="l" defTabSz="977900">
+          <a:pPr marL="0" lvl="0" indent="0" algn="l" defTabSz="933450">
             <a:lnSpc>
               <a:spcPct val="100000"/>
             </a:lnSpc>
@@ -6596,7 +6585,7 @@
             <a:buNone/>
           </a:pPr>
           <a:r>
-            <a:rPr lang="en-US" sz="2200" kern="1200"/>
+            <a:rPr lang="en-US" sz="2100" kern="1200" dirty="0"/>
             <a:t>QUESTIONS??? </a:t>
           </a:r>
         </a:p>
@@ -10410,7 +10399,7 @@
             </a:lvl1pPr>
           </a:lstStyle>
           <a:p>
-            <a:endParaRPr lang="en-US"/>
+            <a:endParaRPr lang="en-US" dirty="0"/>
           </a:p>
         </p:txBody>
       </p:sp>
@@ -10445,7 +10434,7 @@
               <a:rPr lang="en-US" smtClean="0"/>
               <a:t>2/23/2023</a:t>
             </a:fld>
-            <a:endParaRPr lang="en-US"/>
+            <a:endParaRPr lang="en-US" dirty="0"/>
           </a:p>
         </p:txBody>
       </p:sp>
@@ -10478,7 +10467,7 @@
           <a:bodyPr vert="horz" lIns="91440" tIns="45720" rIns="91440" bIns="45720" rtlCol="0" anchor="ctr"/>
           <a:lstStyle/>
           <a:p>
-            <a:endParaRPr lang="en-US"/>
+            <a:endParaRPr lang="en-US" dirty="0"/>
           </a:p>
         </p:txBody>
       </p:sp>
@@ -10568,7 +10557,7 @@
             </a:lvl1pPr>
           </a:lstStyle>
           <a:p>
-            <a:endParaRPr lang="en-US"/>
+            <a:endParaRPr lang="en-US" dirty="0"/>
           </a:p>
         </p:txBody>
       </p:sp>
@@ -10603,7 +10592,7 @@
               <a:rPr lang="en-US" smtClean="0"/>
               <a:t>‹#›</a:t>
             </a:fld>
-            <a:endParaRPr lang="en-US"/>
+            <a:endParaRPr lang="en-US" dirty="0"/>
           </a:p>
         </p:txBody>
       </p:sp>
@@ -10780,7 +10769,7 @@
               <a:rPr lang="en-US" smtClean="0"/>
               <a:t>1</a:t>
             </a:fld>
-            <a:endParaRPr lang="en-US"/>
+            <a:endParaRPr lang="en-US" dirty="0"/>
           </a:p>
         </p:txBody>
       </p:sp>
@@ -10862,9 +10851,9 @@
           <a:p>
             <a:fld id="{4E127533-29CA-4A56-BE46-0935E67317E8}" type="slidenum">
               <a:rPr lang="en-US" smtClean="0"/>
-              <a:t>4</a:t>
+              <a:t>3</a:t>
             </a:fld>
-            <a:endParaRPr lang="en-US"/>
+            <a:endParaRPr lang="en-US" dirty="0"/>
           </a:p>
         </p:txBody>
       </p:sp>
@@ -10946,9 +10935,9 @@
           <a:p>
             <a:fld id="{4E127533-29CA-4A56-BE46-0935E67317E8}" type="slidenum">
               <a:rPr lang="en-US" smtClean="0"/>
-              <a:t>5</a:t>
+              <a:t>4</a:t>
             </a:fld>
-            <a:endParaRPr lang="en-US"/>
+            <a:endParaRPr lang="en-US" dirty="0"/>
           </a:p>
         </p:txBody>
       </p:sp>
@@ -11010,12 +10999,8 @@
           <a:lstStyle/>
           <a:p>
             <a:r>
-              <a:rPr lang="en-US" dirty="0" err="1"/>
-              <a:t>Fiston</a:t>
-            </a:r>
-            <a:r>
               <a:rPr lang="en-US" dirty="0"/>
-              <a:t> &amp; Brenton: Discuss the process. Make sure to discuss that we created the database but did not actually use it for the Machine Learning piece.</a:t>
+              <a:t>Fiston &amp; Brenton: Discuss the process. Make sure to discuss that we created the database but did not actually use it for the Machine Learning piece.</a:t>
             </a:r>
           </a:p>
         </p:txBody>
@@ -11037,9 +11022,9 @@
           <a:p>
             <a:fld id="{4E127533-29CA-4A56-BE46-0935E67317E8}" type="slidenum">
               <a:rPr lang="en-US" smtClean="0"/>
-              <a:t>6</a:t>
+              <a:t>5</a:t>
             </a:fld>
-            <a:endParaRPr lang="en-US"/>
+            <a:endParaRPr lang="en-US" dirty="0"/>
           </a:p>
         </p:txBody>
       </p:sp>
@@ -11124,9 +11109,9 @@
           <a:p>
             <a:fld id="{4E127533-29CA-4A56-BE46-0935E67317E8}" type="slidenum">
               <a:rPr lang="en-US" smtClean="0"/>
-              <a:t>7</a:t>
+              <a:t>6</a:t>
             </a:fld>
-            <a:endParaRPr lang="en-US"/>
+            <a:endParaRPr lang="en-US" dirty="0"/>
           </a:p>
         </p:txBody>
       </p:sp>
@@ -11211,9 +11196,9 @@
           <a:p>
             <a:fld id="{4E127533-29CA-4A56-BE46-0935E67317E8}" type="slidenum">
               <a:rPr lang="en-US" smtClean="0"/>
-              <a:t>8</a:t>
+              <a:t>7</a:t>
             </a:fld>
-            <a:endParaRPr lang="en-US"/>
+            <a:endParaRPr lang="en-US" dirty="0"/>
           </a:p>
         </p:txBody>
       </p:sp>
@@ -11295,9 +11280,9 @@
           <a:p>
             <a:fld id="{4E127533-29CA-4A56-BE46-0935E67317E8}" type="slidenum">
               <a:rPr lang="en-US" smtClean="0"/>
-              <a:t>10</a:t>
+              <a:t>9</a:t>
             </a:fld>
-            <a:endParaRPr lang="en-US"/>
+            <a:endParaRPr lang="en-US" dirty="0"/>
           </a:p>
         </p:txBody>
       </p:sp>
@@ -11463,7 +11448,7 @@
               <a:rPr lang="en-US" smtClean="0"/>
               <a:t>2/23/2023</a:t>
             </a:fld>
-            <a:endParaRPr lang="en-US"/>
+            <a:endParaRPr lang="en-US" dirty="0"/>
           </a:p>
         </p:txBody>
       </p:sp>
@@ -11488,7 +11473,7 @@
           <a:bodyPr/>
           <a:lstStyle/>
           <a:p>
-            <a:endParaRPr lang="en-US"/>
+            <a:endParaRPr lang="en-US" dirty="0"/>
           </a:p>
         </p:txBody>
       </p:sp>
@@ -11517,7 +11502,7 @@
               <a:rPr lang="en-US" smtClean="0"/>
               <a:t>‹#›</a:t>
             </a:fld>
-            <a:endParaRPr lang="en-US"/>
+            <a:endParaRPr lang="en-US" dirty="0"/>
           </a:p>
         </p:txBody>
       </p:sp>
@@ -11661,7 +11646,7 @@
               <a:rPr lang="en-US" smtClean="0"/>
               <a:t>2/23/2023</a:t>
             </a:fld>
-            <a:endParaRPr lang="en-US"/>
+            <a:endParaRPr lang="en-US" dirty="0"/>
           </a:p>
         </p:txBody>
       </p:sp>
@@ -11686,7 +11671,7 @@
           <a:bodyPr/>
           <a:lstStyle/>
           <a:p>
-            <a:endParaRPr lang="en-US"/>
+            <a:endParaRPr lang="en-US" dirty="0"/>
           </a:p>
         </p:txBody>
       </p:sp>
@@ -11715,7 +11700,7 @@
               <a:rPr lang="en-US" smtClean="0"/>
               <a:t>‹#›</a:t>
             </a:fld>
-            <a:endParaRPr lang="en-US"/>
+            <a:endParaRPr lang="en-US" dirty="0"/>
           </a:p>
         </p:txBody>
       </p:sp>
@@ -11869,7 +11854,7 @@
               <a:rPr lang="en-US" smtClean="0"/>
               <a:t>2/23/2023</a:t>
             </a:fld>
-            <a:endParaRPr lang="en-US"/>
+            <a:endParaRPr lang="en-US" dirty="0"/>
           </a:p>
         </p:txBody>
       </p:sp>
@@ -11894,7 +11879,7 @@
           <a:bodyPr/>
           <a:lstStyle/>
           <a:p>
-            <a:endParaRPr lang="en-US"/>
+            <a:endParaRPr lang="en-US" dirty="0"/>
           </a:p>
         </p:txBody>
       </p:sp>
@@ -11923,7 +11908,7 @@
               <a:rPr lang="en-US" smtClean="0"/>
               <a:t>‹#›</a:t>
             </a:fld>
-            <a:endParaRPr lang="en-US"/>
+            <a:endParaRPr lang="en-US" dirty="0"/>
           </a:p>
         </p:txBody>
       </p:sp>
@@ -12067,7 +12052,7 @@
               <a:rPr lang="en-US" smtClean="0"/>
               <a:t>2/23/2023</a:t>
             </a:fld>
-            <a:endParaRPr lang="en-US"/>
+            <a:endParaRPr lang="en-US" dirty="0"/>
           </a:p>
         </p:txBody>
       </p:sp>
@@ -12092,7 +12077,7 @@
           <a:bodyPr/>
           <a:lstStyle/>
           <a:p>
-            <a:endParaRPr lang="en-US"/>
+            <a:endParaRPr lang="en-US" dirty="0"/>
           </a:p>
         </p:txBody>
       </p:sp>
@@ -12121,7 +12106,7 @@
               <a:rPr lang="en-US" smtClean="0"/>
               <a:t>‹#›</a:t>
             </a:fld>
-            <a:endParaRPr lang="en-US"/>
+            <a:endParaRPr lang="en-US" dirty="0"/>
           </a:p>
         </p:txBody>
       </p:sp>
@@ -12342,7 +12327,7 @@
               <a:rPr lang="en-US" smtClean="0"/>
               <a:t>2/23/2023</a:t>
             </a:fld>
-            <a:endParaRPr lang="en-US"/>
+            <a:endParaRPr lang="en-US" dirty="0"/>
           </a:p>
         </p:txBody>
       </p:sp>
@@ -12367,7 +12352,7 @@
           <a:bodyPr/>
           <a:lstStyle/>
           <a:p>
-            <a:endParaRPr lang="en-US"/>
+            <a:endParaRPr lang="en-US" dirty="0"/>
           </a:p>
         </p:txBody>
       </p:sp>
@@ -12396,7 +12381,7 @@
               <a:rPr lang="en-US" smtClean="0"/>
               <a:t>‹#›</a:t>
             </a:fld>
-            <a:endParaRPr lang="en-US"/>
+            <a:endParaRPr lang="en-US" dirty="0"/>
           </a:p>
         </p:txBody>
       </p:sp>
@@ -12607,7 +12592,7 @@
               <a:rPr lang="en-US" smtClean="0"/>
               <a:t>2/23/2023</a:t>
             </a:fld>
-            <a:endParaRPr lang="en-US"/>
+            <a:endParaRPr lang="en-US" dirty="0"/>
           </a:p>
         </p:txBody>
       </p:sp>
@@ -12632,7 +12617,7 @@
           <a:bodyPr/>
           <a:lstStyle/>
           <a:p>
-            <a:endParaRPr lang="en-US"/>
+            <a:endParaRPr lang="en-US" dirty="0"/>
           </a:p>
         </p:txBody>
       </p:sp>
@@ -12661,7 +12646,7 @@
               <a:rPr lang="en-US" smtClean="0"/>
               <a:t>‹#›</a:t>
             </a:fld>
-            <a:endParaRPr lang="en-US"/>
+            <a:endParaRPr lang="en-US" dirty="0"/>
           </a:p>
         </p:txBody>
       </p:sp>
@@ -13019,7 +13004,7 @@
               <a:rPr lang="en-US" smtClean="0"/>
               <a:t>2/23/2023</a:t>
             </a:fld>
-            <a:endParaRPr lang="en-US"/>
+            <a:endParaRPr lang="en-US" dirty="0"/>
           </a:p>
         </p:txBody>
       </p:sp>
@@ -13044,7 +13029,7 @@
           <a:bodyPr/>
           <a:lstStyle/>
           <a:p>
-            <a:endParaRPr lang="en-US"/>
+            <a:endParaRPr lang="en-US" dirty="0"/>
           </a:p>
         </p:txBody>
       </p:sp>
@@ -13073,7 +13058,7 @@
               <a:rPr lang="en-US" smtClean="0"/>
               <a:t>‹#›</a:t>
             </a:fld>
-            <a:endParaRPr lang="en-US"/>
+            <a:endParaRPr lang="en-US" dirty="0"/>
           </a:p>
         </p:txBody>
       </p:sp>
@@ -13160,7 +13145,7 @@
               <a:rPr lang="en-US" smtClean="0"/>
               <a:t>2/23/2023</a:t>
             </a:fld>
-            <a:endParaRPr lang="en-US"/>
+            <a:endParaRPr lang="en-US" dirty="0"/>
           </a:p>
         </p:txBody>
       </p:sp>
@@ -13185,7 +13170,7 @@
           <a:bodyPr/>
           <a:lstStyle/>
           <a:p>
-            <a:endParaRPr lang="en-US"/>
+            <a:endParaRPr lang="en-US" dirty="0"/>
           </a:p>
         </p:txBody>
       </p:sp>
@@ -13214,7 +13199,7 @@
               <a:rPr lang="en-US" smtClean="0"/>
               <a:t>‹#›</a:t>
             </a:fld>
-            <a:endParaRPr lang="en-US"/>
+            <a:endParaRPr lang="en-US" dirty="0"/>
           </a:p>
         </p:txBody>
       </p:sp>
@@ -13273,7 +13258,7 @@
               <a:rPr lang="en-US" smtClean="0"/>
               <a:t>2/23/2023</a:t>
             </a:fld>
-            <a:endParaRPr lang="en-US"/>
+            <a:endParaRPr lang="en-US" dirty="0"/>
           </a:p>
         </p:txBody>
       </p:sp>
@@ -13298,7 +13283,7 @@
           <a:bodyPr/>
           <a:lstStyle/>
           <a:p>
-            <a:endParaRPr lang="en-US"/>
+            <a:endParaRPr lang="en-US" dirty="0"/>
           </a:p>
         </p:txBody>
       </p:sp>
@@ -13327,7 +13312,7 @@
               <a:rPr lang="en-US" smtClean="0"/>
               <a:t>‹#›</a:t>
             </a:fld>
-            <a:endParaRPr lang="en-US"/>
+            <a:endParaRPr lang="en-US" dirty="0"/>
           </a:p>
         </p:txBody>
       </p:sp>
@@ -13584,7 +13569,7 @@
               <a:rPr lang="en-US" smtClean="0"/>
               <a:t>2/23/2023</a:t>
             </a:fld>
-            <a:endParaRPr lang="en-US"/>
+            <a:endParaRPr lang="en-US" dirty="0"/>
           </a:p>
         </p:txBody>
       </p:sp>
@@ -13609,7 +13594,7 @@
           <a:bodyPr/>
           <a:lstStyle/>
           <a:p>
-            <a:endParaRPr lang="en-US"/>
+            <a:endParaRPr lang="en-US" dirty="0"/>
           </a:p>
         </p:txBody>
       </p:sp>
@@ -13638,7 +13623,7 @@
               <a:rPr lang="en-US" smtClean="0"/>
               <a:t>‹#›</a:t>
             </a:fld>
-            <a:endParaRPr lang="en-US"/>
+            <a:endParaRPr lang="en-US" dirty="0"/>
           </a:p>
         </p:txBody>
       </p:sp>
@@ -13772,7 +13757,7 @@
             </a:lvl9pPr>
           </a:lstStyle>
           <a:p>
-            <a:endParaRPr lang="en-US"/>
+            <a:endParaRPr lang="en-US" dirty="0"/>
           </a:p>
         </p:txBody>
       </p:sp>
@@ -13872,7 +13857,7 @@
               <a:rPr lang="en-US" smtClean="0"/>
               <a:t>2/23/2023</a:t>
             </a:fld>
-            <a:endParaRPr lang="en-US"/>
+            <a:endParaRPr lang="en-US" dirty="0"/>
           </a:p>
         </p:txBody>
       </p:sp>
@@ -13897,7 +13882,7 @@
           <a:bodyPr/>
           <a:lstStyle/>
           <a:p>
-            <a:endParaRPr lang="en-US"/>
+            <a:endParaRPr lang="en-US" dirty="0"/>
           </a:p>
         </p:txBody>
       </p:sp>
@@ -13926,7 +13911,7 @@
               <a:rPr lang="en-US" smtClean="0"/>
               <a:t>‹#›</a:t>
             </a:fld>
-            <a:endParaRPr lang="en-US"/>
+            <a:endParaRPr lang="en-US" dirty="0"/>
           </a:p>
         </p:txBody>
       </p:sp>
@@ -14113,7 +14098,7 @@
               <a:rPr lang="en-US" smtClean="0"/>
               <a:t>2/23/2023</a:t>
             </a:fld>
-            <a:endParaRPr lang="en-US"/>
+            <a:endParaRPr lang="en-US" dirty="0"/>
           </a:p>
         </p:txBody>
       </p:sp>
@@ -14156,7 +14141,7 @@
             </a:lvl1pPr>
           </a:lstStyle>
           <a:p>
-            <a:endParaRPr lang="en-US"/>
+            <a:endParaRPr lang="en-US" dirty="0"/>
           </a:p>
         </p:txBody>
       </p:sp>
@@ -14203,7 +14188,7 @@
               <a:rPr lang="en-US" smtClean="0"/>
               <a:t>‹#›</a:t>
             </a:fld>
-            <a:endParaRPr lang="en-US"/>
+            <a:endParaRPr lang="en-US" dirty="0"/>
           </a:p>
         </p:txBody>
       </p:sp>
@@ -14709,7 +14694,7 @@
               <a:buFont typeface="Arial"/>
               <a:buNone/>
             </a:pPr>
-            <a:endParaRPr lang="en-US" sz="1600" cap="all"/>
+            <a:endParaRPr lang="en-US" sz="1600" cap="all" dirty="0"/>
           </a:p>
         </p:txBody>
       </p:sp>
@@ -14841,21 +14826,8 @@
             <a:pPr algn="ctr"/>
             <a:r>
               <a:rPr lang="en-US" sz="1600" i="1" dirty="0"/>
-              <a:t>Kimberly Cavazos, Brenton Ervin, Ryan Marshall, </a:t>
+              <a:t>Kimberly Cavazos, Brenton Ervin, Ryan Marshall, Fiston Rugwiro</a:t>
             </a:r>
-            <a:r>
-              <a:rPr lang="en-US" sz="1600" i="1" dirty="0" err="1"/>
-              <a:t>Fiston</a:t>
-            </a:r>
-            <a:r>
-              <a:rPr lang="en-US" sz="1600" i="1" dirty="0"/>
-              <a:t> </a:t>
-            </a:r>
-            <a:r>
-              <a:rPr lang="en-US" sz="1600" i="1" dirty="0" err="1"/>
-              <a:t>Rugwiro</a:t>
-            </a:r>
-            <a:endParaRPr lang="en-US" sz="1600" i="1" dirty="0"/>
           </a:p>
         </p:txBody>
       </p:sp>
@@ -14863,110 +14835,6 @@
     <p:extLst>
       <p:ext uri="{BB962C8B-B14F-4D97-AF65-F5344CB8AC3E}">
         <p14:creationId xmlns:p14="http://schemas.microsoft.com/office/powerpoint/2010/main" val="1619952008"/>
-      </p:ext>
-    </p:extLst>
-  </p:cSld>
-  <p:clrMapOvr>
-    <a:masterClrMapping/>
-  </p:clrMapOvr>
-</p:sld>
-</file>
-
-<file path=ppt/slides/slide10.xml><?xml version="1.0" encoding="utf-8"?>
-<p:sld xmlns:a="http://schemas.openxmlformats.org/drawingml/2006/main" xmlns:r="http://schemas.openxmlformats.org/officeDocument/2006/relationships" xmlns:p="http://schemas.openxmlformats.org/presentationml/2006/main">
-  <p:cSld>
-    <p:bg>
-      <p:bgPr>
-        <a:solidFill>
-          <a:schemeClr val="tx1">
-            <a:lumMod val="65000"/>
-            <a:lumOff val="35000"/>
-          </a:schemeClr>
-        </a:solidFill>
-        <a:effectLst/>
-      </p:bgPr>
-    </p:bg>
-    <p:spTree>
-      <p:nvGrpSpPr>
-        <p:cNvPr id="1" name=""/>
-        <p:cNvGrpSpPr/>
-        <p:nvPr/>
-      </p:nvGrpSpPr>
-      <p:grpSpPr>
-        <a:xfrm>
-          <a:off x="0" y="0"/>
-          <a:ext cx="0" cy="0"/>
-          <a:chOff x="0" y="0"/>
-          <a:chExt cx="0" cy="0"/>
-        </a:xfrm>
-      </p:grpSpPr>
-      <p:sp>
-        <p:nvSpPr>
-          <p:cNvPr id="2" name="Title 1">
-            <a:extLst>
-              <a:ext uri="{FF2B5EF4-FFF2-40B4-BE49-F238E27FC236}">
-                <a16:creationId xmlns:a16="http://schemas.microsoft.com/office/drawing/2014/main" id="{08D7CB85-61A9-3122-7B93-2AC270A9CEF9}"/>
-              </a:ext>
-            </a:extLst>
-          </p:cNvPr>
-          <p:cNvSpPr>
-            <a:spLocks noGrp="1"/>
-          </p:cNvSpPr>
-          <p:nvPr>
-            <p:ph type="title"/>
-          </p:nvPr>
-        </p:nvSpPr>
-        <p:spPr/>
-        <p:txBody>
-          <a:bodyPr/>
-          <a:lstStyle/>
-          <a:p>
-            <a:r>
-              <a:rPr lang="en-US" dirty="0">
-                <a:solidFill>
-                  <a:schemeClr val="bg1"/>
-                </a:solidFill>
-              </a:rPr>
-              <a:t>DISCUSSION</a:t>
-            </a:r>
-          </a:p>
-        </p:txBody>
-      </p:sp>
-      <p:graphicFrame>
-        <p:nvGraphicFramePr>
-          <p:cNvPr id="5" name="Content Placeholder 2">
-            <a:extLst>
-              <a:ext uri="{FF2B5EF4-FFF2-40B4-BE49-F238E27FC236}">
-                <a16:creationId xmlns:a16="http://schemas.microsoft.com/office/drawing/2014/main" id="{3C6F6929-1797-D3C3-61D7-645587B53AA8}"/>
-              </a:ext>
-            </a:extLst>
-          </p:cNvPr>
-          <p:cNvGraphicFramePr>
-            <a:graphicFrameLocks noGrp="1"/>
-          </p:cNvGraphicFramePr>
-          <p:nvPr>
-            <p:ph idx="1"/>
-            <p:extLst>
-              <p:ext uri="{D42A27DB-BD31-4B8C-83A1-F6EECF244321}">
-                <p14:modId xmlns:p14="http://schemas.microsoft.com/office/powerpoint/2010/main" val="1718512700"/>
-              </p:ext>
-            </p:extLst>
-          </p:nvPr>
-        </p:nvGraphicFramePr>
-        <p:xfrm>
-          <a:off x="838200" y="1825625"/>
-          <a:ext cx="10515600" cy="4351338"/>
-        </p:xfrm>
-        <a:graphic>
-          <a:graphicData uri="http://schemas.openxmlformats.org/drawingml/2006/diagram">
-            <dgm:relIds xmlns:dgm="http://schemas.openxmlformats.org/drawingml/2006/diagram" xmlns:r="http://schemas.openxmlformats.org/officeDocument/2006/relationships" r:dm="rId3" r:lo="rId4" r:qs="rId5" r:cs="rId6"/>
-          </a:graphicData>
-        </a:graphic>
-      </p:graphicFrame>
-    </p:spTree>
-    <p:extLst>
-      <p:ext uri="{BB962C8B-B14F-4D97-AF65-F5344CB8AC3E}">
-        <p14:creationId xmlns:p14="http://schemas.microsoft.com/office/powerpoint/2010/main" val="2620501839"/>
       </p:ext>
     </p:extLst>
   </p:cSld>
@@ -15022,21 +14890,20 @@
         </p:nvSpPr>
         <p:spPr>
           <a:xfrm>
-            <a:off x="6289158" y="803325"/>
+            <a:off x="6381756" y="854619"/>
             <a:ext cx="5259707" cy="1325563"/>
           </a:xfrm>
         </p:spPr>
         <p:txBody>
           <a:bodyPr>
-            <a:normAutofit/>
+            <a:normAutofit fontScale="90000"/>
           </a:bodyPr>
           <a:lstStyle/>
           <a:p>
             <a:r>
-              <a:rPr lang="en-US" b="1"/>
-              <a:t>TOPIC DISCUSSION</a:t>
+              <a:rPr lang="en-US" sz="3600" b="1" dirty="0"/>
+              <a:t>TOPIC DISCUSSION &amp; QUESTIONS WE HOPED TO ANSWER…</a:t>
             </a:r>
-            <a:endParaRPr lang="en-US" b="1" dirty="0"/>
           </a:p>
         </p:txBody>
       </p:sp>
@@ -15264,35 +15131,56 @@
         </p:nvSpPr>
         <p:spPr>
           <a:xfrm>
-            <a:off x="6289158" y="2279018"/>
+            <a:off x="6136816" y="2492459"/>
             <a:ext cx="5259714" cy="3375920"/>
           </a:xfrm>
         </p:spPr>
         <p:txBody>
           <a:bodyPr anchor="t">
-            <a:normAutofit/>
+            <a:normAutofit fontScale="77500" lnSpcReduction="20000"/>
           </a:bodyPr>
           <a:lstStyle/>
           <a:p>
             <a:r>
-              <a:rPr lang="en-US" dirty="0"/>
-              <a:t>Analyze the crime data in Charlotte, NC and the surrounding area within Mecklenburg County.</a:t>
+              <a:rPr lang="en-US" sz="2800" dirty="0"/>
+              <a:t>Is Charlotte a safe place to live?</a:t>
             </a:r>
           </a:p>
           <a:p>
             <a:r>
-              <a:rPr lang="en-US" dirty="0"/>
-              <a:t>Why did we choose this?</a:t>
+              <a:rPr lang="en-US" sz="2800" dirty="0">
+                <a:latin typeface="-apple-system"/>
+              </a:rPr>
+              <a:t>Where is the safest place in the Charlotte are per the crime data?</a:t>
+            </a:r>
+            <a:r>
+              <a:rPr lang="en-US" sz="2800" b="0" i="0" dirty="0">
+                <a:effectLst/>
+                <a:latin typeface="-apple-system"/>
+              </a:rPr>
+              <a:t> </a:t>
             </a:r>
           </a:p>
           <a:p>
-            <a:pPr marL="457200" lvl="1" indent="0">
-              <a:buNone/>
-            </a:pPr>
-            <a:endParaRPr lang="en-US" sz="1800" b="0" i="0" dirty="0">
-              <a:effectLst/>
-              <a:latin typeface="-apple-system"/>
-            </a:endParaRPr>
+            <a:r>
+              <a:rPr lang="en-US" sz="2800" dirty="0"/>
+              <a:t>Can we use machine learning to develop an efficient method to take preventative measures?</a:t>
+            </a:r>
+          </a:p>
+          <a:p>
+            <a:r>
+              <a:rPr lang="en-US" sz="2800" dirty="0"/>
+              <a:t>Can we predict crimes before they even occur?</a:t>
+            </a:r>
+          </a:p>
+          <a:p>
+            <a:r>
+              <a:rPr lang="en-US" sz="2800" dirty="0"/>
+              <a:t>Can we predict the frequency of violent crimes occurring per month in Charlotte?</a:t>
+            </a:r>
+          </a:p>
+          <a:p>
+            <a:endParaRPr lang="en-US" dirty="0"/>
           </a:p>
         </p:txBody>
       </p:sp>
@@ -15310,424 +15198,6 @@
 </file>
 
 <file path=ppt/slides/slide3.xml><?xml version="1.0" encoding="utf-8"?>
-<p:sld xmlns:a="http://schemas.openxmlformats.org/drawingml/2006/main" xmlns:r="http://schemas.openxmlformats.org/officeDocument/2006/relationships" xmlns:p="http://schemas.openxmlformats.org/presentationml/2006/main">
-  <p:cSld>
-    <p:bg>
-      <p:bgPr>
-        <a:solidFill>
-          <a:schemeClr val="bg1">
-            <a:tint val="95000"/>
-            <a:satMod val="170000"/>
-          </a:schemeClr>
-        </a:solidFill>
-        <a:effectLst/>
-      </p:bgPr>
-    </p:bg>
-    <p:spTree>
-      <p:nvGrpSpPr>
-        <p:cNvPr id="1" name=""/>
-        <p:cNvGrpSpPr/>
-        <p:nvPr/>
-      </p:nvGrpSpPr>
-      <p:grpSpPr>
-        <a:xfrm>
-          <a:off x="0" y="0"/>
-          <a:ext cx="0" cy="0"/>
-          <a:chOff x="0" y="0"/>
-          <a:chExt cx="0" cy="0"/>
-        </a:xfrm>
-      </p:grpSpPr>
-      <p:sp>
-        <p:nvSpPr>
-          <p:cNvPr id="2" name="Title 1">
-            <a:extLst>
-              <a:ext uri="{FF2B5EF4-FFF2-40B4-BE49-F238E27FC236}">
-                <a16:creationId xmlns:a16="http://schemas.microsoft.com/office/drawing/2014/main" id="{26C0E0FB-8C7B-7895-0825-1A6822E196AC}"/>
-              </a:ext>
-            </a:extLst>
-          </p:cNvPr>
-          <p:cNvSpPr>
-            <a:spLocks noGrp="1"/>
-          </p:cNvSpPr>
-          <p:nvPr>
-            <p:ph type="title"/>
-          </p:nvPr>
-        </p:nvSpPr>
-        <p:spPr>
-          <a:xfrm>
-            <a:off x="804673" y="1445494"/>
-            <a:ext cx="3616856" cy="4376572"/>
-          </a:xfrm>
-        </p:spPr>
-        <p:txBody>
-          <a:bodyPr anchor="ctr">
-            <a:normAutofit/>
-          </a:bodyPr>
-          <a:lstStyle/>
-          <a:p>
-            <a:r>
-              <a:rPr lang="en-US" sz="4800"/>
-              <a:t>QUESTIONS TO ANSWER</a:t>
-            </a:r>
-          </a:p>
-        </p:txBody>
-      </p:sp>
-      <p:sp>
-        <p:nvSpPr>
-          <p:cNvPr id="8" name="Freeform: Shape 7">
-            <a:extLst>
-              <a:ext uri="{FF2B5EF4-FFF2-40B4-BE49-F238E27FC236}">
-                <a16:creationId xmlns:a16="http://schemas.microsoft.com/office/drawing/2014/main" id="{DFF2AC85-FAA0-4844-813F-83C04D7382E2}"/>
-              </a:ext>
-              <a:ext uri="{C183D7F6-B498-43B3-948B-1728B52AA6E4}">
-                <adec:decorative xmlns:adec="http://schemas.microsoft.com/office/drawing/2017/decorative" val="1"/>
-              </a:ext>
-            </a:extLst>
-          </p:cNvPr>
-          <p:cNvSpPr>
-            <a:spLocks noGrp="1" noRot="1" noChangeAspect="1" noMove="1" noResize="1" noEditPoints="1" noAdjustHandles="1" noChangeArrowheads="1" noChangeShapeType="1" noTextEdit="1"/>
-          </p:cNvSpPr>
-          <p:nvPr>
-            <p:extLst>
-              <p:ext uri="{386F3935-93C4-4BCD-93E2-E3B085C9AB24}">
-                <p16:designElem xmlns:p16="http://schemas.microsoft.com/office/powerpoint/2015/main" val="1"/>
-              </p:ext>
-            </p:extLst>
-          </p:nvPr>
-        </p:nvSpPr>
-        <p:spPr>
-          <a:xfrm>
-            <a:off x="4907636" y="0"/>
-            <a:ext cx="7281316" cy="6858000"/>
-          </a:xfrm>
-          <a:custGeom>
-            <a:avLst/>
-            <a:gdLst>
-              <a:gd name="connsiteX0" fmla="*/ 361354 w 7281316"/>
-              <a:gd name="connsiteY0" fmla="*/ 0 h 6858000"/>
-              <a:gd name="connsiteX1" fmla="*/ 7281316 w 7281316"/>
-              <a:gd name="connsiteY1" fmla="*/ 0 h 6858000"/>
-              <a:gd name="connsiteX2" fmla="*/ 7281316 w 7281316"/>
-              <a:gd name="connsiteY2" fmla="*/ 6858000 h 6858000"/>
-              <a:gd name="connsiteX3" fmla="*/ 696735 w 7281316"/>
-              <a:gd name="connsiteY3" fmla="*/ 6858000 h 6858000"/>
-              <a:gd name="connsiteX4" fmla="*/ 690849 w 7281316"/>
-              <a:gd name="connsiteY4" fmla="*/ 6842426 h 6858000"/>
-              <a:gd name="connsiteX5" fmla="*/ 335637 w 7281316"/>
-              <a:gd name="connsiteY5" fmla="*/ 94722 h 6858000"/>
-            </a:gdLst>
-            <a:ahLst/>
-            <a:cxnLst>
-              <a:cxn ang="0">
-                <a:pos x="connsiteX0" y="connsiteY0"/>
-              </a:cxn>
-              <a:cxn ang="0">
-                <a:pos x="connsiteX1" y="connsiteY1"/>
-              </a:cxn>
-              <a:cxn ang="0">
-                <a:pos x="connsiteX2" y="connsiteY2"/>
-              </a:cxn>
-              <a:cxn ang="0">
-                <a:pos x="connsiteX3" y="connsiteY3"/>
-              </a:cxn>
-              <a:cxn ang="0">
-                <a:pos x="connsiteX4" y="connsiteY4"/>
-              </a:cxn>
-              <a:cxn ang="0">
-                <a:pos x="connsiteX5" y="connsiteY5"/>
-              </a:cxn>
-            </a:cxnLst>
-            <a:rect l="l" t="t" r="r" b="b"/>
-            <a:pathLst>
-              <a:path w="7281316" h="6858000">
-                <a:moveTo>
-                  <a:pt x="361354" y="0"/>
-                </a:moveTo>
-                <a:lnTo>
-                  <a:pt x="7281316" y="0"/>
-                </a:lnTo>
-                <a:lnTo>
-                  <a:pt x="7281316" y="6858000"/>
-                </a:lnTo>
-                <a:lnTo>
-                  <a:pt x="696735" y="6858000"/>
-                </a:lnTo>
-                <a:lnTo>
-                  <a:pt x="690849" y="6842426"/>
-                </a:lnTo>
-                <a:cubicBezTo>
-                  <a:pt x="-65870" y="4704140"/>
-                  <a:pt x="-226206" y="2374054"/>
-                  <a:pt x="335637" y="94722"/>
-                </a:cubicBezTo>
-                <a:close/>
-              </a:path>
-            </a:pathLst>
-          </a:custGeom>
-          <a:solidFill>
-            <a:schemeClr val="tx1">
-              <a:alpha val="80000"/>
-            </a:schemeClr>
-          </a:solidFill>
-          <a:ln>
-            <a:noFill/>
-          </a:ln>
-        </p:spPr>
-        <p:style>
-          <a:lnRef idx="2">
-            <a:schemeClr val="accent1">
-              <a:shade val="50000"/>
-            </a:schemeClr>
-          </a:lnRef>
-          <a:fillRef idx="1">
-            <a:schemeClr val="accent1"/>
-          </a:fillRef>
-          <a:effectRef idx="0">
-            <a:schemeClr val="accent1"/>
-          </a:effectRef>
-          <a:fontRef idx="minor">
-            <a:schemeClr val="lt1"/>
-          </a:fontRef>
-        </p:style>
-        <p:txBody>
-          <a:bodyPr rtlCol="0" anchor="ctr"/>
-          <a:lstStyle/>
-          <a:p>
-            <a:pPr algn="ctr"/>
-            <a:endParaRPr lang="en-US"/>
-          </a:p>
-        </p:txBody>
-      </p:sp>
-      <p:sp>
-        <p:nvSpPr>
-          <p:cNvPr id="10" name="Freeform: Shape 9">
-            <a:extLst>
-              <a:ext uri="{FF2B5EF4-FFF2-40B4-BE49-F238E27FC236}">
-                <a16:creationId xmlns:a16="http://schemas.microsoft.com/office/drawing/2014/main" id="{89CC0F1E-BAA2-47B1-8F83-7ECB9FD9E009}"/>
-              </a:ext>
-              <a:ext uri="{C183D7F6-B498-43B3-948B-1728B52AA6E4}">
-                <adec:decorative xmlns:adec="http://schemas.microsoft.com/office/drawing/2017/decorative" val="1"/>
-              </a:ext>
-            </a:extLst>
-          </p:cNvPr>
-          <p:cNvSpPr>
-            <a:spLocks noGrp="1" noRot="1" noChangeAspect="1" noMove="1" noResize="1" noEditPoints="1" noAdjustHandles="1" noChangeArrowheads="1" noChangeShapeType="1" noTextEdit="1"/>
-          </p:cNvSpPr>
-          <p:nvPr>
-            <p:extLst>
-              <p:ext uri="{386F3935-93C4-4BCD-93E2-E3B085C9AB24}">
-                <p16:designElem xmlns:p16="http://schemas.microsoft.com/office/powerpoint/2015/main" val="1"/>
-              </p:ext>
-            </p:extLst>
-          </p:nvPr>
-        </p:nvSpPr>
-        <p:spPr>
-          <a:xfrm>
-            <a:off x="5189558" y="0"/>
-            <a:ext cx="6999394" cy="6858000"/>
-          </a:xfrm>
-          <a:custGeom>
-            <a:avLst/>
-            <a:gdLst>
-              <a:gd name="connsiteX0" fmla="*/ 6999394 w 6999394"/>
-              <a:gd name="connsiteY0" fmla="*/ 0 h 6858000"/>
-              <a:gd name="connsiteX1" fmla="*/ 6999394 w 6999394"/>
-              <a:gd name="connsiteY1" fmla="*/ 6858000 h 6858000"/>
-              <a:gd name="connsiteX2" fmla="*/ 717029 w 6999394"/>
-              <a:gd name="connsiteY2" fmla="*/ 6858000 h 6858000"/>
-              <a:gd name="connsiteX3" fmla="*/ 623642 w 6999394"/>
-              <a:gd name="connsiteY3" fmla="*/ 6599363 h 6858000"/>
-              <a:gd name="connsiteX4" fmla="*/ 319533 w 6999394"/>
-              <a:gd name="connsiteY4" fmla="*/ 193787 h 6858000"/>
-              <a:gd name="connsiteX5" fmla="*/ 371685 w 6999394"/>
-              <a:gd name="connsiteY5" fmla="*/ 1 h 6858000"/>
-            </a:gdLst>
-            <a:ahLst/>
-            <a:cxnLst>
-              <a:cxn ang="0">
-                <a:pos x="connsiteX0" y="connsiteY0"/>
-              </a:cxn>
-              <a:cxn ang="0">
-                <a:pos x="connsiteX1" y="connsiteY1"/>
-              </a:cxn>
-              <a:cxn ang="0">
-                <a:pos x="connsiteX2" y="connsiteY2"/>
-              </a:cxn>
-              <a:cxn ang="0">
-                <a:pos x="connsiteX3" y="connsiteY3"/>
-              </a:cxn>
-              <a:cxn ang="0">
-                <a:pos x="connsiteX4" y="connsiteY4"/>
-              </a:cxn>
-              <a:cxn ang="0">
-                <a:pos x="connsiteX5" y="connsiteY5"/>
-              </a:cxn>
-            </a:cxnLst>
-            <a:rect l="l" t="t" r="r" b="b"/>
-            <a:pathLst>
-              <a:path w="6999394" h="6858000">
-                <a:moveTo>
-                  <a:pt x="6999394" y="0"/>
-                </a:moveTo>
-                <a:lnTo>
-                  <a:pt x="6999394" y="6858000"/>
-                </a:lnTo>
-                <a:lnTo>
-                  <a:pt x="717029" y="6858000"/>
-                </a:lnTo>
-                <a:lnTo>
-                  <a:pt x="623642" y="6599363"/>
-                </a:lnTo>
-                <a:cubicBezTo>
-                  <a:pt x="-67685" y="4563346"/>
-                  <a:pt x="-206622" y="2355719"/>
-                  <a:pt x="319533" y="193787"/>
-                </a:cubicBezTo>
-                <a:lnTo>
-                  <a:pt x="371685" y="1"/>
-                </a:lnTo>
-                <a:close/>
-              </a:path>
-            </a:pathLst>
-          </a:custGeom>
-          <a:solidFill>
-            <a:schemeClr val="tx1">
-              <a:alpha val="80000"/>
-            </a:schemeClr>
-          </a:solidFill>
-          <a:ln>
-            <a:noFill/>
-          </a:ln>
-        </p:spPr>
-        <p:style>
-          <a:lnRef idx="2">
-            <a:schemeClr val="accent1">
-              <a:shade val="50000"/>
-            </a:schemeClr>
-          </a:lnRef>
-          <a:fillRef idx="1">
-            <a:schemeClr val="accent1"/>
-          </a:fillRef>
-          <a:effectRef idx="0">
-            <a:schemeClr val="accent1"/>
-          </a:effectRef>
-          <a:fontRef idx="minor">
-            <a:schemeClr val="lt1"/>
-          </a:fontRef>
-        </p:style>
-        <p:txBody>
-          <a:bodyPr rtlCol="0" anchor="ctr"/>
-          <a:lstStyle/>
-          <a:p>
-            <a:pPr algn="ctr"/>
-            <a:endParaRPr lang="en-US"/>
-          </a:p>
-        </p:txBody>
-      </p:sp>
-      <p:sp>
-        <p:nvSpPr>
-          <p:cNvPr id="3" name="Content Placeholder 2">
-            <a:extLst>
-              <a:ext uri="{FF2B5EF4-FFF2-40B4-BE49-F238E27FC236}">
-                <a16:creationId xmlns:a16="http://schemas.microsoft.com/office/drawing/2014/main" id="{7D00227B-83EF-6DBE-19F0-2DC06260D8F1}"/>
-              </a:ext>
-            </a:extLst>
-          </p:cNvPr>
-          <p:cNvSpPr>
-            <a:spLocks noGrp="1"/>
-          </p:cNvSpPr>
-          <p:nvPr>
-            <p:ph idx="1"/>
-          </p:nvPr>
-        </p:nvSpPr>
-        <p:spPr>
-          <a:xfrm>
-            <a:off x="6096000" y="1399032"/>
-            <a:ext cx="5501834" cy="4471416"/>
-          </a:xfrm>
-        </p:spPr>
-        <p:txBody>
-          <a:bodyPr anchor="ctr">
-            <a:normAutofit/>
-          </a:bodyPr>
-          <a:lstStyle/>
-          <a:p>
-            <a:r>
-              <a:rPr lang="en-US" sz="2000" dirty="0">
-                <a:solidFill>
-                  <a:schemeClr val="bg1"/>
-                </a:solidFill>
-              </a:rPr>
-              <a:t>Is Charlotte a safe place to live?</a:t>
-            </a:r>
-          </a:p>
-          <a:p>
-            <a:r>
-              <a:rPr lang="en-US" sz="2000" dirty="0">
-                <a:solidFill>
-                  <a:schemeClr val="bg1"/>
-                </a:solidFill>
-                <a:latin typeface="-apple-system"/>
-              </a:rPr>
-              <a:t>Where is the safest place in the Charlotte are per the crime data?</a:t>
-            </a:r>
-            <a:r>
-              <a:rPr lang="en-US" sz="2000" b="0" i="0" dirty="0">
-                <a:solidFill>
-                  <a:schemeClr val="bg1"/>
-                </a:solidFill>
-                <a:effectLst/>
-                <a:latin typeface="-apple-system"/>
-              </a:rPr>
-              <a:t> </a:t>
-            </a:r>
-          </a:p>
-          <a:p>
-            <a:r>
-              <a:rPr lang="en-US" sz="2000" dirty="0">
-                <a:solidFill>
-                  <a:schemeClr val="bg1"/>
-                </a:solidFill>
-              </a:rPr>
-              <a:t>Can we use machine learning to develop an efficient method to take preventative measures?</a:t>
-            </a:r>
-          </a:p>
-          <a:p>
-            <a:r>
-              <a:rPr lang="en-US" sz="2000" dirty="0">
-                <a:solidFill>
-                  <a:schemeClr val="bg1"/>
-                </a:solidFill>
-              </a:rPr>
-              <a:t>Can we predict crimes before they even occur?</a:t>
-            </a:r>
-          </a:p>
-          <a:p>
-            <a:r>
-              <a:rPr lang="en-US" sz="2000" dirty="0">
-                <a:solidFill>
-                  <a:schemeClr val="bg1"/>
-                </a:solidFill>
-              </a:rPr>
-              <a:t>Can we predict the frequency of violent crimes occurring per month in Charlotte?</a:t>
-            </a:r>
-          </a:p>
-        </p:txBody>
-      </p:sp>
-    </p:spTree>
-    <p:extLst>
-      <p:ext uri="{BB962C8B-B14F-4D97-AF65-F5344CB8AC3E}">
-        <p14:creationId xmlns:p14="http://schemas.microsoft.com/office/powerpoint/2010/main" val="2862269861"/>
-      </p:ext>
-    </p:extLst>
-  </p:cSld>
-  <p:clrMapOvr>
-    <a:overrideClrMapping bg1="dk1" tx1="lt1" bg2="dk2" tx2="lt2" accent1="accent1" accent2="accent2" accent3="accent3" accent4="accent4" accent5="accent5" accent6="accent6" hlink="hlink" folHlink="folHlink"/>
-  </p:clrMapOvr>
-</p:sld>
-</file>
-
-<file path=ppt/slides/slide4.xml><?xml version="1.0" encoding="utf-8"?>
 <p:sld xmlns:a="http://schemas.openxmlformats.org/drawingml/2006/main" xmlns:r="http://schemas.openxmlformats.org/officeDocument/2006/relationships" xmlns:p="http://schemas.openxmlformats.org/presentationml/2006/main">
   <p:cSld>
     <p:bg>
@@ -15811,7 +15281,7 @@
           <a:lstStyle/>
           <a:p>
             <a:pPr algn="ctr"/>
-            <a:endParaRPr lang="en-US"/>
+            <a:endParaRPr lang="en-US" dirty="0"/>
           </a:p>
         </p:txBody>
       </p:sp>
@@ -15899,7 +15369,7 @@
 </p:sld>
 </file>
 
-<file path=ppt/slides/slide5.xml><?xml version="1.0" encoding="utf-8"?>
+<file path=ppt/slides/slide4.xml><?xml version="1.0" encoding="utf-8"?>
 <p:sld xmlns:a="http://schemas.openxmlformats.org/drawingml/2006/main" xmlns:r="http://schemas.openxmlformats.org/officeDocument/2006/relationships" xmlns:p="http://schemas.openxmlformats.org/presentationml/2006/main">
   <p:cSld>
     <p:bg>
@@ -16814,21 +16284,8 @@
                   <a:schemeClr val="bg1"/>
                 </a:solidFill>
               </a:rPr>
-              <a:t>Create Database in </a:t>
+              <a:t>Create Database in Postgress</a:t>
             </a:r>
-            <a:r>
-              <a:rPr lang="en-US" dirty="0" err="1">
-                <a:solidFill>
-                  <a:schemeClr val="bg1"/>
-                </a:solidFill>
-              </a:rPr>
-              <a:t>Postgress</a:t>
-            </a:r>
-            <a:endParaRPr lang="en-US" dirty="0">
-              <a:solidFill>
-                <a:schemeClr val="bg1"/>
-              </a:solidFill>
-            </a:endParaRPr>
           </a:p>
           <a:p>
             <a:pPr marL="0" indent="0">
@@ -16863,7 +16320,7 @@
 </p:sld>
 </file>
 
-<file path=ppt/slides/slide6.xml><?xml version="1.0" encoding="utf-8"?>
+<file path=ppt/slides/slide5.xml><?xml version="1.0" encoding="utf-8"?>
 <p:sld xmlns:a="http://schemas.openxmlformats.org/drawingml/2006/main" xmlns:r="http://schemas.openxmlformats.org/officeDocument/2006/relationships" xmlns:p="http://schemas.openxmlformats.org/presentationml/2006/main">
   <p:cSld>
     <p:bg>
@@ -16923,7 +16380,7 @@
                   <a:schemeClr val="bg1"/>
                 </a:solidFill>
               </a:rPr>
-              <a:t>ETL PROCESS/ DATA SOURCES</a:t>
+              <a:t>ETL PROCESS/ DATA SOURCES/ TOOLS</a:t>
             </a:r>
           </a:p>
         </p:txBody>
@@ -16941,7 +16398,7 @@
           <p:nvPr>
             <p:extLst>
               <p:ext uri="{D42A27DB-BD31-4B8C-83A1-F6EECF244321}">
-                <p14:modId xmlns:p14="http://schemas.microsoft.com/office/powerpoint/2010/main" val="2026239501"/>
+                <p14:modId xmlns:p14="http://schemas.microsoft.com/office/powerpoint/2010/main" val="3495752081"/>
               </p:ext>
             </p:extLst>
           </p:nvPr>
@@ -16969,7 +16426,7 @@
 </p:sld>
 </file>
 
-<file path=ppt/slides/slide7.xml><?xml version="1.0" encoding="utf-8"?>
+<file path=ppt/slides/slide6.xml><?xml version="1.0" encoding="utf-8"?>
 <p:sld xmlns:a="http://schemas.openxmlformats.org/drawingml/2006/main" xmlns:r="http://schemas.openxmlformats.org/officeDocument/2006/relationships" xmlns:p="http://schemas.openxmlformats.org/presentationml/2006/main">
   <p:cSld>
     <p:bg>
@@ -17201,7 +16658,7 @@
           <a:lstStyle/>
           <a:p>
             <a:pPr algn="ctr"/>
-            <a:endParaRPr lang="en-US"/>
+            <a:endParaRPr lang="en-US" dirty="0"/>
           </a:p>
         </p:txBody>
       </p:sp>
@@ -17275,7 +16732,7 @@
           <a:lstStyle/>
           <a:p>
             <a:pPr algn="ctr"/>
-            <a:endParaRPr lang="en-US"/>
+            <a:endParaRPr lang="en-US" dirty="0"/>
           </a:p>
         </p:txBody>
       </p:sp>
@@ -17434,7 +16891,7 @@
 </p:sld>
 </file>
 
-<file path=ppt/slides/slide8.xml><?xml version="1.0" encoding="utf-8"?>
+<file path=ppt/slides/slide7.xml><?xml version="1.0" encoding="utf-8"?>
 <p:sld xmlns:a="http://schemas.openxmlformats.org/drawingml/2006/main" xmlns:r="http://schemas.openxmlformats.org/officeDocument/2006/relationships" xmlns:p="http://schemas.openxmlformats.org/presentationml/2006/main">
   <p:cSld>
     <p:bg>
@@ -17650,7 +17107,7 @@
           <a:lstStyle/>
           <a:p>
             <a:pPr algn="ctr"/>
-            <a:endParaRPr lang="en-US"/>
+            <a:endParaRPr lang="en-US" dirty="0"/>
           </a:p>
         </p:txBody>
       </p:sp>
@@ -17773,7 +17230,7 @@
           <a:lstStyle/>
           <a:p>
             <a:pPr algn="ctr"/>
-            <a:endParaRPr lang="en-US"/>
+            <a:endParaRPr lang="en-US" dirty="0"/>
           </a:p>
         </p:txBody>
       </p:sp>
@@ -17806,7 +17263,7 @@
           <a:lstStyle/>
           <a:p>
             <a:r>
-              <a:rPr lang="en-US" b="1"/>
+              <a:rPr lang="en-US" b="1" dirty="0"/>
               <a:t>VISUALIZATIONS</a:t>
             </a:r>
           </a:p>
@@ -17876,7 +17333,7 @@
 </p:sld>
 </file>
 
-<file path=ppt/slides/slide9.xml><?xml version="1.0" encoding="utf-8"?>
+<file path=ppt/slides/slide8.xml><?xml version="1.0" encoding="utf-8"?>
 <p:sld xmlns:a="http://schemas.openxmlformats.org/drawingml/2006/main" xmlns:r="http://schemas.openxmlformats.org/officeDocument/2006/relationships" xmlns:p="http://schemas.openxmlformats.org/presentationml/2006/main">
   <p:cSld>
     <p:bg>
@@ -18089,7 +17546,7 @@
               <a:tabLst/>
               <a:defRPr/>
             </a:pPr>
-            <a:endParaRPr kumimoji="0" lang="en-US" sz="1800" b="0" i="0" u="none" strike="noStrike" kern="1200" cap="none" spc="0" normalizeH="0" baseline="0" noProof="0">
+            <a:endParaRPr kumimoji="0" lang="en-US" sz="1800" b="0" i="0" u="none" strike="noStrike" kern="1200" cap="none" spc="0" normalizeH="0" baseline="0" noProof="0" dirty="0">
               <a:ln>
                 <a:noFill/>
               </a:ln>
@@ -18221,27 +17678,6 @@
             </a:r>
           </a:p>
           <a:p>
-            <a:pPr lvl="1"/>
-            <a:r>
-              <a:rPr lang="en-US" sz="1700" dirty="0"/>
-              <a:t>There were approximately 880 thousand people living in Charlotte in 2021</a:t>
-            </a:r>
-          </a:p>
-          <a:p>
-            <a:pPr lvl="1"/>
-            <a:r>
-              <a:rPr lang="en-US" sz="1700" dirty="0"/>
-              <a:t>The number of incidents compared to the population size does not appear to be significant </a:t>
-            </a:r>
-          </a:p>
-          <a:p>
-            <a:pPr lvl="2"/>
-            <a:r>
-              <a:rPr lang="en-US" sz="1300" dirty="0"/>
-              <a:t>Use caution anywhere</a:t>
-            </a:r>
-          </a:p>
-          <a:p>
             <a:r>
               <a:rPr lang="en-US" sz="1700" dirty="0"/>
               <a:t>We hoped to use our Machine Learning Model to show the frequency of crimes occurring per month to predict the likelihood of a crime occurring in a specific time period.</a:t>
@@ -18271,6 +17707,110 @@
   </p:cSld>
   <p:clrMapOvr>
     <a:overrideClrMapping bg1="dk1" tx1="lt1" bg2="dk2" tx2="lt2" accent1="accent1" accent2="accent2" accent3="accent3" accent4="accent4" accent5="accent5" accent6="accent6" hlink="hlink" folHlink="folHlink"/>
+  </p:clrMapOvr>
+</p:sld>
+</file>
+
+<file path=ppt/slides/slide9.xml><?xml version="1.0" encoding="utf-8"?>
+<p:sld xmlns:a="http://schemas.openxmlformats.org/drawingml/2006/main" xmlns:r="http://schemas.openxmlformats.org/officeDocument/2006/relationships" xmlns:p="http://schemas.openxmlformats.org/presentationml/2006/main">
+  <p:cSld>
+    <p:bg>
+      <p:bgPr>
+        <a:solidFill>
+          <a:schemeClr val="tx1">
+            <a:lumMod val="65000"/>
+            <a:lumOff val="35000"/>
+          </a:schemeClr>
+        </a:solidFill>
+        <a:effectLst/>
+      </p:bgPr>
+    </p:bg>
+    <p:spTree>
+      <p:nvGrpSpPr>
+        <p:cNvPr id="1" name=""/>
+        <p:cNvGrpSpPr/>
+        <p:nvPr/>
+      </p:nvGrpSpPr>
+      <p:grpSpPr>
+        <a:xfrm>
+          <a:off x="0" y="0"/>
+          <a:ext cx="0" cy="0"/>
+          <a:chOff x="0" y="0"/>
+          <a:chExt cx="0" cy="0"/>
+        </a:xfrm>
+      </p:grpSpPr>
+      <p:sp>
+        <p:nvSpPr>
+          <p:cNvPr id="2" name="Title 1">
+            <a:extLst>
+              <a:ext uri="{FF2B5EF4-FFF2-40B4-BE49-F238E27FC236}">
+                <a16:creationId xmlns:a16="http://schemas.microsoft.com/office/drawing/2014/main" id="{08D7CB85-61A9-3122-7B93-2AC270A9CEF9}"/>
+              </a:ext>
+            </a:extLst>
+          </p:cNvPr>
+          <p:cNvSpPr>
+            <a:spLocks noGrp="1"/>
+          </p:cNvSpPr>
+          <p:nvPr>
+            <p:ph type="title"/>
+          </p:nvPr>
+        </p:nvSpPr>
+        <p:spPr/>
+        <p:txBody>
+          <a:bodyPr/>
+          <a:lstStyle/>
+          <a:p>
+            <a:r>
+              <a:rPr lang="en-US" dirty="0">
+                <a:solidFill>
+                  <a:schemeClr val="bg1"/>
+                </a:solidFill>
+              </a:rPr>
+              <a:t>DISCUSSION</a:t>
+            </a:r>
+          </a:p>
+        </p:txBody>
+      </p:sp>
+      <p:graphicFrame>
+        <p:nvGraphicFramePr>
+          <p:cNvPr id="5" name="Content Placeholder 2">
+            <a:extLst>
+              <a:ext uri="{FF2B5EF4-FFF2-40B4-BE49-F238E27FC236}">
+                <a16:creationId xmlns:a16="http://schemas.microsoft.com/office/drawing/2014/main" id="{3C6F6929-1797-D3C3-61D7-645587B53AA8}"/>
+              </a:ext>
+            </a:extLst>
+          </p:cNvPr>
+          <p:cNvGraphicFramePr>
+            <a:graphicFrameLocks noGrp="1"/>
+          </p:cNvGraphicFramePr>
+          <p:nvPr>
+            <p:ph idx="1"/>
+            <p:extLst>
+              <p:ext uri="{D42A27DB-BD31-4B8C-83A1-F6EECF244321}">
+                <p14:modId xmlns:p14="http://schemas.microsoft.com/office/powerpoint/2010/main" val="2986874818"/>
+              </p:ext>
+            </p:extLst>
+          </p:nvPr>
+        </p:nvGraphicFramePr>
+        <p:xfrm>
+          <a:off x="838200" y="1825625"/>
+          <a:ext cx="10515600" cy="4351338"/>
+        </p:xfrm>
+        <a:graphic>
+          <a:graphicData uri="http://schemas.openxmlformats.org/drawingml/2006/diagram">
+            <dgm:relIds xmlns:dgm="http://schemas.openxmlformats.org/drawingml/2006/diagram" xmlns:r="http://schemas.openxmlformats.org/officeDocument/2006/relationships" r:dm="rId3" r:lo="rId4" r:qs="rId5" r:cs="rId6"/>
+          </a:graphicData>
+        </a:graphic>
+      </p:graphicFrame>
+    </p:spTree>
+    <p:extLst>
+      <p:ext uri="{BB962C8B-B14F-4D97-AF65-F5344CB8AC3E}">
+        <p14:creationId xmlns:p14="http://schemas.microsoft.com/office/powerpoint/2010/main" val="2620501839"/>
+      </p:ext>
+    </p:extLst>
+  </p:cSld>
+  <p:clrMapOvr>
+    <a:masterClrMapping/>
   </p:clrMapOvr>
 </p:sld>
 </file>
